--- a/Environments/Topologies.pptx
+++ b/Environments/Topologies.pptx
@@ -11,12 +11,13 @@
     <p:sldId id="285" r:id="rId5"/>
     <p:sldId id="280" r:id="rId6"/>
     <p:sldId id="288" r:id="rId7"/>
-    <p:sldId id="282" r:id="rId8"/>
-    <p:sldId id="281" r:id="rId9"/>
-    <p:sldId id="278" r:id="rId10"/>
-    <p:sldId id="286" r:id="rId11"/>
-    <p:sldId id="287" r:id="rId12"/>
-    <p:sldId id="279" r:id="rId13"/>
+    <p:sldId id="289" r:id="rId8"/>
+    <p:sldId id="282" r:id="rId9"/>
+    <p:sldId id="281" r:id="rId10"/>
+    <p:sldId id="278" r:id="rId11"/>
+    <p:sldId id="286" r:id="rId12"/>
+    <p:sldId id="287" r:id="rId13"/>
+    <p:sldId id="279" r:id="rId14"/>
   </p:sldIdLst>
   <p:sldSz cx="12192000" cy="6858000"/>
   <p:notesSz cx="6858000" cy="9144000"/>
@@ -270,7 +271,7 @@
           <a:p>
             <a:fld id="{EE9D271A-18EE-4359-8F7F-FC78FAD70592}" type="datetimeFigureOut">
               <a:rPr lang="en-US" smtClean="0"/>
-              <a:t>7/8/2023</a:t>
+              <a:t>8/8/2023</a:t>
             </a:fld>
             <a:endParaRPr lang="en-US"/>
           </a:p>
@@ -468,7 +469,7 @@
           <a:p>
             <a:fld id="{EE9D271A-18EE-4359-8F7F-FC78FAD70592}" type="datetimeFigureOut">
               <a:rPr lang="en-US" smtClean="0"/>
-              <a:t>7/8/2023</a:t>
+              <a:t>8/8/2023</a:t>
             </a:fld>
             <a:endParaRPr lang="en-US"/>
           </a:p>
@@ -676,7 +677,7 @@
           <a:p>
             <a:fld id="{EE9D271A-18EE-4359-8F7F-FC78FAD70592}" type="datetimeFigureOut">
               <a:rPr lang="en-US" smtClean="0"/>
-              <a:t>7/8/2023</a:t>
+              <a:t>8/8/2023</a:t>
             </a:fld>
             <a:endParaRPr lang="en-US"/>
           </a:p>
@@ -874,7 +875,7 @@
           <a:p>
             <a:fld id="{EE9D271A-18EE-4359-8F7F-FC78FAD70592}" type="datetimeFigureOut">
               <a:rPr lang="en-US" smtClean="0"/>
-              <a:t>7/8/2023</a:t>
+              <a:t>8/8/2023</a:t>
             </a:fld>
             <a:endParaRPr lang="en-US"/>
           </a:p>
@@ -1149,7 +1150,7 @@
           <a:p>
             <a:fld id="{EE9D271A-18EE-4359-8F7F-FC78FAD70592}" type="datetimeFigureOut">
               <a:rPr lang="en-US" smtClean="0"/>
-              <a:t>7/8/2023</a:t>
+              <a:t>8/8/2023</a:t>
             </a:fld>
             <a:endParaRPr lang="en-US"/>
           </a:p>
@@ -1414,7 +1415,7 @@
           <a:p>
             <a:fld id="{EE9D271A-18EE-4359-8F7F-FC78FAD70592}" type="datetimeFigureOut">
               <a:rPr lang="en-US" smtClean="0"/>
-              <a:t>7/8/2023</a:t>
+              <a:t>8/8/2023</a:t>
             </a:fld>
             <a:endParaRPr lang="en-US"/>
           </a:p>
@@ -1826,7 +1827,7 @@
           <a:p>
             <a:fld id="{EE9D271A-18EE-4359-8F7F-FC78FAD70592}" type="datetimeFigureOut">
               <a:rPr lang="en-US" smtClean="0"/>
-              <a:t>7/8/2023</a:t>
+              <a:t>8/8/2023</a:t>
             </a:fld>
             <a:endParaRPr lang="en-US"/>
           </a:p>
@@ -1967,7 +1968,7 @@
           <a:p>
             <a:fld id="{EE9D271A-18EE-4359-8F7F-FC78FAD70592}" type="datetimeFigureOut">
               <a:rPr lang="en-US" smtClean="0"/>
-              <a:t>7/8/2023</a:t>
+              <a:t>8/8/2023</a:t>
             </a:fld>
             <a:endParaRPr lang="en-US"/>
           </a:p>
@@ -2080,7 +2081,7 @@
           <a:p>
             <a:fld id="{EE9D271A-18EE-4359-8F7F-FC78FAD70592}" type="datetimeFigureOut">
               <a:rPr lang="en-US" smtClean="0"/>
-              <a:t>7/8/2023</a:t>
+              <a:t>8/8/2023</a:t>
             </a:fld>
             <a:endParaRPr lang="en-US"/>
           </a:p>
@@ -2391,7 +2392,7 @@
           <a:p>
             <a:fld id="{EE9D271A-18EE-4359-8F7F-FC78FAD70592}" type="datetimeFigureOut">
               <a:rPr lang="en-US" smtClean="0"/>
-              <a:t>7/8/2023</a:t>
+              <a:t>8/8/2023</a:t>
             </a:fld>
             <a:endParaRPr lang="en-US"/>
           </a:p>
@@ -2679,7 +2680,7 @@
           <a:p>
             <a:fld id="{EE9D271A-18EE-4359-8F7F-FC78FAD70592}" type="datetimeFigureOut">
               <a:rPr lang="en-US" smtClean="0"/>
-              <a:t>7/8/2023</a:t>
+              <a:t>8/8/2023</a:t>
             </a:fld>
             <a:endParaRPr lang="en-US"/>
           </a:p>
@@ -2920,7 +2921,7 @@
           <a:p>
             <a:fld id="{EE9D271A-18EE-4359-8F7F-FC78FAD70592}" type="datetimeFigureOut">
               <a:rPr lang="en-US" smtClean="0"/>
-              <a:t>7/8/2023</a:t>
+              <a:t>8/8/2023</a:t>
             </a:fld>
             <a:endParaRPr lang="en-US"/>
           </a:p>
@@ -4827,6 +4828,153 @@
           <a:chExt cx="0" cy="0"/>
         </a:xfrm>
       </p:grpSpPr>
+      <p:pic>
+        <p:nvPicPr>
+          <p:cNvPr id="1030" name="Picture 6">
+            <a:extLst>
+              <a:ext uri="{FF2B5EF4-FFF2-40B4-BE49-F238E27FC236}">
+                <a16:creationId xmlns:a16="http://schemas.microsoft.com/office/drawing/2014/main" id="{15777D23-8C83-0073-587F-BE9B764D3302}"/>
+              </a:ext>
+            </a:extLst>
+          </p:cNvPr>
+          <p:cNvPicPr>
+            <a:picLocks noChangeAspect="1" noChangeArrowheads="1"/>
+          </p:cNvPicPr>
+          <p:nvPr/>
+        </p:nvPicPr>
+        <p:blipFill>
+          <a:blip r:embed="rId2">
+            <a:extLst>
+              <a:ext uri="{28A0092B-C50C-407E-A947-70E740481C1C}">
+                <a14:useLocalDpi xmlns:a14="http://schemas.microsoft.com/office/drawing/2010/main" val="0"/>
+              </a:ext>
+            </a:extLst>
+          </a:blip>
+          <a:srcRect/>
+          <a:stretch>
+            <a:fillRect/>
+          </a:stretch>
+        </p:blipFill>
+        <p:spPr bwMode="auto">
+          <a:xfrm>
+            <a:off x="2734482" y="1438862"/>
+            <a:ext cx="5391511" cy="3032725"/>
+          </a:xfrm>
+          <a:prstGeom prst="rect">
+            <a:avLst/>
+          </a:prstGeom>
+          <a:noFill/>
+          <a:extLst>
+            <a:ext uri="{909E8E84-426E-40DD-AFC4-6F175D3DCCD1}">
+              <a14:hiddenFill xmlns:a14="http://schemas.microsoft.com/office/drawing/2010/main">
+                <a:solidFill>
+                  <a:srgbClr val="FFFFFF"/>
+                </a:solidFill>
+              </a14:hiddenFill>
+            </a:ext>
+          </a:extLst>
+        </p:spPr>
+      </p:pic>
+      <p:sp>
+        <p:nvSpPr>
+          <p:cNvPr id="8" name="TextBox 7">
+            <a:extLst>
+              <a:ext uri="{FF2B5EF4-FFF2-40B4-BE49-F238E27FC236}">
+                <a16:creationId xmlns:a16="http://schemas.microsoft.com/office/drawing/2014/main" id="{92B2DFD6-4F8D-56CE-3F58-93D582B463A6}"/>
+              </a:ext>
+            </a:extLst>
+          </p:cNvPr>
+          <p:cNvSpPr txBox="1"/>
+          <p:nvPr/>
+        </p:nvSpPr>
+        <p:spPr>
+          <a:xfrm>
+            <a:off x="123969" y="6092393"/>
+            <a:ext cx="6096000" cy="369332"/>
+          </a:xfrm>
+          <a:prstGeom prst="rect">
+            <a:avLst/>
+          </a:prstGeom>
+          <a:noFill/>
+        </p:spPr>
+        <p:txBody>
+          <a:bodyPr wrap="square">
+            <a:spAutoFit/>
+          </a:bodyPr>
+          <a:lstStyle/>
+          <a:p>
+            <a:r>
+              <a:rPr lang="en-US" dirty="0"/>
+              <a:t>Source: https://knowledgedefinednetworking.org/</a:t>
+            </a:r>
+          </a:p>
+        </p:txBody>
+      </p:sp>
+      <p:sp>
+        <p:nvSpPr>
+          <p:cNvPr id="10" name="TextBox 9">
+            <a:extLst>
+              <a:ext uri="{FF2B5EF4-FFF2-40B4-BE49-F238E27FC236}">
+                <a16:creationId xmlns:a16="http://schemas.microsoft.com/office/drawing/2014/main" id="{AB5F9CC2-0860-1CD3-3BB1-550F9984E4B1}"/>
+              </a:ext>
+            </a:extLst>
+          </p:cNvPr>
+          <p:cNvSpPr txBox="1"/>
+          <p:nvPr/>
+        </p:nvSpPr>
+        <p:spPr>
+          <a:xfrm>
+            <a:off x="406400" y="471055"/>
+            <a:ext cx="918841" cy="369332"/>
+          </a:xfrm>
+          <a:prstGeom prst="rect">
+            <a:avLst/>
+          </a:prstGeom>
+          <a:noFill/>
+        </p:spPr>
+        <p:txBody>
+          <a:bodyPr wrap="none" rtlCol="0">
+            <a:spAutoFit/>
+          </a:bodyPr>
+          <a:lstStyle/>
+          <a:p>
+            <a:r>
+              <a:rPr lang="en-US" dirty="0"/>
+              <a:t>NSFNET</a:t>
+            </a:r>
+          </a:p>
+        </p:txBody>
+      </p:sp>
+    </p:spTree>
+    <p:extLst>
+      <p:ext uri="{BB962C8B-B14F-4D97-AF65-F5344CB8AC3E}">
+        <p14:creationId xmlns:p14="http://schemas.microsoft.com/office/powerpoint/2010/main" val="3397918359"/>
+      </p:ext>
+    </p:extLst>
+  </p:cSld>
+  <p:clrMapOvr>
+    <a:masterClrMapping/>
+  </p:clrMapOvr>
+</p:sld>
+</file>
+
+<file path=ppt/slides/slide11.xml><?xml version="1.0" encoding="utf-8"?>
+<p:sld xmlns:a="http://schemas.openxmlformats.org/drawingml/2006/main" xmlns:r="http://schemas.openxmlformats.org/officeDocument/2006/relationships" xmlns:p="http://schemas.openxmlformats.org/presentationml/2006/main">
+  <p:cSld>
+    <p:spTree>
+      <p:nvGrpSpPr>
+        <p:cNvPr id="1" name=""/>
+        <p:cNvGrpSpPr/>
+        <p:nvPr/>
+      </p:nvGrpSpPr>
+      <p:grpSpPr>
+        <a:xfrm>
+          <a:off x="0" y="0"/>
+          <a:ext cx="0" cy="0"/>
+          <a:chOff x="0" y="0"/>
+          <a:chExt cx="0" cy="0"/>
+        </a:xfrm>
+      </p:grpSpPr>
       <p:sp>
         <p:nvSpPr>
           <p:cNvPr id="8" name="TextBox 7">
@@ -4897,8 +5045,8 @@
           </a:p>
         </p:txBody>
       </p:sp>
-      <mc:AlternateContent xmlns:mc="http://schemas.openxmlformats.org/markup-compatibility/2006">
-        <mc:Choice xmlns:a14="http://schemas.microsoft.com/office/drawing/2010/main" Requires="a14">
+      <mc:AlternateContent xmlns:mc="http://schemas.openxmlformats.org/markup-compatibility/2006" xmlns:a14="http://schemas.microsoft.com/office/drawing/2010/main">
+        <mc:Choice Requires="a14">
           <p:sp>
             <p:nvSpPr>
               <p:cNvPr id="3" name="Oval 2">
@@ -4974,7 +5122,7 @@
             </p:txBody>
           </p:sp>
         </mc:Choice>
-        <mc:Fallback>
+        <mc:Fallback xmlns="">
           <p:sp>
             <p:nvSpPr>
               <p:cNvPr id="3" name="Oval 2">
@@ -5024,8 +5172,8 @@
           </p:sp>
         </mc:Fallback>
       </mc:AlternateContent>
-      <mc:AlternateContent xmlns:mc="http://schemas.openxmlformats.org/markup-compatibility/2006">
-        <mc:Choice xmlns:a14="http://schemas.microsoft.com/office/drawing/2010/main" Requires="a14">
+      <mc:AlternateContent xmlns:mc="http://schemas.openxmlformats.org/markup-compatibility/2006" xmlns:a14="http://schemas.microsoft.com/office/drawing/2010/main">
+        <mc:Choice Requires="a14">
           <p:sp>
             <p:nvSpPr>
               <p:cNvPr id="4" name="Oval 3">
@@ -5101,7 +5249,7 @@
             </p:txBody>
           </p:sp>
         </mc:Choice>
-        <mc:Fallback>
+        <mc:Fallback xmlns="">
           <p:sp>
             <p:nvSpPr>
               <p:cNvPr id="4" name="Oval 3">
@@ -5151,8 +5299,8 @@
           </p:sp>
         </mc:Fallback>
       </mc:AlternateContent>
-      <mc:AlternateContent xmlns:mc="http://schemas.openxmlformats.org/markup-compatibility/2006">
-        <mc:Choice xmlns:a14="http://schemas.microsoft.com/office/drawing/2010/main" Requires="a14">
+      <mc:AlternateContent xmlns:mc="http://schemas.openxmlformats.org/markup-compatibility/2006" xmlns:a14="http://schemas.microsoft.com/office/drawing/2010/main">
+        <mc:Choice Requires="a14">
           <p:sp>
             <p:nvSpPr>
               <p:cNvPr id="5" name="Oval 4">
@@ -5228,7 +5376,7 @@
             </p:txBody>
           </p:sp>
         </mc:Choice>
-        <mc:Fallback>
+        <mc:Fallback xmlns="">
           <p:sp>
             <p:nvSpPr>
               <p:cNvPr id="5" name="Oval 4">
@@ -5278,8 +5426,8 @@
           </p:sp>
         </mc:Fallback>
       </mc:AlternateContent>
-      <mc:AlternateContent xmlns:mc="http://schemas.openxmlformats.org/markup-compatibility/2006">
-        <mc:Choice xmlns:a14="http://schemas.microsoft.com/office/drawing/2010/main" Requires="a14">
+      <mc:AlternateContent xmlns:mc="http://schemas.openxmlformats.org/markup-compatibility/2006" xmlns:a14="http://schemas.microsoft.com/office/drawing/2010/main">
+        <mc:Choice Requires="a14">
           <p:sp>
             <p:nvSpPr>
               <p:cNvPr id="6" name="Oval 5">
@@ -5355,7 +5503,7 @@
             </p:txBody>
           </p:sp>
         </mc:Choice>
-        <mc:Fallback>
+        <mc:Fallback xmlns="">
           <p:sp>
             <p:nvSpPr>
               <p:cNvPr id="6" name="Oval 5">
@@ -5405,8 +5553,8 @@
           </p:sp>
         </mc:Fallback>
       </mc:AlternateContent>
-      <mc:AlternateContent xmlns:mc="http://schemas.openxmlformats.org/markup-compatibility/2006">
-        <mc:Choice xmlns:a14="http://schemas.microsoft.com/office/drawing/2010/main" Requires="a14">
+      <mc:AlternateContent xmlns:mc="http://schemas.openxmlformats.org/markup-compatibility/2006" xmlns:a14="http://schemas.microsoft.com/office/drawing/2010/main">
+        <mc:Choice Requires="a14">
           <p:sp>
             <p:nvSpPr>
               <p:cNvPr id="7" name="Oval 6">
@@ -5482,7 +5630,7 @@
             </p:txBody>
           </p:sp>
         </mc:Choice>
-        <mc:Fallback>
+        <mc:Fallback xmlns="">
           <p:sp>
             <p:nvSpPr>
               <p:cNvPr id="7" name="Oval 6">
@@ -5532,8 +5680,8 @@
           </p:sp>
         </mc:Fallback>
       </mc:AlternateContent>
-      <mc:AlternateContent xmlns:mc="http://schemas.openxmlformats.org/markup-compatibility/2006">
-        <mc:Choice xmlns:a14="http://schemas.microsoft.com/office/drawing/2010/main" Requires="a14">
+      <mc:AlternateContent xmlns:mc="http://schemas.openxmlformats.org/markup-compatibility/2006" xmlns:a14="http://schemas.microsoft.com/office/drawing/2010/main">
+        <mc:Choice Requires="a14">
           <p:sp>
             <p:nvSpPr>
               <p:cNvPr id="9" name="Oval 8">
@@ -5609,7 +5757,7 @@
             </p:txBody>
           </p:sp>
         </mc:Choice>
-        <mc:Fallback>
+        <mc:Fallback xmlns="">
           <p:sp>
             <p:nvSpPr>
               <p:cNvPr id="9" name="Oval 8">
@@ -5659,8 +5807,8 @@
           </p:sp>
         </mc:Fallback>
       </mc:AlternateContent>
-      <mc:AlternateContent xmlns:mc="http://schemas.openxmlformats.org/markup-compatibility/2006">
-        <mc:Choice xmlns:a14="http://schemas.microsoft.com/office/drawing/2010/main" Requires="a14">
+      <mc:AlternateContent xmlns:mc="http://schemas.openxmlformats.org/markup-compatibility/2006" xmlns:a14="http://schemas.microsoft.com/office/drawing/2010/main">
+        <mc:Choice Requires="a14">
           <p:sp>
             <p:nvSpPr>
               <p:cNvPr id="11" name="Oval 10">
@@ -5736,7 +5884,7 @@
             </p:txBody>
           </p:sp>
         </mc:Choice>
-        <mc:Fallback>
+        <mc:Fallback xmlns="">
           <p:sp>
             <p:nvSpPr>
               <p:cNvPr id="11" name="Oval 10">
@@ -5786,8 +5934,8 @@
           </p:sp>
         </mc:Fallback>
       </mc:AlternateContent>
-      <mc:AlternateContent xmlns:mc="http://schemas.openxmlformats.org/markup-compatibility/2006">
-        <mc:Choice xmlns:a14="http://schemas.microsoft.com/office/drawing/2010/main" Requires="a14">
+      <mc:AlternateContent xmlns:mc="http://schemas.openxmlformats.org/markup-compatibility/2006" xmlns:a14="http://schemas.microsoft.com/office/drawing/2010/main">
+        <mc:Choice Requires="a14">
           <p:sp>
             <p:nvSpPr>
               <p:cNvPr id="12" name="Oval 11">
@@ -5863,7 +6011,7 @@
             </p:txBody>
           </p:sp>
         </mc:Choice>
-        <mc:Fallback>
+        <mc:Fallback xmlns="">
           <p:sp>
             <p:nvSpPr>
               <p:cNvPr id="12" name="Oval 11">
@@ -5913,8 +6061,8 @@
           </p:sp>
         </mc:Fallback>
       </mc:AlternateContent>
-      <mc:AlternateContent xmlns:mc="http://schemas.openxmlformats.org/markup-compatibility/2006">
-        <mc:Choice xmlns:a14="http://schemas.microsoft.com/office/drawing/2010/main" Requires="a14">
+      <mc:AlternateContent xmlns:mc="http://schemas.openxmlformats.org/markup-compatibility/2006" xmlns:a14="http://schemas.microsoft.com/office/drawing/2010/main">
+        <mc:Choice Requires="a14">
           <p:sp>
             <p:nvSpPr>
               <p:cNvPr id="13" name="Oval 12">
@@ -5990,7 +6138,7 @@
             </p:txBody>
           </p:sp>
         </mc:Choice>
-        <mc:Fallback>
+        <mc:Fallback xmlns="">
           <p:sp>
             <p:nvSpPr>
               <p:cNvPr id="13" name="Oval 12">
@@ -6040,8 +6188,8 @@
           </p:sp>
         </mc:Fallback>
       </mc:AlternateContent>
-      <mc:AlternateContent xmlns:mc="http://schemas.openxmlformats.org/markup-compatibility/2006">
-        <mc:Choice xmlns:a14="http://schemas.microsoft.com/office/drawing/2010/main" Requires="a14">
+      <mc:AlternateContent xmlns:mc="http://schemas.openxmlformats.org/markup-compatibility/2006" xmlns:a14="http://schemas.microsoft.com/office/drawing/2010/main">
+        <mc:Choice Requires="a14">
           <p:sp>
             <p:nvSpPr>
               <p:cNvPr id="14" name="Oval 13">
@@ -6117,7 +6265,7 @@
             </p:txBody>
           </p:sp>
         </mc:Choice>
-        <mc:Fallback>
+        <mc:Fallback xmlns="">
           <p:sp>
             <p:nvSpPr>
               <p:cNvPr id="14" name="Oval 13">
@@ -6167,8 +6315,8 @@
           </p:sp>
         </mc:Fallback>
       </mc:AlternateContent>
-      <mc:AlternateContent xmlns:mc="http://schemas.openxmlformats.org/markup-compatibility/2006">
-        <mc:Choice xmlns:a14="http://schemas.microsoft.com/office/drawing/2010/main" Requires="a14">
+      <mc:AlternateContent xmlns:mc="http://schemas.openxmlformats.org/markup-compatibility/2006" xmlns:a14="http://schemas.microsoft.com/office/drawing/2010/main">
+        <mc:Choice Requires="a14">
           <p:sp>
             <p:nvSpPr>
               <p:cNvPr id="15" name="Oval 14">
@@ -6244,7 +6392,7 @@
             </p:txBody>
           </p:sp>
         </mc:Choice>
-        <mc:Fallback>
+        <mc:Fallback xmlns="">
           <p:sp>
             <p:nvSpPr>
               <p:cNvPr id="15" name="Oval 14">
@@ -6294,8 +6442,8 @@
           </p:sp>
         </mc:Fallback>
       </mc:AlternateContent>
-      <mc:AlternateContent xmlns:mc="http://schemas.openxmlformats.org/markup-compatibility/2006">
-        <mc:Choice xmlns:a14="http://schemas.microsoft.com/office/drawing/2010/main" Requires="a14">
+      <mc:AlternateContent xmlns:mc="http://schemas.openxmlformats.org/markup-compatibility/2006" xmlns:a14="http://schemas.microsoft.com/office/drawing/2010/main">
+        <mc:Choice Requires="a14">
           <p:sp>
             <p:nvSpPr>
               <p:cNvPr id="16" name="Oval 15">
@@ -6371,7 +6519,7 @@
             </p:txBody>
           </p:sp>
         </mc:Choice>
-        <mc:Fallback>
+        <mc:Fallback xmlns="">
           <p:sp>
             <p:nvSpPr>
               <p:cNvPr id="16" name="Oval 15">
@@ -6421,8 +6569,8 @@
           </p:sp>
         </mc:Fallback>
       </mc:AlternateContent>
-      <mc:AlternateContent xmlns:mc="http://schemas.openxmlformats.org/markup-compatibility/2006">
-        <mc:Choice xmlns:a14="http://schemas.microsoft.com/office/drawing/2010/main" Requires="a14">
+      <mc:AlternateContent xmlns:mc="http://schemas.openxmlformats.org/markup-compatibility/2006" xmlns:a14="http://schemas.microsoft.com/office/drawing/2010/main">
+        <mc:Choice Requires="a14">
           <p:sp>
             <p:nvSpPr>
               <p:cNvPr id="17" name="Oval 16">
@@ -6498,7 +6646,7 @@
             </p:txBody>
           </p:sp>
         </mc:Choice>
-        <mc:Fallback>
+        <mc:Fallback xmlns="">
           <p:sp>
             <p:nvSpPr>
               <p:cNvPr id="17" name="Oval 16">
@@ -6548,8 +6696,8 @@
           </p:sp>
         </mc:Fallback>
       </mc:AlternateContent>
-      <mc:AlternateContent xmlns:mc="http://schemas.openxmlformats.org/markup-compatibility/2006">
-        <mc:Choice xmlns:a14="http://schemas.microsoft.com/office/drawing/2010/main" Requires="a14">
+      <mc:AlternateContent xmlns:mc="http://schemas.openxmlformats.org/markup-compatibility/2006" xmlns:a14="http://schemas.microsoft.com/office/drawing/2010/main">
+        <mc:Choice Requires="a14">
           <p:sp>
             <p:nvSpPr>
               <p:cNvPr id="18" name="Oval 17">
@@ -6634,7 +6782,7 @@
             </p:txBody>
           </p:sp>
         </mc:Choice>
-        <mc:Fallback>
+        <mc:Fallback xmlns="">
           <p:sp>
             <p:nvSpPr>
               <p:cNvPr id="18" name="Oval 17">
@@ -7612,8 +7760,8 @@
           </a:fontRef>
         </p:style>
       </p:cxnSp>
-      <mc:AlternateContent xmlns:mc="http://schemas.openxmlformats.org/markup-compatibility/2006">
-        <mc:Choice xmlns:a14="http://schemas.microsoft.com/office/drawing/2010/main" Requires="a14">
+      <mc:AlternateContent xmlns:mc="http://schemas.openxmlformats.org/markup-compatibility/2006" xmlns:a14="http://schemas.microsoft.com/office/drawing/2010/main">
+        <mc:Choice Requires="a14">
           <p:sp>
             <p:nvSpPr>
               <p:cNvPr id="1048" name="TextBox 1047">
@@ -7642,6 +7790,7 @@
               </a:bodyPr>
               <a:lstStyle/>
               <a:p>
+                <a:pPr/>
                 <a14:m>
                   <m:oMathPara xmlns:m="http://schemas.openxmlformats.org/officeDocument/2006/math">
                     <m:oMathParaPr>
@@ -7708,6 +7857,7 @@
                 <a:endParaRPr lang="en-US" b="0" dirty="0"/>
               </a:p>
               <a:p>
+                <a:pPr/>
                 <a14:m>
                   <m:oMathPara xmlns:m="http://schemas.openxmlformats.org/officeDocument/2006/math">
                     <m:oMathParaPr>
@@ -7774,6 +7924,7 @@
                 <a:endParaRPr lang="en-US" b="0" dirty="0"/>
               </a:p>
               <a:p>
+                <a:pPr/>
                 <a14:m>
                   <m:oMathPara xmlns:m="http://schemas.openxmlformats.org/officeDocument/2006/math">
                     <m:oMathParaPr>
@@ -7831,7 +7982,7 @@
             </p:txBody>
           </p:sp>
         </mc:Choice>
-        <mc:Fallback>
+        <mc:Fallback xmlns="">
           <p:sp>
             <p:nvSpPr>
               <p:cNvPr id="1048" name="TextBox 1047">
@@ -7889,7 +8040,7 @@
 </p:sld>
 </file>
 
-<file path=ppt/slides/slide11.xml><?xml version="1.0" encoding="utf-8"?>
+<file path=ppt/slides/slide12.xml><?xml version="1.0" encoding="utf-8"?>
 <p:sld xmlns:a="http://schemas.openxmlformats.org/drawingml/2006/main" xmlns:r="http://schemas.openxmlformats.org/officeDocument/2006/relationships" xmlns:p="http://schemas.openxmlformats.org/presentationml/2006/main">
   <p:cSld>
     <p:spTree>
@@ -7906,8 +8057,8 @@
           <a:chExt cx="0" cy="0"/>
         </a:xfrm>
       </p:grpSpPr>
-      <mc:AlternateContent xmlns:mc="http://schemas.openxmlformats.org/markup-compatibility/2006">
-        <mc:Choice xmlns:a14="http://schemas.microsoft.com/office/drawing/2010/main" Requires="a14">
+      <mc:AlternateContent xmlns:mc="http://schemas.openxmlformats.org/markup-compatibility/2006" xmlns:a14="http://schemas.microsoft.com/office/drawing/2010/main">
+        <mc:Choice Requires="a14">
           <p:sp>
             <p:nvSpPr>
               <p:cNvPr id="4" name="Oval 3">
@@ -7983,7 +8134,7 @@
             </p:txBody>
           </p:sp>
         </mc:Choice>
-        <mc:Fallback>
+        <mc:Fallback xmlns="">
           <p:sp>
             <p:nvSpPr>
               <p:cNvPr id="4" name="Oval 3">
@@ -8075,8 +8226,8 @@
           </a:fontRef>
         </p:style>
       </p:cxnSp>
-      <mc:AlternateContent xmlns:mc="http://schemas.openxmlformats.org/markup-compatibility/2006">
-        <mc:Choice xmlns:a14="http://schemas.microsoft.com/office/drawing/2010/main" Requires="a14">
+      <mc:AlternateContent xmlns:mc="http://schemas.openxmlformats.org/markup-compatibility/2006" xmlns:a14="http://schemas.microsoft.com/office/drawing/2010/main">
+        <mc:Choice Requires="a14">
           <p:sp>
             <p:nvSpPr>
               <p:cNvPr id="14" name="Oval 13">
@@ -8152,7 +8303,7 @@
             </p:txBody>
           </p:sp>
         </mc:Choice>
-        <mc:Fallback>
+        <mc:Fallback xmlns="">
           <p:sp>
             <p:nvSpPr>
               <p:cNvPr id="14" name="Oval 13">
@@ -8202,8 +8353,8 @@
           </p:sp>
         </mc:Fallback>
       </mc:AlternateContent>
-      <mc:AlternateContent xmlns:mc="http://schemas.openxmlformats.org/markup-compatibility/2006">
-        <mc:Choice xmlns:a14="http://schemas.microsoft.com/office/drawing/2010/main" Requires="a14">
+      <mc:AlternateContent xmlns:mc="http://schemas.openxmlformats.org/markup-compatibility/2006" xmlns:a14="http://schemas.microsoft.com/office/drawing/2010/main">
+        <mc:Choice Requires="a14">
           <p:sp>
             <p:nvSpPr>
               <p:cNvPr id="15" name="Oval 14">
@@ -8279,7 +8430,7 @@
             </p:txBody>
           </p:sp>
         </mc:Choice>
-        <mc:Fallback>
+        <mc:Fallback xmlns="">
           <p:sp>
             <p:nvSpPr>
               <p:cNvPr id="15" name="Oval 14">
@@ -8329,8 +8480,8 @@
           </p:sp>
         </mc:Fallback>
       </mc:AlternateContent>
-      <mc:AlternateContent xmlns:mc="http://schemas.openxmlformats.org/markup-compatibility/2006">
-        <mc:Choice xmlns:a14="http://schemas.microsoft.com/office/drawing/2010/main" Requires="a14">
+      <mc:AlternateContent xmlns:mc="http://schemas.openxmlformats.org/markup-compatibility/2006" xmlns:a14="http://schemas.microsoft.com/office/drawing/2010/main">
+        <mc:Choice Requires="a14">
           <p:sp>
             <p:nvSpPr>
               <p:cNvPr id="16" name="Oval 15">
@@ -8406,7 +8557,7 @@
             </p:txBody>
           </p:sp>
         </mc:Choice>
-        <mc:Fallback>
+        <mc:Fallback xmlns="">
           <p:sp>
             <p:nvSpPr>
               <p:cNvPr id="16" name="Oval 15">
@@ -8456,8 +8607,8 @@
           </p:sp>
         </mc:Fallback>
       </mc:AlternateContent>
-      <mc:AlternateContent xmlns:mc="http://schemas.openxmlformats.org/markup-compatibility/2006">
-        <mc:Choice xmlns:a14="http://schemas.microsoft.com/office/drawing/2010/main" Requires="a14">
+      <mc:AlternateContent xmlns:mc="http://schemas.openxmlformats.org/markup-compatibility/2006" xmlns:a14="http://schemas.microsoft.com/office/drawing/2010/main">
+        <mc:Choice Requires="a14">
           <p:sp>
             <p:nvSpPr>
               <p:cNvPr id="17" name="Oval 16">
@@ -8533,7 +8684,7 @@
             </p:txBody>
           </p:sp>
         </mc:Choice>
-        <mc:Fallback>
+        <mc:Fallback xmlns="">
           <p:sp>
             <p:nvSpPr>
               <p:cNvPr id="17" name="Oval 16">
@@ -8583,8 +8734,8 @@
           </p:sp>
         </mc:Fallback>
       </mc:AlternateContent>
-      <mc:AlternateContent xmlns:mc="http://schemas.openxmlformats.org/markup-compatibility/2006">
-        <mc:Choice xmlns:a14="http://schemas.microsoft.com/office/drawing/2010/main" Requires="a14">
+      <mc:AlternateContent xmlns:mc="http://schemas.openxmlformats.org/markup-compatibility/2006" xmlns:a14="http://schemas.microsoft.com/office/drawing/2010/main">
+        <mc:Choice Requires="a14">
           <p:sp>
             <p:nvSpPr>
               <p:cNvPr id="45" name="TextBox 44">
@@ -8737,7 +8888,7 @@
             </p:txBody>
           </p:sp>
         </mc:Choice>
-        <mc:Fallback>
+        <mc:Fallback xmlns="">
           <p:sp>
             <p:nvSpPr>
               <p:cNvPr id="45" name="TextBox 44">
@@ -8782,8 +8933,8 @@
           </p:sp>
         </mc:Fallback>
       </mc:AlternateContent>
-      <mc:AlternateContent xmlns:mc="http://schemas.openxmlformats.org/markup-compatibility/2006">
-        <mc:Choice xmlns:a14="http://schemas.microsoft.com/office/drawing/2010/main" Requires="a14">
+      <mc:AlternateContent xmlns:mc="http://schemas.openxmlformats.org/markup-compatibility/2006" xmlns:a14="http://schemas.microsoft.com/office/drawing/2010/main">
+        <mc:Choice Requires="a14">
           <p:sp>
             <p:nvSpPr>
               <p:cNvPr id="47" name="TextBox 46">
@@ -8833,7 +8984,7 @@
             </p:txBody>
           </p:sp>
         </mc:Choice>
-        <mc:Fallback>
+        <mc:Fallback xmlns="">
           <p:sp>
             <p:nvSpPr>
               <p:cNvPr id="47" name="TextBox 46">
@@ -8878,8 +9029,8 @@
           </p:sp>
         </mc:Fallback>
       </mc:AlternateContent>
-      <mc:AlternateContent xmlns:mc="http://schemas.openxmlformats.org/markup-compatibility/2006">
-        <mc:Choice xmlns:a14="http://schemas.microsoft.com/office/drawing/2010/main" Requires="a14">
+      <mc:AlternateContent xmlns:mc="http://schemas.openxmlformats.org/markup-compatibility/2006" xmlns:a14="http://schemas.microsoft.com/office/drawing/2010/main">
+        <mc:Choice Requires="a14">
           <p:sp>
             <p:nvSpPr>
               <p:cNvPr id="51" name="TextBox 50">
@@ -8929,7 +9080,7 @@
             </p:txBody>
           </p:sp>
         </mc:Choice>
-        <mc:Fallback>
+        <mc:Fallback xmlns="">
           <p:sp>
             <p:nvSpPr>
               <p:cNvPr id="51" name="TextBox 50">
@@ -9009,8 +9160,8 @@
           </a:p>
         </p:txBody>
       </p:sp>
-      <mc:AlternateContent xmlns:mc="http://schemas.openxmlformats.org/markup-compatibility/2006">
-        <mc:Choice xmlns:a14="http://schemas.microsoft.com/office/drawing/2010/main" Requires="a14">
+      <mc:AlternateContent xmlns:mc="http://schemas.openxmlformats.org/markup-compatibility/2006" xmlns:a14="http://schemas.microsoft.com/office/drawing/2010/main">
+        <mc:Choice Requires="a14">
           <p:sp>
             <p:nvSpPr>
               <p:cNvPr id="7" name="Oval 6">
@@ -9086,7 +9237,7 @@
             </p:txBody>
           </p:sp>
         </mc:Choice>
-        <mc:Fallback>
+        <mc:Fallback xmlns="">
           <p:sp>
             <p:nvSpPr>
               <p:cNvPr id="7" name="Oval 6">
@@ -9136,8 +9287,8 @@
           </p:sp>
         </mc:Fallback>
       </mc:AlternateContent>
-      <mc:AlternateContent xmlns:mc="http://schemas.openxmlformats.org/markup-compatibility/2006">
-        <mc:Choice xmlns:a14="http://schemas.microsoft.com/office/drawing/2010/main" Requires="a14">
+      <mc:AlternateContent xmlns:mc="http://schemas.openxmlformats.org/markup-compatibility/2006" xmlns:a14="http://schemas.microsoft.com/office/drawing/2010/main">
+        <mc:Choice Requires="a14">
           <p:sp>
             <p:nvSpPr>
               <p:cNvPr id="10" name="Oval 9">
@@ -9213,7 +9364,7 @@
             </p:txBody>
           </p:sp>
         </mc:Choice>
-        <mc:Fallback>
+        <mc:Fallback xmlns="">
           <p:sp>
             <p:nvSpPr>
               <p:cNvPr id="10" name="Oval 9">
@@ -9263,8 +9414,8 @@
           </p:sp>
         </mc:Fallback>
       </mc:AlternateContent>
-      <mc:AlternateContent xmlns:mc="http://schemas.openxmlformats.org/markup-compatibility/2006">
-        <mc:Choice xmlns:a14="http://schemas.microsoft.com/office/drawing/2010/main" Requires="a14">
+      <mc:AlternateContent xmlns:mc="http://schemas.openxmlformats.org/markup-compatibility/2006" xmlns:a14="http://schemas.microsoft.com/office/drawing/2010/main">
+        <mc:Choice Requires="a14">
           <p:sp>
             <p:nvSpPr>
               <p:cNvPr id="11" name="Oval 10">
@@ -9340,7 +9491,7 @@
             </p:txBody>
           </p:sp>
         </mc:Choice>
-        <mc:Fallback>
+        <mc:Fallback xmlns="">
           <p:sp>
             <p:nvSpPr>
               <p:cNvPr id="11" name="Oval 10">
@@ -9390,8 +9541,8 @@
           </p:sp>
         </mc:Fallback>
       </mc:AlternateContent>
-      <mc:AlternateContent xmlns:mc="http://schemas.openxmlformats.org/markup-compatibility/2006">
-        <mc:Choice xmlns:a14="http://schemas.microsoft.com/office/drawing/2010/main" Requires="a14">
+      <mc:AlternateContent xmlns:mc="http://schemas.openxmlformats.org/markup-compatibility/2006" xmlns:a14="http://schemas.microsoft.com/office/drawing/2010/main">
+        <mc:Choice Requires="a14">
           <p:sp>
             <p:nvSpPr>
               <p:cNvPr id="12" name="Oval 11">
@@ -9467,7 +9618,7 @@
             </p:txBody>
           </p:sp>
         </mc:Choice>
-        <mc:Fallback>
+        <mc:Fallback xmlns="">
           <p:sp>
             <p:nvSpPr>
               <p:cNvPr id="12" name="Oval 11">
@@ -9530,7 +9681,7 @@
 </p:sld>
 </file>
 
-<file path=ppt/slides/slide12.xml><?xml version="1.0" encoding="utf-8"?>
+<file path=ppt/slides/slide13.xml><?xml version="1.0" encoding="utf-8"?>
 <p:sld xmlns:a="http://schemas.openxmlformats.org/drawingml/2006/main" xmlns:r="http://schemas.openxmlformats.org/officeDocument/2006/relationships" xmlns:p="http://schemas.openxmlformats.org/presentationml/2006/main">
   <p:cSld>
     <p:spTree>
@@ -9694,8 +9845,8 @@
           <a:chExt cx="0" cy="0"/>
         </a:xfrm>
       </p:grpSpPr>
-      <mc:AlternateContent xmlns:mc="http://schemas.openxmlformats.org/markup-compatibility/2006">
-        <mc:Choice xmlns:a14="http://schemas.microsoft.com/office/drawing/2010/main" Requires="a14">
+      <mc:AlternateContent xmlns:mc="http://schemas.openxmlformats.org/markup-compatibility/2006" xmlns:a14="http://schemas.microsoft.com/office/drawing/2010/main">
+        <mc:Choice Requires="a14">
           <p:sp>
             <p:nvSpPr>
               <p:cNvPr id="4" name="Oval 3">
@@ -9771,7 +9922,7 @@
             </p:txBody>
           </p:sp>
         </mc:Choice>
-        <mc:Fallback>
+        <mc:Fallback xmlns="">
           <p:sp>
             <p:nvSpPr>
               <p:cNvPr id="4" name="Oval 3">
@@ -9821,8 +9972,8 @@
           </p:sp>
         </mc:Fallback>
       </mc:AlternateContent>
-      <mc:AlternateContent xmlns:mc="http://schemas.openxmlformats.org/markup-compatibility/2006">
-        <mc:Choice xmlns:a14="http://schemas.microsoft.com/office/drawing/2010/main" Requires="a14">
+      <mc:AlternateContent xmlns:mc="http://schemas.openxmlformats.org/markup-compatibility/2006" xmlns:a14="http://schemas.microsoft.com/office/drawing/2010/main">
+        <mc:Choice Requires="a14">
           <p:sp>
             <p:nvSpPr>
               <p:cNvPr id="5" name="Oval 4">
@@ -9898,7 +10049,7 @@
             </p:txBody>
           </p:sp>
         </mc:Choice>
-        <mc:Fallback>
+        <mc:Fallback xmlns="">
           <p:sp>
             <p:nvSpPr>
               <p:cNvPr id="5" name="Oval 4">
@@ -9948,8 +10099,8 @@
           </p:sp>
         </mc:Fallback>
       </mc:AlternateContent>
-      <mc:AlternateContent xmlns:mc="http://schemas.openxmlformats.org/markup-compatibility/2006">
-        <mc:Choice xmlns:a14="http://schemas.microsoft.com/office/drawing/2010/main" Requires="a14">
+      <mc:AlternateContent xmlns:mc="http://schemas.openxmlformats.org/markup-compatibility/2006" xmlns:a14="http://schemas.microsoft.com/office/drawing/2010/main">
+        <mc:Choice Requires="a14">
           <p:sp>
             <p:nvSpPr>
               <p:cNvPr id="6" name="Oval 5">
@@ -10025,7 +10176,7 @@
             </p:txBody>
           </p:sp>
         </mc:Choice>
-        <mc:Fallback>
+        <mc:Fallback xmlns="">
           <p:sp>
             <p:nvSpPr>
               <p:cNvPr id="6" name="Oval 5">
@@ -10075,8 +10226,8 @@
           </p:sp>
         </mc:Fallback>
       </mc:AlternateContent>
-      <mc:AlternateContent xmlns:mc="http://schemas.openxmlformats.org/markup-compatibility/2006">
-        <mc:Choice xmlns:a14="http://schemas.microsoft.com/office/drawing/2010/main" Requires="a14">
+      <mc:AlternateContent xmlns:mc="http://schemas.openxmlformats.org/markup-compatibility/2006" xmlns:a14="http://schemas.microsoft.com/office/drawing/2010/main">
+        <mc:Choice Requires="a14">
           <p:sp>
             <p:nvSpPr>
               <p:cNvPr id="7" name="Oval 6">
@@ -10152,7 +10303,7 @@
             </p:txBody>
           </p:sp>
         </mc:Choice>
-        <mc:Fallback>
+        <mc:Fallback xmlns="">
           <p:sp>
             <p:nvSpPr>
               <p:cNvPr id="7" name="Oval 6">
@@ -10202,8 +10353,8 @@
           </p:sp>
         </mc:Fallback>
       </mc:AlternateContent>
-      <mc:AlternateContent xmlns:mc="http://schemas.openxmlformats.org/markup-compatibility/2006">
-        <mc:Choice xmlns:a14="http://schemas.microsoft.com/office/drawing/2010/main" Requires="a14">
+      <mc:AlternateContent xmlns:mc="http://schemas.openxmlformats.org/markup-compatibility/2006" xmlns:a14="http://schemas.microsoft.com/office/drawing/2010/main">
+        <mc:Choice Requires="a14">
           <p:sp>
             <p:nvSpPr>
               <p:cNvPr id="8" name="Oval 7">
@@ -10279,7 +10430,7 @@
             </p:txBody>
           </p:sp>
         </mc:Choice>
-        <mc:Fallback>
+        <mc:Fallback xmlns="">
           <p:sp>
             <p:nvSpPr>
               <p:cNvPr id="8" name="Oval 7">
@@ -10329,8 +10480,8 @@
           </p:sp>
         </mc:Fallback>
       </mc:AlternateContent>
-      <mc:AlternateContent xmlns:mc="http://schemas.openxmlformats.org/markup-compatibility/2006">
-        <mc:Choice xmlns:a14="http://schemas.microsoft.com/office/drawing/2010/main" Requires="a14">
+      <mc:AlternateContent xmlns:mc="http://schemas.openxmlformats.org/markup-compatibility/2006" xmlns:a14="http://schemas.microsoft.com/office/drawing/2010/main">
+        <mc:Choice Requires="a14">
           <p:sp>
             <p:nvSpPr>
               <p:cNvPr id="9" name="Oval 8">
@@ -10406,7 +10557,7 @@
             </p:txBody>
           </p:sp>
         </mc:Choice>
-        <mc:Fallback>
+        <mc:Fallback xmlns="">
           <p:sp>
             <p:nvSpPr>
               <p:cNvPr id="9" name="Oval 8">
@@ -10763,8 +10914,8 @@
           </a:fontRef>
         </p:style>
       </p:cxnSp>
-      <mc:AlternateContent xmlns:mc="http://schemas.openxmlformats.org/markup-compatibility/2006">
-        <mc:Choice xmlns:a14="http://schemas.microsoft.com/office/drawing/2010/main" Requires="a14">
+      <mc:AlternateContent xmlns:mc="http://schemas.openxmlformats.org/markup-compatibility/2006" xmlns:a14="http://schemas.microsoft.com/office/drawing/2010/main">
+        <mc:Choice Requires="a14">
           <p:sp>
             <p:nvSpPr>
               <p:cNvPr id="32" name="TextBox 31">
@@ -10833,7 +10984,7 @@
             </p:txBody>
           </p:sp>
         </mc:Choice>
-        <mc:Fallback>
+        <mc:Fallback xmlns="">
           <p:sp>
             <p:nvSpPr>
               <p:cNvPr id="32" name="TextBox 31">
@@ -10878,8 +11029,8 @@
           </p:sp>
         </mc:Fallback>
       </mc:AlternateContent>
-      <mc:AlternateContent xmlns:mc="http://schemas.openxmlformats.org/markup-compatibility/2006">
-        <mc:Choice xmlns:a14="http://schemas.microsoft.com/office/drawing/2010/main" Requires="a14">
+      <mc:AlternateContent xmlns:mc="http://schemas.openxmlformats.org/markup-compatibility/2006" xmlns:a14="http://schemas.microsoft.com/office/drawing/2010/main">
+        <mc:Choice Requires="a14">
           <p:sp>
             <p:nvSpPr>
               <p:cNvPr id="33" name="TextBox 32">
@@ -10948,7 +11099,7 @@
             </p:txBody>
           </p:sp>
         </mc:Choice>
-        <mc:Fallback>
+        <mc:Fallback xmlns="">
           <p:sp>
             <p:nvSpPr>
               <p:cNvPr id="33" name="TextBox 32">
@@ -11153,8 +11304,8 @@
           </a:p>
         </p:txBody>
       </p:sp>
-      <mc:AlternateContent xmlns:mc="http://schemas.openxmlformats.org/markup-compatibility/2006">
-        <mc:Choice xmlns:a14="http://schemas.microsoft.com/office/drawing/2010/main" Requires="a14">
+      <mc:AlternateContent xmlns:mc="http://schemas.openxmlformats.org/markup-compatibility/2006" xmlns:a14="http://schemas.microsoft.com/office/drawing/2010/main">
+        <mc:Choice Requires="a14">
           <p:sp>
             <p:nvSpPr>
               <p:cNvPr id="2" name="TextBox 1">
@@ -11183,6 +11334,7 @@
               </a:bodyPr>
               <a:lstStyle/>
               <a:p>
+                <a:pPr/>
                 <a14:m>
                   <m:oMathPara xmlns:m="http://schemas.openxmlformats.org/officeDocument/2006/math">
                     <m:oMathParaPr>
@@ -11226,6 +11378,7 @@
                 <a:endParaRPr lang="en-US" b="0" dirty="0"/>
               </a:p>
               <a:p>
+                <a:pPr/>
                 <a14:m>
                   <m:oMathPara xmlns:m="http://schemas.openxmlformats.org/officeDocument/2006/math">
                     <m:oMathParaPr>
@@ -11269,6 +11422,7 @@
                 <a:endParaRPr lang="en-US" b="0" dirty="0"/>
               </a:p>
               <a:p>
+                <a:pPr/>
                 <a14:m>
                   <m:oMathPara xmlns:m="http://schemas.openxmlformats.org/officeDocument/2006/math">
                     <m:oMathParaPr>
@@ -11312,6 +11466,7 @@
                 <a:endParaRPr lang="en-US" b="0" dirty="0"/>
               </a:p>
               <a:p>
+                <a:pPr/>
                 <a14:m>
                   <m:oMathPara xmlns:m="http://schemas.openxmlformats.org/officeDocument/2006/math">
                     <m:oMathParaPr>
@@ -11357,7 +11512,7 @@
             </p:txBody>
           </p:sp>
         </mc:Choice>
-        <mc:Fallback>
+        <mc:Fallback xmlns="">
           <p:sp>
             <p:nvSpPr>
               <p:cNvPr id="2" name="TextBox 1">
@@ -11402,8 +11557,8 @@
           </p:sp>
         </mc:Fallback>
       </mc:AlternateContent>
-      <mc:AlternateContent xmlns:mc="http://schemas.openxmlformats.org/markup-compatibility/2006">
-        <mc:Choice xmlns:a14="http://schemas.microsoft.com/office/drawing/2010/main" Requires="a14">
+      <mc:AlternateContent xmlns:mc="http://schemas.openxmlformats.org/markup-compatibility/2006" xmlns:a14="http://schemas.microsoft.com/office/drawing/2010/main">
+        <mc:Choice Requires="a14">
           <p:sp>
             <p:nvSpPr>
               <p:cNvPr id="3" name="TextBox 2">
@@ -11432,6 +11587,7 @@
               </a:bodyPr>
               <a:lstStyle/>
               <a:p>
+                <a:pPr/>
                 <a14:m>
                   <m:oMathPara xmlns:m="http://schemas.openxmlformats.org/officeDocument/2006/math">
                     <m:oMathParaPr>
@@ -11517,7 +11673,13 @@
                                   <a:rPr lang="en-US" b="0" i="1" smtClean="0">
                                     <a:latin typeface="Cambria Math" panose="02040503050406030204" pitchFamily="18" charset="0"/>
                                   </a:rPr>
-                                  <m:t>20</m:t>
+                                  <m:t>2</m:t>
+                                </m:r>
+                                <m:r>
+                                  <a:rPr lang="en-US" b="0" i="1" smtClean="0">
+                                    <a:latin typeface="Cambria Math" panose="02040503050406030204" pitchFamily="18" charset="0"/>
+                                  </a:rPr>
+                                  <m:t>0</m:t>
                                 </m:r>
                               </m:e>
                               <m:e>
@@ -11609,7 +11771,7 @@
             </p:txBody>
           </p:sp>
         </mc:Choice>
-        <mc:Fallback>
+        <mc:Fallback xmlns="">
           <p:sp>
             <p:nvSpPr>
               <p:cNvPr id="3" name="TextBox 2">
@@ -11684,8 +11846,8 @@
           <a:chExt cx="0" cy="0"/>
         </a:xfrm>
       </p:grpSpPr>
-      <mc:AlternateContent xmlns:mc="http://schemas.openxmlformats.org/markup-compatibility/2006">
-        <mc:Choice xmlns:a14="http://schemas.microsoft.com/office/drawing/2010/main" Requires="a14">
+      <mc:AlternateContent xmlns:mc="http://schemas.openxmlformats.org/markup-compatibility/2006" xmlns:a14="http://schemas.microsoft.com/office/drawing/2010/main">
+        <mc:Choice Requires="a14">
           <p:sp>
             <p:nvSpPr>
               <p:cNvPr id="4" name="Oval 3">
@@ -11761,7 +11923,7 @@
             </p:txBody>
           </p:sp>
         </mc:Choice>
-        <mc:Fallback>
+        <mc:Fallback xmlns="">
           <p:sp>
             <p:nvSpPr>
               <p:cNvPr id="4" name="Oval 3">
@@ -11811,8 +11973,8 @@
           </p:sp>
         </mc:Fallback>
       </mc:AlternateContent>
-      <mc:AlternateContent xmlns:mc="http://schemas.openxmlformats.org/markup-compatibility/2006">
-        <mc:Choice xmlns:a14="http://schemas.microsoft.com/office/drawing/2010/main" Requires="a14">
+      <mc:AlternateContent xmlns:mc="http://schemas.openxmlformats.org/markup-compatibility/2006" xmlns:a14="http://schemas.microsoft.com/office/drawing/2010/main">
+        <mc:Choice Requires="a14">
           <p:sp>
             <p:nvSpPr>
               <p:cNvPr id="5" name="Oval 4">
@@ -11888,7 +12050,7 @@
             </p:txBody>
           </p:sp>
         </mc:Choice>
-        <mc:Fallback>
+        <mc:Fallback xmlns="">
           <p:sp>
             <p:nvSpPr>
               <p:cNvPr id="5" name="Oval 4">
@@ -11938,8 +12100,8 @@
           </p:sp>
         </mc:Fallback>
       </mc:AlternateContent>
-      <mc:AlternateContent xmlns:mc="http://schemas.openxmlformats.org/markup-compatibility/2006">
-        <mc:Choice xmlns:a14="http://schemas.microsoft.com/office/drawing/2010/main" Requires="a14">
+      <mc:AlternateContent xmlns:mc="http://schemas.openxmlformats.org/markup-compatibility/2006" xmlns:a14="http://schemas.microsoft.com/office/drawing/2010/main">
+        <mc:Choice Requires="a14">
           <p:sp>
             <p:nvSpPr>
               <p:cNvPr id="6" name="Oval 5">
@@ -12015,7 +12177,7 @@
             </p:txBody>
           </p:sp>
         </mc:Choice>
-        <mc:Fallback>
+        <mc:Fallback xmlns="">
           <p:sp>
             <p:nvSpPr>
               <p:cNvPr id="6" name="Oval 5">
@@ -12065,8 +12227,8 @@
           </p:sp>
         </mc:Fallback>
       </mc:AlternateContent>
-      <mc:AlternateContent xmlns:mc="http://schemas.openxmlformats.org/markup-compatibility/2006">
-        <mc:Choice xmlns:a14="http://schemas.microsoft.com/office/drawing/2010/main" Requires="a14">
+      <mc:AlternateContent xmlns:mc="http://schemas.openxmlformats.org/markup-compatibility/2006" xmlns:a14="http://schemas.microsoft.com/office/drawing/2010/main">
+        <mc:Choice Requires="a14">
           <p:sp>
             <p:nvSpPr>
               <p:cNvPr id="7" name="Oval 6">
@@ -12142,7 +12304,7 @@
             </p:txBody>
           </p:sp>
         </mc:Choice>
-        <mc:Fallback>
+        <mc:Fallback xmlns="">
           <p:sp>
             <p:nvSpPr>
               <p:cNvPr id="7" name="Oval 6">
@@ -12192,8 +12354,8 @@
           </p:sp>
         </mc:Fallback>
       </mc:AlternateContent>
-      <mc:AlternateContent xmlns:mc="http://schemas.openxmlformats.org/markup-compatibility/2006">
-        <mc:Choice xmlns:a14="http://schemas.microsoft.com/office/drawing/2010/main" Requires="a14">
+      <mc:AlternateContent xmlns:mc="http://schemas.openxmlformats.org/markup-compatibility/2006" xmlns:a14="http://schemas.microsoft.com/office/drawing/2010/main">
+        <mc:Choice Requires="a14">
           <p:sp>
             <p:nvSpPr>
               <p:cNvPr id="8" name="Oval 7">
@@ -12269,7 +12431,7 @@
             </p:txBody>
           </p:sp>
         </mc:Choice>
-        <mc:Fallback>
+        <mc:Fallback xmlns="">
           <p:sp>
             <p:nvSpPr>
               <p:cNvPr id="8" name="Oval 7">
@@ -12319,8 +12481,8 @@
           </p:sp>
         </mc:Fallback>
       </mc:AlternateContent>
-      <mc:AlternateContent xmlns:mc="http://schemas.openxmlformats.org/markup-compatibility/2006">
-        <mc:Choice xmlns:a14="http://schemas.microsoft.com/office/drawing/2010/main" Requires="a14">
+      <mc:AlternateContent xmlns:mc="http://schemas.openxmlformats.org/markup-compatibility/2006" xmlns:a14="http://schemas.microsoft.com/office/drawing/2010/main">
+        <mc:Choice Requires="a14">
           <p:sp>
             <p:nvSpPr>
               <p:cNvPr id="9" name="Oval 8">
@@ -12396,7 +12558,7 @@
             </p:txBody>
           </p:sp>
         </mc:Choice>
-        <mc:Fallback>
+        <mc:Fallback xmlns="">
           <p:sp>
             <p:nvSpPr>
               <p:cNvPr id="9" name="Oval 8">
@@ -12753,8 +12915,8 @@
           </a:fontRef>
         </p:style>
       </p:cxnSp>
-      <mc:AlternateContent xmlns:mc="http://schemas.openxmlformats.org/markup-compatibility/2006">
-        <mc:Choice xmlns:a14="http://schemas.microsoft.com/office/drawing/2010/main" Requires="a14">
+      <mc:AlternateContent xmlns:mc="http://schemas.openxmlformats.org/markup-compatibility/2006" xmlns:a14="http://schemas.microsoft.com/office/drawing/2010/main">
+        <mc:Choice Requires="a14">
           <p:sp>
             <p:nvSpPr>
               <p:cNvPr id="32" name="TextBox 31">
@@ -12823,7 +12985,7 @@
             </p:txBody>
           </p:sp>
         </mc:Choice>
-        <mc:Fallback>
+        <mc:Fallback xmlns="">
           <p:sp>
             <p:nvSpPr>
               <p:cNvPr id="32" name="TextBox 31">
@@ -12868,8 +13030,8 @@
           </p:sp>
         </mc:Fallback>
       </mc:AlternateContent>
-      <mc:AlternateContent xmlns:mc="http://schemas.openxmlformats.org/markup-compatibility/2006">
-        <mc:Choice xmlns:a14="http://schemas.microsoft.com/office/drawing/2010/main" Requires="a14">
+      <mc:AlternateContent xmlns:mc="http://schemas.openxmlformats.org/markup-compatibility/2006" xmlns:a14="http://schemas.microsoft.com/office/drawing/2010/main">
+        <mc:Choice Requires="a14">
           <p:sp>
             <p:nvSpPr>
               <p:cNvPr id="33" name="TextBox 32">
@@ -12938,7 +13100,7 @@
             </p:txBody>
           </p:sp>
         </mc:Choice>
-        <mc:Fallback>
+        <mc:Fallback xmlns="">
           <p:sp>
             <p:nvSpPr>
               <p:cNvPr id="33" name="TextBox 32">
@@ -13143,8 +13305,8 @@
           </a:p>
         </p:txBody>
       </p:sp>
-      <mc:AlternateContent xmlns:mc="http://schemas.openxmlformats.org/markup-compatibility/2006">
-        <mc:Choice xmlns:a14="http://schemas.microsoft.com/office/drawing/2010/main" Requires="a14">
+      <mc:AlternateContent xmlns:mc="http://schemas.openxmlformats.org/markup-compatibility/2006" xmlns:a14="http://schemas.microsoft.com/office/drawing/2010/main">
+        <mc:Choice Requires="a14">
           <p:sp>
             <p:nvSpPr>
               <p:cNvPr id="2" name="TextBox 1">
@@ -13450,7 +13612,7 @@
             </p:txBody>
           </p:sp>
         </mc:Choice>
-        <mc:Fallback>
+        <mc:Fallback xmlns="">
           <p:sp>
             <p:nvSpPr>
               <p:cNvPr id="2" name="TextBox 1">
@@ -13495,8 +13657,8 @@
           </p:sp>
         </mc:Fallback>
       </mc:AlternateContent>
-      <mc:AlternateContent xmlns:mc="http://schemas.openxmlformats.org/markup-compatibility/2006">
-        <mc:Choice xmlns:a14="http://schemas.microsoft.com/office/drawing/2010/main" Requires="a14">
+      <mc:AlternateContent xmlns:mc="http://schemas.openxmlformats.org/markup-compatibility/2006" xmlns:a14="http://schemas.microsoft.com/office/drawing/2010/main">
+        <mc:Choice Requires="a14">
           <p:sp>
             <p:nvSpPr>
               <p:cNvPr id="3" name="TextBox 2">
@@ -13716,7 +13878,7 @@
             </p:txBody>
           </p:sp>
         </mc:Choice>
-        <mc:Fallback>
+        <mc:Fallback xmlns="">
           <p:sp>
             <p:nvSpPr>
               <p:cNvPr id="3" name="TextBox 2">
@@ -13791,8 +13953,8 @@
           <a:chExt cx="0" cy="0"/>
         </a:xfrm>
       </p:grpSpPr>
-      <mc:AlternateContent xmlns:mc="http://schemas.openxmlformats.org/markup-compatibility/2006">
-        <mc:Choice xmlns:a14="http://schemas.microsoft.com/office/drawing/2010/main" Requires="a14">
+      <mc:AlternateContent xmlns:mc="http://schemas.openxmlformats.org/markup-compatibility/2006" xmlns:a14="http://schemas.microsoft.com/office/drawing/2010/main">
+        <mc:Choice Requires="a14">
           <p:sp>
             <p:nvSpPr>
               <p:cNvPr id="4" name="Oval 3">
@@ -13868,7 +14030,7 @@
             </p:txBody>
           </p:sp>
         </mc:Choice>
-        <mc:Fallback>
+        <mc:Fallback xmlns="">
           <p:sp>
             <p:nvSpPr>
               <p:cNvPr id="4" name="Oval 3">
@@ -13918,8 +14080,8 @@
           </p:sp>
         </mc:Fallback>
       </mc:AlternateContent>
-      <mc:AlternateContent xmlns:mc="http://schemas.openxmlformats.org/markup-compatibility/2006">
-        <mc:Choice xmlns:a14="http://schemas.microsoft.com/office/drawing/2010/main" Requires="a14">
+      <mc:AlternateContent xmlns:mc="http://schemas.openxmlformats.org/markup-compatibility/2006" xmlns:a14="http://schemas.microsoft.com/office/drawing/2010/main">
+        <mc:Choice Requires="a14">
           <p:sp>
             <p:nvSpPr>
               <p:cNvPr id="5" name="Oval 4">
@@ -13995,7 +14157,7 @@
             </p:txBody>
           </p:sp>
         </mc:Choice>
-        <mc:Fallback>
+        <mc:Fallback xmlns="">
           <p:sp>
             <p:nvSpPr>
               <p:cNvPr id="5" name="Oval 4">
@@ -14045,8 +14207,8 @@
           </p:sp>
         </mc:Fallback>
       </mc:AlternateContent>
-      <mc:AlternateContent xmlns:mc="http://schemas.openxmlformats.org/markup-compatibility/2006">
-        <mc:Choice xmlns:a14="http://schemas.microsoft.com/office/drawing/2010/main" Requires="a14">
+      <mc:AlternateContent xmlns:mc="http://schemas.openxmlformats.org/markup-compatibility/2006" xmlns:a14="http://schemas.microsoft.com/office/drawing/2010/main">
+        <mc:Choice Requires="a14">
           <p:sp>
             <p:nvSpPr>
               <p:cNvPr id="6" name="Oval 5">
@@ -14122,7 +14284,7 @@
             </p:txBody>
           </p:sp>
         </mc:Choice>
-        <mc:Fallback>
+        <mc:Fallback xmlns="">
           <p:sp>
             <p:nvSpPr>
               <p:cNvPr id="6" name="Oval 5">
@@ -14172,8 +14334,8 @@
           </p:sp>
         </mc:Fallback>
       </mc:AlternateContent>
-      <mc:AlternateContent xmlns:mc="http://schemas.openxmlformats.org/markup-compatibility/2006">
-        <mc:Choice xmlns:a14="http://schemas.microsoft.com/office/drawing/2010/main" Requires="a14">
+      <mc:AlternateContent xmlns:mc="http://schemas.openxmlformats.org/markup-compatibility/2006" xmlns:a14="http://schemas.microsoft.com/office/drawing/2010/main">
+        <mc:Choice Requires="a14">
           <p:sp>
             <p:nvSpPr>
               <p:cNvPr id="7" name="Oval 6">
@@ -14249,7 +14411,7 @@
             </p:txBody>
           </p:sp>
         </mc:Choice>
-        <mc:Fallback>
+        <mc:Fallback xmlns="">
           <p:sp>
             <p:nvSpPr>
               <p:cNvPr id="7" name="Oval 6">
@@ -14299,8 +14461,8 @@
           </p:sp>
         </mc:Fallback>
       </mc:AlternateContent>
-      <mc:AlternateContent xmlns:mc="http://schemas.openxmlformats.org/markup-compatibility/2006">
-        <mc:Choice xmlns:a14="http://schemas.microsoft.com/office/drawing/2010/main" Requires="a14">
+      <mc:AlternateContent xmlns:mc="http://schemas.openxmlformats.org/markup-compatibility/2006" xmlns:a14="http://schemas.microsoft.com/office/drawing/2010/main">
+        <mc:Choice Requires="a14">
           <p:sp>
             <p:nvSpPr>
               <p:cNvPr id="8" name="Oval 7">
@@ -14376,7 +14538,7 @@
             </p:txBody>
           </p:sp>
         </mc:Choice>
-        <mc:Fallback>
+        <mc:Fallback xmlns="">
           <p:sp>
             <p:nvSpPr>
               <p:cNvPr id="8" name="Oval 7">
@@ -14426,8 +14588,8 @@
           </p:sp>
         </mc:Fallback>
       </mc:AlternateContent>
-      <mc:AlternateContent xmlns:mc="http://schemas.openxmlformats.org/markup-compatibility/2006">
-        <mc:Choice xmlns:a14="http://schemas.microsoft.com/office/drawing/2010/main" Requires="a14">
+      <mc:AlternateContent xmlns:mc="http://schemas.openxmlformats.org/markup-compatibility/2006" xmlns:a14="http://schemas.microsoft.com/office/drawing/2010/main">
+        <mc:Choice Requires="a14">
           <p:sp>
             <p:nvSpPr>
               <p:cNvPr id="9" name="Oval 8">
@@ -14503,7 +14665,7 @@
             </p:txBody>
           </p:sp>
         </mc:Choice>
-        <mc:Fallback>
+        <mc:Fallback xmlns="">
           <p:sp>
             <p:nvSpPr>
               <p:cNvPr id="9" name="Oval 8">
@@ -14860,8 +15022,8 @@
           </a:fontRef>
         </p:style>
       </p:cxnSp>
-      <mc:AlternateContent xmlns:mc="http://schemas.openxmlformats.org/markup-compatibility/2006">
-        <mc:Choice xmlns:a14="http://schemas.microsoft.com/office/drawing/2010/main" Requires="a14">
+      <mc:AlternateContent xmlns:mc="http://schemas.openxmlformats.org/markup-compatibility/2006" xmlns:a14="http://schemas.microsoft.com/office/drawing/2010/main">
+        <mc:Choice Requires="a14">
           <p:sp>
             <p:nvSpPr>
               <p:cNvPr id="32" name="TextBox 31">
@@ -14930,7 +15092,7 @@
             </p:txBody>
           </p:sp>
         </mc:Choice>
-        <mc:Fallback>
+        <mc:Fallback xmlns="">
           <p:sp>
             <p:nvSpPr>
               <p:cNvPr id="32" name="TextBox 31">
@@ -14975,8 +15137,8 @@
           </p:sp>
         </mc:Fallback>
       </mc:AlternateContent>
-      <mc:AlternateContent xmlns:mc="http://schemas.openxmlformats.org/markup-compatibility/2006">
-        <mc:Choice xmlns:a14="http://schemas.microsoft.com/office/drawing/2010/main" Requires="a14">
+      <mc:AlternateContent xmlns:mc="http://schemas.openxmlformats.org/markup-compatibility/2006" xmlns:a14="http://schemas.microsoft.com/office/drawing/2010/main">
+        <mc:Choice Requires="a14">
           <p:sp>
             <p:nvSpPr>
               <p:cNvPr id="33" name="TextBox 32">
@@ -15045,7 +15207,7 @@
             </p:txBody>
           </p:sp>
         </mc:Choice>
-        <mc:Fallback>
+        <mc:Fallback xmlns="">
           <p:sp>
             <p:nvSpPr>
               <p:cNvPr id="33" name="TextBox 32">
@@ -15250,8 +15412,8 @@
           </a:p>
         </p:txBody>
       </p:sp>
-      <mc:AlternateContent xmlns:mc="http://schemas.openxmlformats.org/markup-compatibility/2006">
-        <mc:Choice xmlns:a14="http://schemas.microsoft.com/office/drawing/2010/main" Requires="a14">
+      <mc:AlternateContent xmlns:mc="http://schemas.openxmlformats.org/markup-compatibility/2006" xmlns:a14="http://schemas.microsoft.com/office/drawing/2010/main">
+        <mc:Choice Requires="a14">
           <p:sp>
             <p:nvSpPr>
               <p:cNvPr id="2" name="TextBox 1">
@@ -15381,13 +15543,7 @@
                             <a:rPr lang="en-US" b="0" i="1" smtClean="0">
                               <a:latin typeface="Cambria Math" panose="02040503050406030204" pitchFamily="18" charset="0"/>
                             </a:rPr>
-                            <m:t>1</m:t>
-                          </m:r>
-                          <m:r>
-                            <a:rPr lang="en-US" b="0" i="1" smtClean="0">
-                              <a:latin typeface="Cambria Math" panose="02040503050406030204" pitchFamily="18" charset="0"/>
-                            </a:rPr>
-                            <m:t>,6</m:t>
+                            <m:t>1,6</m:t>
                           </m:r>
                         </m:sub>
                       </m:sSub>
@@ -15563,7 +15719,7 @@
             </p:txBody>
           </p:sp>
         </mc:Choice>
-        <mc:Fallback>
+        <mc:Fallback xmlns="">
           <p:sp>
             <p:nvSpPr>
               <p:cNvPr id="2" name="TextBox 1">
@@ -15608,8 +15764,8 @@
           </p:sp>
         </mc:Fallback>
       </mc:AlternateContent>
-      <mc:AlternateContent xmlns:mc="http://schemas.openxmlformats.org/markup-compatibility/2006">
-        <mc:Choice xmlns:a14="http://schemas.microsoft.com/office/drawing/2010/main" Requires="a14">
+      <mc:AlternateContent xmlns:mc="http://schemas.openxmlformats.org/markup-compatibility/2006" xmlns:a14="http://schemas.microsoft.com/office/drawing/2010/main">
+        <mc:Choice Requires="a14">
           <p:sp>
             <p:nvSpPr>
               <p:cNvPr id="3" name="TextBox 2">
@@ -15829,7 +15985,7 @@
             </p:txBody>
           </p:sp>
         </mc:Choice>
-        <mc:Fallback>
+        <mc:Fallback xmlns="">
           <p:sp>
             <p:nvSpPr>
               <p:cNvPr id="3" name="TextBox 2">
@@ -15904,8 +16060,8 @@
           <a:chExt cx="0" cy="0"/>
         </a:xfrm>
       </p:grpSpPr>
-      <mc:AlternateContent xmlns:mc="http://schemas.openxmlformats.org/markup-compatibility/2006">
-        <mc:Choice xmlns:a14="http://schemas.microsoft.com/office/drawing/2010/main" Requires="a14">
+      <mc:AlternateContent xmlns:mc="http://schemas.openxmlformats.org/markup-compatibility/2006" xmlns:a14="http://schemas.microsoft.com/office/drawing/2010/main">
+        <mc:Choice Requires="a14">
           <p:sp>
             <p:nvSpPr>
               <p:cNvPr id="4" name="Oval 3">
@@ -15981,7 +16137,7 @@
             </p:txBody>
           </p:sp>
         </mc:Choice>
-        <mc:Fallback>
+        <mc:Fallback xmlns="">
           <p:sp>
             <p:nvSpPr>
               <p:cNvPr id="4" name="Oval 3">
@@ -16119,8 +16275,8 @@
           </a:fontRef>
         </p:style>
       </p:cxnSp>
-      <mc:AlternateContent xmlns:mc="http://schemas.openxmlformats.org/markup-compatibility/2006">
-        <mc:Choice xmlns:a14="http://schemas.microsoft.com/office/drawing/2010/main" Requires="a14">
+      <mc:AlternateContent xmlns:mc="http://schemas.openxmlformats.org/markup-compatibility/2006" xmlns:a14="http://schemas.microsoft.com/office/drawing/2010/main">
+        <mc:Choice Requires="a14">
           <p:sp>
             <p:nvSpPr>
               <p:cNvPr id="14" name="Oval 13">
@@ -16196,7 +16352,7 @@
             </p:txBody>
           </p:sp>
         </mc:Choice>
-        <mc:Fallback>
+        <mc:Fallback xmlns="">
           <p:sp>
             <p:nvSpPr>
               <p:cNvPr id="14" name="Oval 13">
@@ -16246,8 +16402,8 @@
           </p:sp>
         </mc:Fallback>
       </mc:AlternateContent>
-      <mc:AlternateContent xmlns:mc="http://schemas.openxmlformats.org/markup-compatibility/2006">
-        <mc:Choice xmlns:a14="http://schemas.microsoft.com/office/drawing/2010/main" Requires="a14">
+      <mc:AlternateContent xmlns:mc="http://schemas.openxmlformats.org/markup-compatibility/2006" xmlns:a14="http://schemas.microsoft.com/office/drawing/2010/main">
+        <mc:Choice Requires="a14">
           <p:sp>
             <p:nvSpPr>
               <p:cNvPr id="15" name="Oval 14">
@@ -16323,7 +16479,7 @@
             </p:txBody>
           </p:sp>
         </mc:Choice>
-        <mc:Fallback>
+        <mc:Fallback xmlns="">
           <p:sp>
             <p:nvSpPr>
               <p:cNvPr id="15" name="Oval 14">
@@ -16373,8 +16529,8 @@
           </p:sp>
         </mc:Fallback>
       </mc:AlternateContent>
-      <mc:AlternateContent xmlns:mc="http://schemas.openxmlformats.org/markup-compatibility/2006">
-        <mc:Choice xmlns:a14="http://schemas.microsoft.com/office/drawing/2010/main" Requires="a14">
+      <mc:AlternateContent xmlns:mc="http://schemas.openxmlformats.org/markup-compatibility/2006" xmlns:a14="http://schemas.microsoft.com/office/drawing/2010/main">
+        <mc:Choice Requires="a14">
           <p:sp>
             <p:nvSpPr>
               <p:cNvPr id="16" name="Oval 15">
@@ -16450,7 +16606,7 @@
             </p:txBody>
           </p:sp>
         </mc:Choice>
-        <mc:Fallback>
+        <mc:Fallback xmlns="">
           <p:sp>
             <p:nvSpPr>
               <p:cNvPr id="16" name="Oval 15">
@@ -16500,8 +16656,8 @@
           </p:sp>
         </mc:Fallback>
       </mc:AlternateContent>
-      <mc:AlternateContent xmlns:mc="http://schemas.openxmlformats.org/markup-compatibility/2006">
-        <mc:Choice xmlns:a14="http://schemas.microsoft.com/office/drawing/2010/main" Requires="a14">
+      <mc:AlternateContent xmlns:mc="http://schemas.openxmlformats.org/markup-compatibility/2006" xmlns:a14="http://schemas.microsoft.com/office/drawing/2010/main">
+        <mc:Choice Requires="a14">
           <p:sp>
             <p:nvSpPr>
               <p:cNvPr id="17" name="Oval 16">
@@ -16577,7 +16733,7 @@
             </p:txBody>
           </p:sp>
         </mc:Choice>
-        <mc:Fallback>
+        <mc:Fallback xmlns="">
           <p:sp>
             <p:nvSpPr>
               <p:cNvPr id="17" name="Oval 16">
@@ -16759,8 +16915,8 @@
           </a:fontRef>
         </p:style>
       </p:cxnSp>
-      <mc:AlternateContent xmlns:mc="http://schemas.openxmlformats.org/markup-compatibility/2006">
-        <mc:Choice xmlns:a14="http://schemas.microsoft.com/office/drawing/2010/main" Requires="a14">
+      <mc:AlternateContent xmlns:mc="http://schemas.openxmlformats.org/markup-compatibility/2006" xmlns:a14="http://schemas.microsoft.com/office/drawing/2010/main">
+        <mc:Choice Requires="a14">
           <p:sp>
             <p:nvSpPr>
               <p:cNvPr id="45" name="TextBox 44">
@@ -16789,6 +16945,7 @@
               </a:bodyPr>
               <a:lstStyle/>
               <a:p>
+                <a:pPr/>
                 <a14:m>
                   <m:oMathPara xmlns:m="http://schemas.openxmlformats.org/officeDocument/2006/math">
                     <m:oMathParaPr>
@@ -16849,6 +17006,7 @@
                 <a:endParaRPr lang="en-US" b="0" dirty="0"/>
               </a:p>
               <a:p>
+                <a:pPr/>
                 <a14:m>
                   <m:oMathPara xmlns:m="http://schemas.openxmlformats.org/officeDocument/2006/math">
                     <m:oMathParaPr>
@@ -16959,7 +17117,7 @@
             </p:txBody>
           </p:sp>
         </mc:Choice>
-        <mc:Fallback>
+        <mc:Fallback xmlns="">
           <p:sp>
             <p:nvSpPr>
               <p:cNvPr id="45" name="TextBox 44">
@@ -17004,8 +17162,8 @@
           </p:sp>
         </mc:Fallback>
       </mc:AlternateContent>
-      <mc:AlternateContent xmlns:mc="http://schemas.openxmlformats.org/markup-compatibility/2006">
-        <mc:Choice xmlns:a14="http://schemas.microsoft.com/office/drawing/2010/main" Requires="a14">
+      <mc:AlternateContent xmlns:mc="http://schemas.openxmlformats.org/markup-compatibility/2006" xmlns:a14="http://schemas.microsoft.com/office/drawing/2010/main">
+        <mc:Choice Requires="a14">
           <p:sp>
             <p:nvSpPr>
               <p:cNvPr id="47" name="TextBox 46">
@@ -17034,6 +17192,7 @@
               </a:bodyPr>
               <a:lstStyle/>
               <a:p>
+                <a:pPr/>
                 <a14:m>
                   <m:oMathPara xmlns:m="http://schemas.openxmlformats.org/officeDocument/2006/math">
                     <m:oMathParaPr>
@@ -17054,7 +17213,7 @@
             </p:txBody>
           </p:sp>
         </mc:Choice>
-        <mc:Fallback>
+        <mc:Fallback xmlns="">
           <p:sp>
             <p:nvSpPr>
               <p:cNvPr id="47" name="TextBox 46">
@@ -17099,8 +17258,8 @@
           </p:sp>
         </mc:Fallback>
       </mc:AlternateContent>
-      <mc:AlternateContent xmlns:mc="http://schemas.openxmlformats.org/markup-compatibility/2006">
-        <mc:Choice xmlns:a14="http://schemas.microsoft.com/office/drawing/2010/main" Requires="a14">
+      <mc:AlternateContent xmlns:mc="http://schemas.openxmlformats.org/markup-compatibility/2006" xmlns:a14="http://schemas.microsoft.com/office/drawing/2010/main">
+        <mc:Choice Requires="a14">
           <p:sp>
             <p:nvSpPr>
               <p:cNvPr id="48" name="TextBox 47">
@@ -17129,6 +17288,7 @@
               </a:bodyPr>
               <a:lstStyle/>
               <a:p>
+                <a:pPr/>
                 <a14:m>
                   <m:oMathPara xmlns:m="http://schemas.openxmlformats.org/officeDocument/2006/math">
                     <m:oMathParaPr>
@@ -17149,7 +17309,7 @@
             </p:txBody>
           </p:sp>
         </mc:Choice>
-        <mc:Fallback>
+        <mc:Fallback xmlns="">
           <p:sp>
             <p:nvSpPr>
               <p:cNvPr id="48" name="TextBox 47">
@@ -17194,8 +17354,8 @@
           </p:sp>
         </mc:Fallback>
       </mc:AlternateContent>
-      <mc:AlternateContent xmlns:mc="http://schemas.openxmlformats.org/markup-compatibility/2006">
-        <mc:Choice xmlns:a14="http://schemas.microsoft.com/office/drawing/2010/main" Requires="a14">
+      <mc:AlternateContent xmlns:mc="http://schemas.openxmlformats.org/markup-compatibility/2006" xmlns:a14="http://schemas.microsoft.com/office/drawing/2010/main">
+        <mc:Choice Requires="a14">
           <p:sp>
             <p:nvSpPr>
               <p:cNvPr id="49" name="TextBox 48">
@@ -17224,6 +17384,7 @@
               </a:bodyPr>
               <a:lstStyle/>
               <a:p>
+                <a:pPr/>
                 <a14:m>
                   <m:oMathPara xmlns:m="http://schemas.openxmlformats.org/officeDocument/2006/math">
                     <m:oMathParaPr>
@@ -17244,7 +17405,7 @@
             </p:txBody>
           </p:sp>
         </mc:Choice>
-        <mc:Fallback>
+        <mc:Fallback xmlns="">
           <p:sp>
             <p:nvSpPr>
               <p:cNvPr id="49" name="TextBox 48">
@@ -17289,8 +17450,8 @@
           </p:sp>
         </mc:Fallback>
       </mc:AlternateContent>
-      <mc:AlternateContent xmlns:mc="http://schemas.openxmlformats.org/markup-compatibility/2006">
-        <mc:Choice xmlns:a14="http://schemas.microsoft.com/office/drawing/2010/main" Requires="a14">
+      <mc:AlternateContent xmlns:mc="http://schemas.openxmlformats.org/markup-compatibility/2006" xmlns:a14="http://schemas.microsoft.com/office/drawing/2010/main">
+        <mc:Choice Requires="a14">
           <p:sp>
             <p:nvSpPr>
               <p:cNvPr id="50" name="TextBox 49">
@@ -17319,6 +17480,7 @@
               </a:bodyPr>
               <a:lstStyle/>
               <a:p>
+                <a:pPr/>
                 <a14:m>
                   <m:oMathPara xmlns:m="http://schemas.openxmlformats.org/officeDocument/2006/math">
                     <m:oMathParaPr>
@@ -17339,7 +17501,7 @@
             </p:txBody>
           </p:sp>
         </mc:Choice>
-        <mc:Fallback>
+        <mc:Fallback xmlns="">
           <p:sp>
             <p:nvSpPr>
               <p:cNvPr id="50" name="TextBox 49">
@@ -17384,8 +17546,8 @@
           </p:sp>
         </mc:Fallback>
       </mc:AlternateContent>
-      <mc:AlternateContent xmlns:mc="http://schemas.openxmlformats.org/markup-compatibility/2006">
-        <mc:Choice xmlns:a14="http://schemas.microsoft.com/office/drawing/2010/main" Requires="a14">
+      <mc:AlternateContent xmlns:mc="http://schemas.openxmlformats.org/markup-compatibility/2006" xmlns:a14="http://schemas.microsoft.com/office/drawing/2010/main">
+        <mc:Choice Requires="a14">
           <p:sp>
             <p:nvSpPr>
               <p:cNvPr id="51" name="TextBox 50">
@@ -17414,6 +17576,7 @@
               </a:bodyPr>
               <a:lstStyle/>
               <a:p>
+                <a:pPr/>
                 <a14:m>
                   <m:oMathPara xmlns:m="http://schemas.openxmlformats.org/officeDocument/2006/math">
                     <m:oMathParaPr>
@@ -17434,7 +17597,7 @@
             </p:txBody>
           </p:sp>
         </mc:Choice>
-        <mc:Fallback>
+        <mc:Fallback xmlns="">
           <p:sp>
             <p:nvSpPr>
               <p:cNvPr id="51" name="TextBox 50">
@@ -17523,8 +17686,8 @@
           </a:fontRef>
         </p:style>
       </p:cxnSp>
-      <mc:AlternateContent xmlns:mc="http://schemas.openxmlformats.org/markup-compatibility/2006">
-        <mc:Choice xmlns:a14="http://schemas.microsoft.com/office/drawing/2010/main" Requires="a14">
+      <mc:AlternateContent xmlns:mc="http://schemas.openxmlformats.org/markup-compatibility/2006" xmlns:a14="http://schemas.microsoft.com/office/drawing/2010/main">
+        <mc:Choice Requires="a14">
           <p:sp>
             <p:nvSpPr>
               <p:cNvPr id="57" name="TextBox 56">
@@ -17553,6 +17716,7 @@
               </a:bodyPr>
               <a:lstStyle/>
               <a:p>
+                <a:pPr/>
                 <a14:m>
                   <m:oMathPara xmlns:m="http://schemas.openxmlformats.org/officeDocument/2006/math">
                     <m:oMathParaPr>
@@ -17573,7 +17737,7 @@
             </p:txBody>
           </p:sp>
         </mc:Choice>
-        <mc:Fallback>
+        <mc:Fallback xmlns="">
           <p:sp>
             <p:nvSpPr>
               <p:cNvPr id="57" name="TextBox 56">
@@ -17683,8 +17847,8 @@
           <a:chExt cx="0" cy="0"/>
         </a:xfrm>
       </p:grpSpPr>
-      <mc:AlternateContent xmlns:mc="http://schemas.openxmlformats.org/markup-compatibility/2006">
-        <mc:Choice xmlns:a14="http://schemas.microsoft.com/office/drawing/2010/main" Requires="a14">
+      <mc:AlternateContent xmlns:mc="http://schemas.openxmlformats.org/markup-compatibility/2006" xmlns:a14="http://schemas.microsoft.com/office/drawing/2010/main">
+        <mc:Choice Requires="a14">
           <p:sp>
             <p:nvSpPr>
               <p:cNvPr id="4" name="Oval 3">
@@ -17760,7 +17924,7 @@
             </p:txBody>
           </p:sp>
         </mc:Choice>
-        <mc:Fallback>
+        <mc:Fallback xmlns="">
           <p:sp>
             <p:nvSpPr>
               <p:cNvPr id="4" name="Oval 3">
@@ -17898,8 +18062,8 @@
           </a:fontRef>
         </p:style>
       </p:cxnSp>
-      <mc:AlternateContent xmlns:mc="http://schemas.openxmlformats.org/markup-compatibility/2006">
-        <mc:Choice xmlns:a14="http://schemas.microsoft.com/office/drawing/2010/main" Requires="a14">
+      <mc:AlternateContent xmlns:mc="http://schemas.openxmlformats.org/markup-compatibility/2006" xmlns:a14="http://schemas.microsoft.com/office/drawing/2010/main">
+        <mc:Choice Requires="a14">
           <p:sp>
             <p:nvSpPr>
               <p:cNvPr id="14" name="Oval 13">
@@ -17975,7 +18139,7 @@
             </p:txBody>
           </p:sp>
         </mc:Choice>
-        <mc:Fallback>
+        <mc:Fallback xmlns="">
           <p:sp>
             <p:nvSpPr>
               <p:cNvPr id="14" name="Oval 13">
@@ -18025,8 +18189,8 @@
           </p:sp>
         </mc:Fallback>
       </mc:AlternateContent>
-      <mc:AlternateContent xmlns:mc="http://schemas.openxmlformats.org/markup-compatibility/2006">
-        <mc:Choice xmlns:a14="http://schemas.microsoft.com/office/drawing/2010/main" Requires="a14">
+      <mc:AlternateContent xmlns:mc="http://schemas.openxmlformats.org/markup-compatibility/2006" xmlns:a14="http://schemas.microsoft.com/office/drawing/2010/main">
+        <mc:Choice Requires="a14">
           <p:sp>
             <p:nvSpPr>
               <p:cNvPr id="15" name="Oval 14">
@@ -18102,7 +18266,7 @@
             </p:txBody>
           </p:sp>
         </mc:Choice>
-        <mc:Fallback>
+        <mc:Fallback xmlns="">
           <p:sp>
             <p:nvSpPr>
               <p:cNvPr id="15" name="Oval 14">
@@ -18152,8 +18316,8 @@
           </p:sp>
         </mc:Fallback>
       </mc:AlternateContent>
-      <mc:AlternateContent xmlns:mc="http://schemas.openxmlformats.org/markup-compatibility/2006">
-        <mc:Choice xmlns:a14="http://schemas.microsoft.com/office/drawing/2010/main" Requires="a14">
+      <mc:AlternateContent xmlns:mc="http://schemas.openxmlformats.org/markup-compatibility/2006" xmlns:a14="http://schemas.microsoft.com/office/drawing/2010/main">
+        <mc:Choice Requires="a14">
           <p:sp>
             <p:nvSpPr>
               <p:cNvPr id="16" name="Oval 15">
@@ -18229,7 +18393,7 @@
             </p:txBody>
           </p:sp>
         </mc:Choice>
-        <mc:Fallback>
+        <mc:Fallback xmlns="">
           <p:sp>
             <p:nvSpPr>
               <p:cNvPr id="16" name="Oval 15">
@@ -18279,8 +18443,8 @@
           </p:sp>
         </mc:Fallback>
       </mc:AlternateContent>
-      <mc:AlternateContent xmlns:mc="http://schemas.openxmlformats.org/markup-compatibility/2006">
-        <mc:Choice xmlns:a14="http://schemas.microsoft.com/office/drawing/2010/main" Requires="a14">
+      <mc:AlternateContent xmlns:mc="http://schemas.openxmlformats.org/markup-compatibility/2006" xmlns:a14="http://schemas.microsoft.com/office/drawing/2010/main">
+        <mc:Choice Requires="a14">
           <p:sp>
             <p:nvSpPr>
               <p:cNvPr id="17" name="Oval 16">
@@ -18356,7 +18520,7 @@
             </p:txBody>
           </p:sp>
         </mc:Choice>
-        <mc:Fallback>
+        <mc:Fallback xmlns="">
           <p:sp>
             <p:nvSpPr>
               <p:cNvPr id="17" name="Oval 16">
@@ -18494,8 +18658,8 @@
           </a:fontRef>
         </p:style>
       </p:cxnSp>
-      <mc:AlternateContent xmlns:mc="http://schemas.openxmlformats.org/markup-compatibility/2006">
-        <mc:Choice xmlns:a14="http://schemas.microsoft.com/office/drawing/2010/main" Requires="a14">
+      <mc:AlternateContent xmlns:mc="http://schemas.openxmlformats.org/markup-compatibility/2006" xmlns:a14="http://schemas.microsoft.com/office/drawing/2010/main">
+        <mc:Choice Requires="a14">
           <p:sp>
             <p:nvSpPr>
               <p:cNvPr id="45" name="TextBox 44">
@@ -18552,13 +18716,7 @@
                             <a:rPr lang="en-US" b="0" i="1" smtClean="0">
                               <a:latin typeface="Cambria Math" panose="02040503050406030204" pitchFamily="18" charset="0"/>
                             </a:rPr>
-                            <m:t>1,</m:t>
-                          </m:r>
-                          <m:r>
-                            <a:rPr lang="en-US" b="0" i="1" smtClean="0">
-                              <a:latin typeface="Cambria Math" panose="02040503050406030204" pitchFamily="18" charset="0"/>
-                            </a:rPr>
-                            <m:t>5</m:t>
+                            <m:t>1,5</m:t>
                           </m:r>
                         </m:sub>
                       </m:sSub>
@@ -18631,13 +18789,7 @@
                             <a:rPr lang="en-US" b="0" i="1" smtClean="0">
                               <a:latin typeface="Cambria Math" panose="02040503050406030204" pitchFamily="18" charset="0"/>
                             </a:rPr>
-                            <m:t>1</m:t>
-                          </m:r>
-                          <m:r>
-                            <a:rPr lang="en-US" b="0" i="1" smtClean="0">
-                              <a:latin typeface="Cambria Math" panose="02040503050406030204" pitchFamily="18" charset="0"/>
-                            </a:rPr>
-                            <m:t>,6</m:t>
+                            <m:t>1,6</m:t>
                           </m:r>
                         </m:sub>
                       </m:sSub>
@@ -18683,19 +18835,7 @@
                             <a:rPr lang="en-US" b="0" i="1" smtClean="0">
                               <a:latin typeface="Cambria Math" panose="02040503050406030204" pitchFamily="18" charset="0"/>
                             </a:rPr>
-                            <m:t>2</m:t>
-                          </m:r>
-                          <m:r>
-                            <a:rPr lang="en-US" b="0" i="1" smtClean="0">
-                              <a:latin typeface="Cambria Math" panose="02040503050406030204" pitchFamily="18" charset="0"/>
-                            </a:rPr>
-                            <m:t>,</m:t>
-                          </m:r>
-                          <m:r>
-                            <a:rPr lang="en-US" b="0" i="1" smtClean="0">
-                              <a:latin typeface="Cambria Math" panose="02040503050406030204" pitchFamily="18" charset="0"/>
-                            </a:rPr>
-                            <m:t> 1.0 </m:t>
+                            <m:t>2, 1.0 </m:t>
                           </m:r>
                         </m:e>
                       </m:d>
@@ -18847,7 +18987,7 @@
             </p:txBody>
           </p:sp>
         </mc:Choice>
-        <mc:Fallback>
+        <mc:Fallback xmlns="">
           <p:sp>
             <p:nvSpPr>
               <p:cNvPr id="45" name="TextBox 44">
@@ -18892,8 +19032,8 @@
           </p:sp>
         </mc:Fallback>
       </mc:AlternateContent>
-      <mc:AlternateContent xmlns:mc="http://schemas.openxmlformats.org/markup-compatibility/2006">
-        <mc:Choice xmlns:a14="http://schemas.microsoft.com/office/drawing/2010/main" Requires="a14">
+      <mc:AlternateContent xmlns:mc="http://schemas.openxmlformats.org/markup-compatibility/2006" xmlns:a14="http://schemas.microsoft.com/office/drawing/2010/main">
+        <mc:Choice Requires="a14">
           <p:sp>
             <p:nvSpPr>
               <p:cNvPr id="47" name="TextBox 46">
@@ -18943,7 +19083,7 @@
             </p:txBody>
           </p:sp>
         </mc:Choice>
-        <mc:Fallback>
+        <mc:Fallback xmlns="">
           <p:sp>
             <p:nvSpPr>
               <p:cNvPr id="47" name="TextBox 46">
@@ -18988,8 +19128,8 @@
           </p:sp>
         </mc:Fallback>
       </mc:AlternateContent>
-      <mc:AlternateContent xmlns:mc="http://schemas.openxmlformats.org/markup-compatibility/2006">
-        <mc:Choice xmlns:a14="http://schemas.microsoft.com/office/drawing/2010/main" Requires="a14">
+      <mc:AlternateContent xmlns:mc="http://schemas.openxmlformats.org/markup-compatibility/2006" xmlns:a14="http://schemas.microsoft.com/office/drawing/2010/main">
+        <mc:Choice Requires="a14">
           <p:sp>
             <p:nvSpPr>
               <p:cNvPr id="48" name="TextBox 47">
@@ -19039,7 +19179,7 @@
             </p:txBody>
           </p:sp>
         </mc:Choice>
-        <mc:Fallback>
+        <mc:Fallback xmlns="">
           <p:sp>
             <p:nvSpPr>
               <p:cNvPr id="48" name="TextBox 47">
@@ -19084,8 +19224,8 @@
           </p:sp>
         </mc:Fallback>
       </mc:AlternateContent>
-      <mc:AlternateContent xmlns:mc="http://schemas.openxmlformats.org/markup-compatibility/2006">
-        <mc:Choice xmlns:a14="http://schemas.microsoft.com/office/drawing/2010/main" Requires="a14">
+      <mc:AlternateContent xmlns:mc="http://schemas.openxmlformats.org/markup-compatibility/2006" xmlns:a14="http://schemas.microsoft.com/office/drawing/2010/main">
+        <mc:Choice Requires="a14">
           <p:sp>
             <p:nvSpPr>
               <p:cNvPr id="50" name="TextBox 49">
@@ -19135,7 +19275,7 @@
             </p:txBody>
           </p:sp>
         </mc:Choice>
-        <mc:Fallback>
+        <mc:Fallback xmlns="">
           <p:sp>
             <p:nvSpPr>
               <p:cNvPr id="50" name="TextBox 49">
@@ -19180,8 +19320,8 @@
           </p:sp>
         </mc:Fallback>
       </mc:AlternateContent>
-      <mc:AlternateContent xmlns:mc="http://schemas.openxmlformats.org/markup-compatibility/2006">
-        <mc:Choice xmlns:a14="http://schemas.microsoft.com/office/drawing/2010/main" Requires="a14">
+      <mc:AlternateContent xmlns:mc="http://schemas.openxmlformats.org/markup-compatibility/2006" xmlns:a14="http://schemas.microsoft.com/office/drawing/2010/main">
+        <mc:Choice Requires="a14">
           <p:sp>
             <p:nvSpPr>
               <p:cNvPr id="51" name="TextBox 50">
@@ -19231,7 +19371,7 @@
             </p:txBody>
           </p:sp>
         </mc:Choice>
-        <mc:Fallback>
+        <mc:Fallback xmlns="">
           <p:sp>
             <p:nvSpPr>
               <p:cNvPr id="51" name="TextBox 50">
@@ -19320,8 +19460,8 @@
           </a:fontRef>
         </p:style>
       </p:cxnSp>
-      <mc:AlternateContent xmlns:mc="http://schemas.openxmlformats.org/markup-compatibility/2006">
-        <mc:Choice xmlns:a14="http://schemas.microsoft.com/office/drawing/2010/main" Requires="a14">
+      <mc:AlternateContent xmlns:mc="http://schemas.openxmlformats.org/markup-compatibility/2006" xmlns:a14="http://schemas.microsoft.com/office/drawing/2010/main">
+        <mc:Choice Requires="a14">
           <p:sp>
             <p:nvSpPr>
               <p:cNvPr id="57" name="TextBox 56">
@@ -19371,7 +19511,7 @@
             </p:txBody>
           </p:sp>
         </mc:Choice>
-        <mc:Fallback>
+        <mc:Fallback xmlns="">
           <p:sp>
             <p:nvSpPr>
               <p:cNvPr id="57" name="TextBox 56">
@@ -19451,8 +19591,8 @@
           </a:p>
         </p:txBody>
       </p:sp>
-      <mc:AlternateContent xmlns:mc="http://schemas.openxmlformats.org/markup-compatibility/2006">
-        <mc:Choice xmlns:a14="http://schemas.microsoft.com/office/drawing/2010/main" Requires="a14">
+      <mc:AlternateContent xmlns:mc="http://schemas.openxmlformats.org/markup-compatibility/2006" xmlns:a14="http://schemas.microsoft.com/office/drawing/2010/main">
+        <mc:Choice Requires="a14">
           <p:sp>
             <p:nvSpPr>
               <p:cNvPr id="2" name="Oval 1">
@@ -19528,7 +19668,7 @@
             </p:txBody>
           </p:sp>
         </mc:Choice>
-        <mc:Fallback>
+        <mc:Fallback xmlns="">
           <p:sp>
             <p:nvSpPr>
               <p:cNvPr id="2" name="Oval 1">
@@ -19622,8 +19762,8 @@
           </a:fontRef>
         </p:style>
       </p:cxnSp>
-      <mc:AlternateContent xmlns:mc="http://schemas.openxmlformats.org/markup-compatibility/2006">
-        <mc:Choice xmlns:a14="http://schemas.microsoft.com/office/drawing/2010/main" Requires="a14">
+      <mc:AlternateContent xmlns:mc="http://schemas.openxmlformats.org/markup-compatibility/2006" xmlns:a14="http://schemas.microsoft.com/office/drawing/2010/main">
+        <mc:Choice Requires="a14">
           <p:sp>
             <p:nvSpPr>
               <p:cNvPr id="21" name="Oval 20">
@@ -19699,7 +19839,7 @@
             </p:txBody>
           </p:sp>
         </mc:Choice>
-        <mc:Fallback>
+        <mc:Fallback xmlns="">
           <p:sp>
             <p:nvSpPr>
               <p:cNvPr id="21" name="Oval 20">
@@ -19793,8 +19933,8 @@
           </a:fontRef>
         </p:style>
       </p:cxnSp>
-      <mc:AlternateContent xmlns:mc="http://schemas.openxmlformats.org/markup-compatibility/2006">
-        <mc:Choice xmlns:a14="http://schemas.microsoft.com/office/drawing/2010/main" Requires="a14">
+      <mc:AlternateContent xmlns:mc="http://schemas.openxmlformats.org/markup-compatibility/2006" xmlns:a14="http://schemas.microsoft.com/office/drawing/2010/main">
+        <mc:Choice Requires="a14">
           <p:sp>
             <p:nvSpPr>
               <p:cNvPr id="28" name="Oval 27">
@@ -19870,7 +20010,7 @@
             </p:txBody>
           </p:sp>
         </mc:Choice>
-        <mc:Fallback>
+        <mc:Fallback xmlns="">
           <p:sp>
             <p:nvSpPr>
               <p:cNvPr id="28" name="Oval 27">
@@ -20008,8 +20148,8 @@
           </a:fontRef>
         </p:style>
       </p:cxnSp>
-      <mc:AlternateContent xmlns:mc="http://schemas.openxmlformats.org/markup-compatibility/2006">
-        <mc:Choice xmlns:a14="http://schemas.microsoft.com/office/drawing/2010/main" Requires="a14">
+      <mc:AlternateContent xmlns:mc="http://schemas.openxmlformats.org/markup-compatibility/2006" xmlns:a14="http://schemas.microsoft.com/office/drawing/2010/main">
+        <mc:Choice Requires="a14">
           <p:sp>
             <p:nvSpPr>
               <p:cNvPr id="70" name="TextBox 69">
@@ -20059,7 +20199,7 @@
             </p:txBody>
           </p:sp>
         </mc:Choice>
-        <mc:Fallback>
+        <mc:Fallback xmlns="">
           <p:sp>
             <p:nvSpPr>
               <p:cNvPr id="70" name="TextBox 69">
@@ -20104,8 +20244,8 @@
           </p:sp>
         </mc:Fallback>
       </mc:AlternateContent>
-      <mc:AlternateContent xmlns:mc="http://schemas.openxmlformats.org/markup-compatibility/2006">
-        <mc:Choice xmlns:a14="http://schemas.microsoft.com/office/drawing/2010/main" Requires="a14">
+      <mc:AlternateContent xmlns:mc="http://schemas.openxmlformats.org/markup-compatibility/2006" xmlns:a14="http://schemas.microsoft.com/office/drawing/2010/main">
+        <mc:Choice Requires="a14">
           <p:sp>
             <p:nvSpPr>
               <p:cNvPr id="71" name="TextBox 70">
@@ -20155,7 +20295,7 @@
             </p:txBody>
           </p:sp>
         </mc:Choice>
-        <mc:Fallback>
+        <mc:Fallback xmlns="">
           <p:sp>
             <p:nvSpPr>
               <p:cNvPr id="71" name="TextBox 70">
@@ -20200,8 +20340,8 @@
           </p:sp>
         </mc:Fallback>
       </mc:AlternateContent>
-      <mc:AlternateContent xmlns:mc="http://schemas.openxmlformats.org/markup-compatibility/2006">
-        <mc:Choice xmlns:a14="http://schemas.microsoft.com/office/drawing/2010/main" Requires="a14">
+      <mc:AlternateContent xmlns:mc="http://schemas.openxmlformats.org/markup-compatibility/2006" xmlns:a14="http://schemas.microsoft.com/office/drawing/2010/main">
+        <mc:Choice Requires="a14">
           <p:sp>
             <p:nvSpPr>
               <p:cNvPr id="72" name="TextBox 71">
@@ -20251,7 +20391,7 @@
             </p:txBody>
           </p:sp>
         </mc:Choice>
-        <mc:Fallback>
+        <mc:Fallback xmlns="">
           <p:sp>
             <p:nvSpPr>
               <p:cNvPr id="72" name="TextBox 71">
@@ -20384,8 +20524,8 @@
           </a:fontRef>
         </p:style>
       </p:cxnSp>
-      <mc:AlternateContent xmlns:mc="http://schemas.openxmlformats.org/markup-compatibility/2006">
-        <mc:Choice xmlns:a14="http://schemas.microsoft.com/office/drawing/2010/main" Requires="a14">
+      <mc:AlternateContent xmlns:mc="http://schemas.openxmlformats.org/markup-compatibility/2006" xmlns:a14="http://schemas.microsoft.com/office/drawing/2010/main">
+        <mc:Choice Requires="a14">
           <p:sp>
             <p:nvSpPr>
               <p:cNvPr id="82" name="TextBox 81">
@@ -20425,13 +20565,7 @@
                         <a:rPr lang="en-US" b="0" i="1" smtClean="0">
                           <a:latin typeface="Cambria Math" panose="02040503050406030204" pitchFamily="18" charset="0"/>
                         </a:rPr>
-                        <m:t>(5</m:t>
-                      </m:r>
-                      <m:r>
-                        <a:rPr lang="en-US" b="0" i="1" smtClean="0">
-                          <a:latin typeface="Cambria Math" panose="02040503050406030204" pitchFamily="18" charset="0"/>
-                        </a:rPr>
-                        <m:t>)</m:t>
+                        <m:t>(5)</m:t>
                       </m:r>
                     </m:oMath>
                   </m:oMathPara>
@@ -20441,7 +20575,7 @@
             </p:txBody>
           </p:sp>
         </mc:Choice>
-        <mc:Fallback>
+        <mc:Fallback xmlns="">
           <p:sp>
             <p:nvSpPr>
               <p:cNvPr id="82" name="TextBox 81">
@@ -20486,8 +20620,8 @@
           </p:sp>
         </mc:Fallback>
       </mc:AlternateContent>
-      <mc:AlternateContent xmlns:mc="http://schemas.openxmlformats.org/markup-compatibility/2006">
-        <mc:Choice xmlns:a14="http://schemas.microsoft.com/office/drawing/2010/main" Requires="a14">
+      <mc:AlternateContent xmlns:mc="http://schemas.openxmlformats.org/markup-compatibility/2006" xmlns:a14="http://schemas.microsoft.com/office/drawing/2010/main">
+        <mc:Choice Requires="a14">
           <p:sp>
             <p:nvSpPr>
               <p:cNvPr id="83" name="TextBox 82">
@@ -20527,13 +20661,7 @@
                         <a:rPr lang="en-US" b="0" i="1" smtClean="0">
                           <a:latin typeface="Cambria Math" panose="02040503050406030204" pitchFamily="18" charset="0"/>
                         </a:rPr>
-                        <m:t>(3</m:t>
-                      </m:r>
-                      <m:r>
-                        <a:rPr lang="en-US" b="0" i="1" smtClean="0">
-                          <a:latin typeface="Cambria Math" panose="02040503050406030204" pitchFamily="18" charset="0"/>
-                        </a:rPr>
-                        <m:t>)</m:t>
+                        <m:t>(3)</m:t>
                       </m:r>
                     </m:oMath>
                   </m:oMathPara>
@@ -20543,7 +20671,7 @@
             </p:txBody>
           </p:sp>
         </mc:Choice>
-        <mc:Fallback>
+        <mc:Fallback xmlns="">
           <p:sp>
             <p:nvSpPr>
               <p:cNvPr id="83" name="TextBox 82">
@@ -20588,8 +20716,8 @@
           </p:sp>
         </mc:Fallback>
       </mc:AlternateContent>
-      <mc:AlternateContent xmlns:mc="http://schemas.openxmlformats.org/markup-compatibility/2006">
-        <mc:Choice xmlns:a14="http://schemas.microsoft.com/office/drawing/2010/main" Requires="a14">
+      <mc:AlternateContent xmlns:mc="http://schemas.openxmlformats.org/markup-compatibility/2006" xmlns:a14="http://schemas.microsoft.com/office/drawing/2010/main">
+        <mc:Choice Requires="a14">
           <p:sp>
             <p:nvSpPr>
               <p:cNvPr id="84" name="TextBox 83">
@@ -20629,13 +20757,7 @@
                         <a:rPr lang="en-US" b="0" i="1" smtClean="0">
                           <a:latin typeface="Cambria Math" panose="02040503050406030204" pitchFamily="18" charset="0"/>
                         </a:rPr>
-                        <m:t>(3</m:t>
-                      </m:r>
-                      <m:r>
-                        <a:rPr lang="en-US" b="0" i="1" smtClean="0">
-                          <a:latin typeface="Cambria Math" panose="02040503050406030204" pitchFamily="18" charset="0"/>
-                        </a:rPr>
-                        <m:t>)</m:t>
+                        <m:t>(3)</m:t>
                       </m:r>
                     </m:oMath>
                   </m:oMathPara>
@@ -20645,7 +20767,7 @@
             </p:txBody>
           </p:sp>
         </mc:Choice>
-        <mc:Fallback>
+        <mc:Fallback xmlns="">
           <p:sp>
             <p:nvSpPr>
               <p:cNvPr id="84" name="TextBox 83">
@@ -20690,8 +20812,8 @@
           </p:sp>
         </mc:Fallback>
       </mc:AlternateContent>
-      <mc:AlternateContent xmlns:mc="http://schemas.openxmlformats.org/markup-compatibility/2006">
-        <mc:Choice xmlns:a14="http://schemas.microsoft.com/office/drawing/2010/main" Requires="a14">
+      <mc:AlternateContent xmlns:mc="http://schemas.openxmlformats.org/markup-compatibility/2006" xmlns:a14="http://schemas.microsoft.com/office/drawing/2010/main">
+        <mc:Choice Requires="a14">
           <p:sp>
             <p:nvSpPr>
               <p:cNvPr id="85" name="TextBox 84">
@@ -20741,7 +20863,7 @@
             </p:txBody>
           </p:sp>
         </mc:Choice>
-        <mc:Fallback>
+        <mc:Fallback xmlns="">
           <p:sp>
             <p:nvSpPr>
               <p:cNvPr id="85" name="TextBox 84">
@@ -20816,8 +20938,3195 @@
           <a:chExt cx="0" cy="0"/>
         </a:xfrm>
       </p:grpSpPr>
-      <mc:AlternateContent xmlns:mc="http://schemas.openxmlformats.org/markup-compatibility/2006">
-        <mc:Choice xmlns:a14="http://schemas.microsoft.com/office/drawing/2010/main" Requires="a14">
+      <mc:AlternateContent xmlns:mc="http://schemas.openxmlformats.org/markup-compatibility/2006" xmlns:a14="http://schemas.microsoft.com/office/drawing/2010/main">
+        <mc:Choice Requires="a14">
+          <p:sp>
+            <p:nvSpPr>
+              <p:cNvPr id="4" name="Oval 3">
+                <a:extLst>
+                  <a:ext uri="{FF2B5EF4-FFF2-40B4-BE49-F238E27FC236}">
+                    <a16:creationId xmlns:a16="http://schemas.microsoft.com/office/drawing/2014/main" id="{25A2977F-9CBD-2DB4-6B82-9B725202B78B}"/>
+                  </a:ext>
+                </a:extLst>
+              </p:cNvPr>
+              <p:cNvSpPr/>
+              <p:nvPr/>
+            </p:nvSpPr>
+            <p:spPr>
+              <a:xfrm>
+                <a:off x="2738345" y="3200400"/>
+                <a:ext cx="457200" cy="457200"/>
+              </a:xfrm>
+              <a:prstGeom prst="ellipse">
+                <a:avLst/>
+              </a:prstGeom>
+              <a:noFill/>
+              <a:ln>
+                <a:solidFill>
+                  <a:schemeClr val="tx1"/>
+                </a:solidFill>
+              </a:ln>
+            </p:spPr>
+            <p:style>
+              <a:lnRef idx="2">
+                <a:schemeClr val="accent1">
+                  <a:shade val="50000"/>
+                </a:schemeClr>
+              </a:lnRef>
+              <a:fillRef idx="1">
+                <a:schemeClr val="accent1"/>
+              </a:fillRef>
+              <a:effectRef idx="0">
+                <a:schemeClr val="accent1"/>
+              </a:effectRef>
+              <a:fontRef idx="minor">
+                <a:schemeClr val="lt1"/>
+              </a:fontRef>
+            </p:style>
+            <p:txBody>
+              <a:bodyPr lIns="91440" rIns="91440" rtlCol="0" anchor="ctr"/>
+              <a:lstStyle/>
+              <a:p>
+                <a:pPr algn="ctr"/>
+                <a14:m>
+                  <m:oMathPara xmlns:m="http://schemas.openxmlformats.org/officeDocument/2006/math">
+                    <m:oMathParaPr>
+                      <m:jc m:val="center"/>
+                    </m:oMathParaPr>
+                    <m:oMath xmlns:m="http://schemas.openxmlformats.org/officeDocument/2006/math">
+                      <m:r>
+                        <a:rPr lang="en-US" b="0" i="1" smtClean="0">
+                          <a:solidFill>
+                            <a:schemeClr val="tx1"/>
+                          </a:solidFill>
+                          <a:latin typeface="Cambria Math" panose="02040503050406030204" pitchFamily="18" charset="0"/>
+                        </a:rPr>
+                        <m:t>1</m:t>
+                      </m:r>
+                    </m:oMath>
+                  </m:oMathPara>
+                </a14:m>
+                <a:endParaRPr lang="en-US" dirty="0">
+                  <a:solidFill>
+                    <a:schemeClr val="tx1"/>
+                  </a:solidFill>
+                </a:endParaRPr>
+              </a:p>
+            </p:txBody>
+          </p:sp>
+        </mc:Choice>
+        <mc:Fallback xmlns="">
+          <p:sp>
+            <p:nvSpPr>
+              <p:cNvPr id="4" name="Oval 3">
+                <a:extLst>
+                  <a:ext uri="{FF2B5EF4-FFF2-40B4-BE49-F238E27FC236}">
+                    <a16:creationId xmlns:a16="http://schemas.microsoft.com/office/drawing/2014/main" id="{25A2977F-9CBD-2DB4-6B82-9B725202B78B}"/>
+                  </a:ext>
+                </a:extLst>
+              </p:cNvPr>
+              <p:cNvSpPr>
+                <a:spLocks noRot="1" noChangeAspect="1" noMove="1" noResize="1" noEditPoints="1" noAdjustHandles="1" noChangeArrowheads="1" noChangeShapeType="1" noTextEdit="1"/>
+              </p:cNvSpPr>
+              <p:nvPr/>
+            </p:nvSpPr>
+            <p:spPr>
+              <a:xfrm>
+                <a:off x="2738345" y="3200400"/>
+                <a:ext cx="457200" cy="457200"/>
+              </a:xfrm>
+              <a:prstGeom prst="ellipse">
+                <a:avLst/>
+              </a:prstGeom>
+              <a:blipFill>
+                <a:blip r:embed="rId2"/>
+                <a:stretch>
+                  <a:fillRect/>
+                </a:stretch>
+              </a:blipFill>
+              <a:ln>
+                <a:solidFill>
+                  <a:schemeClr val="tx1"/>
+                </a:solidFill>
+              </a:ln>
+            </p:spPr>
+            <p:txBody>
+              <a:bodyPr/>
+              <a:lstStyle/>
+              <a:p>
+                <a:r>
+                  <a:rPr lang="en-US">
+                    <a:noFill/>
+                  </a:rPr>
+                  <a:t> </a:t>
+                </a:r>
+              </a:p>
+            </p:txBody>
+          </p:sp>
+        </mc:Fallback>
+      </mc:AlternateContent>
+      <p:cxnSp>
+        <p:nvCxnSpPr>
+          <p:cNvPr id="8" name="Straight Arrow Connector 7">
+            <a:extLst>
+              <a:ext uri="{FF2B5EF4-FFF2-40B4-BE49-F238E27FC236}">
+                <a16:creationId xmlns:a16="http://schemas.microsoft.com/office/drawing/2014/main" id="{3702B4EF-6DE0-27F6-D2AC-BBC534D26CF4}"/>
+              </a:ext>
+            </a:extLst>
+          </p:cNvPr>
+          <p:cNvCxnSpPr>
+            <a:cxnSpLocks/>
+            <a:stCxn id="4" idx="6"/>
+            <a:endCxn id="14" idx="2"/>
+          </p:cNvCxnSpPr>
+          <p:nvPr/>
+        </p:nvCxnSpPr>
+        <p:spPr>
+          <a:xfrm flipV="1">
+            <a:off x="3195545" y="3424453"/>
+            <a:ext cx="1507959" cy="4547"/>
+          </a:xfrm>
+          <a:prstGeom prst="straightConnector1">
+            <a:avLst/>
+          </a:prstGeom>
+          <a:ln w="28575">
+            <a:headEnd type="none" w="med" len="med"/>
+            <a:tailEnd type="triangle" w="med" len="med"/>
+          </a:ln>
+        </p:spPr>
+        <p:style>
+          <a:lnRef idx="1">
+            <a:schemeClr val="dk1"/>
+          </a:lnRef>
+          <a:fillRef idx="0">
+            <a:schemeClr val="dk1"/>
+          </a:fillRef>
+          <a:effectRef idx="0">
+            <a:schemeClr val="dk1"/>
+          </a:effectRef>
+          <a:fontRef idx="minor">
+            <a:schemeClr val="tx1"/>
+          </a:fontRef>
+        </p:style>
+      </p:cxnSp>
+      <p:cxnSp>
+        <p:nvCxnSpPr>
+          <p:cNvPr id="9" name="Straight Arrow Connector 8">
+            <a:extLst>
+              <a:ext uri="{FF2B5EF4-FFF2-40B4-BE49-F238E27FC236}">
+                <a16:creationId xmlns:a16="http://schemas.microsoft.com/office/drawing/2014/main" id="{15DAD15E-E67F-D3B1-FC4B-E330DF3CEDC4}"/>
+              </a:ext>
+            </a:extLst>
+          </p:cNvPr>
+          <p:cNvCxnSpPr>
+            <a:cxnSpLocks/>
+            <a:stCxn id="4" idx="7"/>
+            <a:endCxn id="15" idx="3"/>
+          </p:cNvCxnSpPr>
+          <p:nvPr/>
+        </p:nvCxnSpPr>
+        <p:spPr>
+          <a:xfrm flipV="1">
+            <a:off x="3128590" y="2277436"/>
+            <a:ext cx="1641869" cy="989919"/>
+          </a:xfrm>
+          <a:prstGeom prst="straightConnector1">
+            <a:avLst/>
+          </a:prstGeom>
+          <a:ln w="28575">
+            <a:headEnd type="none" w="med" len="med"/>
+            <a:tailEnd type="triangle" w="med" len="med"/>
+          </a:ln>
+        </p:spPr>
+        <p:style>
+          <a:lnRef idx="1">
+            <a:schemeClr val="dk1"/>
+          </a:lnRef>
+          <a:fillRef idx="0">
+            <a:schemeClr val="dk1"/>
+          </a:fillRef>
+          <a:effectRef idx="0">
+            <a:schemeClr val="dk1"/>
+          </a:effectRef>
+          <a:fontRef idx="minor">
+            <a:schemeClr val="tx1"/>
+          </a:fontRef>
+        </p:style>
+      </p:cxnSp>
+      <mc:AlternateContent xmlns:mc="http://schemas.openxmlformats.org/markup-compatibility/2006" xmlns:a14="http://schemas.microsoft.com/office/drawing/2010/main">
+        <mc:Choice Requires="a14">
+          <p:sp>
+            <p:nvSpPr>
+              <p:cNvPr id="14" name="Oval 13">
+                <a:extLst>
+                  <a:ext uri="{FF2B5EF4-FFF2-40B4-BE49-F238E27FC236}">
+                    <a16:creationId xmlns:a16="http://schemas.microsoft.com/office/drawing/2014/main" id="{77EEDDBD-D20F-D508-3BF5-2A591A4753B7}"/>
+                  </a:ext>
+                </a:extLst>
+              </p:cNvPr>
+              <p:cNvSpPr/>
+              <p:nvPr/>
+            </p:nvSpPr>
+            <p:spPr>
+              <a:xfrm>
+                <a:off x="4703504" y="3195853"/>
+                <a:ext cx="457200" cy="457200"/>
+              </a:xfrm>
+              <a:prstGeom prst="ellipse">
+                <a:avLst/>
+              </a:prstGeom>
+              <a:noFill/>
+              <a:ln>
+                <a:solidFill>
+                  <a:schemeClr val="tx1"/>
+                </a:solidFill>
+              </a:ln>
+            </p:spPr>
+            <p:style>
+              <a:lnRef idx="2">
+                <a:schemeClr val="accent1">
+                  <a:shade val="50000"/>
+                </a:schemeClr>
+              </a:lnRef>
+              <a:fillRef idx="1">
+                <a:schemeClr val="accent1"/>
+              </a:fillRef>
+              <a:effectRef idx="0">
+                <a:schemeClr val="accent1"/>
+              </a:effectRef>
+              <a:fontRef idx="minor">
+                <a:schemeClr val="lt1"/>
+              </a:fontRef>
+            </p:style>
+            <p:txBody>
+              <a:bodyPr lIns="91440" rIns="91440" rtlCol="0" anchor="ctr"/>
+              <a:lstStyle/>
+              <a:p>
+                <a:pPr algn="ctr"/>
+                <a14:m>
+                  <m:oMathPara xmlns:m="http://schemas.openxmlformats.org/officeDocument/2006/math">
+                    <m:oMathParaPr>
+                      <m:jc m:val="center"/>
+                    </m:oMathParaPr>
+                    <m:oMath xmlns:m="http://schemas.openxmlformats.org/officeDocument/2006/math">
+                      <m:r>
+                        <a:rPr lang="en-US" b="0" i="1" smtClean="0">
+                          <a:solidFill>
+                            <a:schemeClr val="tx1"/>
+                          </a:solidFill>
+                          <a:latin typeface="Cambria Math" panose="02040503050406030204" pitchFamily="18" charset="0"/>
+                        </a:rPr>
+                        <m:t>3</m:t>
+                      </m:r>
+                    </m:oMath>
+                  </m:oMathPara>
+                </a14:m>
+                <a:endParaRPr lang="en-US" dirty="0">
+                  <a:solidFill>
+                    <a:schemeClr val="tx1"/>
+                  </a:solidFill>
+                </a:endParaRPr>
+              </a:p>
+            </p:txBody>
+          </p:sp>
+        </mc:Choice>
+        <mc:Fallback xmlns="">
+          <p:sp>
+            <p:nvSpPr>
+              <p:cNvPr id="14" name="Oval 13">
+                <a:extLst>
+                  <a:ext uri="{FF2B5EF4-FFF2-40B4-BE49-F238E27FC236}">
+                    <a16:creationId xmlns:a16="http://schemas.microsoft.com/office/drawing/2014/main" id="{77EEDDBD-D20F-D508-3BF5-2A591A4753B7}"/>
+                  </a:ext>
+                </a:extLst>
+              </p:cNvPr>
+              <p:cNvSpPr>
+                <a:spLocks noRot="1" noChangeAspect="1" noMove="1" noResize="1" noEditPoints="1" noAdjustHandles="1" noChangeArrowheads="1" noChangeShapeType="1" noTextEdit="1"/>
+              </p:cNvSpPr>
+              <p:nvPr/>
+            </p:nvSpPr>
+            <p:spPr>
+              <a:xfrm>
+                <a:off x="4703504" y="3195853"/>
+                <a:ext cx="457200" cy="457200"/>
+              </a:xfrm>
+              <a:prstGeom prst="ellipse">
+                <a:avLst/>
+              </a:prstGeom>
+              <a:blipFill>
+                <a:blip r:embed="rId3"/>
+                <a:stretch>
+                  <a:fillRect/>
+                </a:stretch>
+              </a:blipFill>
+              <a:ln>
+                <a:solidFill>
+                  <a:schemeClr val="tx1"/>
+                </a:solidFill>
+              </a:ln>
+            </p:spPr>
+            <p:txBody>
+              <a:bodyPr/>
+              <a:lstStyle/>
+              <a:p>
+                <a:r>
+                  <a:rPr lang="en-US">
+                    <a:noFill/>
+                  </a:rPr>
+                  <a:t> </a:t>
+                </a:r>
+              </a:p>
+            </p:txBody>
+          </p:sp>
+        </mc:Fallback>
+      </mc:AlternateContent>
+      <mc:AlternateContent xmlns:mc="http://schemas.openxmlformats.org/markup-compatibility/2006" xmlns:a14="http://schemas.microsoft.com/office/drawing/2010/main">
+        <mc:Choice Requires="a14">
+          <p:sp>
+            <p:nvSpPr>
+              <p:cNvPr id="15" name="Oval 14">
+                <a:extLst>
+                  <a:ext uri="{FF2B5EF4-FFF2-40B4-BE49-F238E27FC236}">
+                    <a16:creationId xmlns:a16="http://schemas.microsoft.com/office/drawing/2014/main" id="{F312C0D3-3C52-101A-CA5E-5165A208D864}"/>
+                  </a:ext>
+                </a:extLst>
+              </p:cNvPr>
+              <p:cNvSpPr/>
+              <p:nvPr/>
+            </p:nvSpPr>
+            <p:spPr>
+              <a:xfrm>
+                <a:off x="4703504" y="1887191"/>
+                <a:ext cx="457200" cy="457200"/>
+              </a:xfrm>
+              <a:prstGeom prst="ellipse">
+                <a:avLst/>
+              </a:prstGeom>
+              <a:noFill/>
+              <a:ln>
+                <a:solidFill>
+                  <a:schemeClr val="tx1"/>
+                </a:solidFill>
+              </a:ln>
+            </p:spPr>
+            <p:style>
+              <a:lnRef idx="2">
+                <a:schemeClr val="accent1">
+                  <a:shade val="50000"/>
+                </a:schemeClr>
+              </a:lnRef>
+              <a:fillRef idx="1">
+                <a:schemeClr val="accent1"/>
+              </a:fillRef>
+              <a:effectRef idx="0">
+                <a:schemeClr val="accent1"/>
+              </a:effectRef>
+              <a:fontRef idx="minor">
+                <a:schemeClr val="lt1"/>
+              </a:fontRef>
+            </p:style>
+            <p:txBody>
+              <a:bodyPr lIns="91440" rIns="91440" rtlCol="0" anchor="ctr"/>
+              <a:lstStyle/>
+              <a:p>
+                <a:pPr algn="ctr"/>
+                <a14:m>
+                  <m:oMathPara xmlns:m="http://schemas.openxmlformats.org/officeDocument/2006/math">
+                    <m:oMathParaPr>
+                      <m:jc m:val="center"/>
+                    </m:oMathParaPr>
+                    <m:oMath xmlns:m="http://schemas.openxmlformats.org/officeDocument/2006/math">
+                      <m:r>
+                        <a:rPr lang="en-US" b="0" i="1" smtClean="0">
+                          <a:solidFill>
+                            <a:schemeClr val="tx1"/>
+                          </a:solidFill>
+                          <a:latin typeface="Cambria Math" panose="02040503050406030204" pitchFamily="18" charset="0"/>
+                        </a:rPr>
+                        <m:t>2</m:t>
+                      </m:r>
+                    </m:oMath>
+                  </m:oMathPara>
+                </a14:m>
+                <a:endParaRPr lang="en-US" dirty="0">
+                  <a:solidFill>
+                    <a:schemeClr val="tx1"/>
+                  </a:solidFill>
+                </a:endParaRPr>
+              </a:p>
+            </p:txBody>
+          </p:sp>
+        </mc:Choice>
+        <mc:Fallback xmlns="">
+          <p:sp>
+            <p:nvSpPr>
+              <p:cNvPr id="15" name="Oval 14">
+                <a:extLst>
+                  <a:ext uri="{FF2B5EF4-FFF2-40B4-BE49-F238E27FC236}">
+                    <a16:creationId xmlns:a16="http://schemas.microsoft.com/office/drawing/2014/main" id="{F312C0D3-3C52-101A-CA5E-5165A208D864}"/>
+                  </a:ext>
+                </a:extLst>
+              </p:cNvPr>
+              <p:cNvSpPr>
+                <a:spLocks noRot="1" noChangeAspect="1" noMove="1" noResize="1" noEditPoints="1" noAdjustHandles="1" noChangeArrowheads="1" noChangeShapeType="1" noTextEdit="1"/>
+              </p:cNvSpPr>
+              <p:nvPr/>
+            </p:nvSpPr>
+            <p:spPr>
+              <a:xfrm>
+                <a:off x="4703504" y="1887191"/>
+                <a:ext cx="457200" cy="457200"/>
+              </a:xfrm>
+              <a:prstGeom prst="ellipse">
+                <a:avLst/>
+              </a:prstGeom>
+              <a:blipFill>
+                <a:blip r:embed="rId4"/>
+                <a:stretch>
+                  <a:fillRect/>
+                </a:stretch>
+              </a:blipFill>
+              <a:ln>
+                <a:solidFill>
+                  <a:schemeClr val="tx1"/>
+                </a:solidFill>
+              </a:ln>
+            </p:spPr>
+            <p:txBody>
+              <a:bodyPr/>
+              <a:lstStyle/>
+              <a:p>
+                <a:r>
+                  <a:rPr lang="en-US">
+                    <a:noFill/>
+                  </a:rPr>
+                  <a:t> </a:t>
+                </a:r>
+              </a:p>
+            </p:txBody>
+          </p:sp>
+        </mc:Fallback>
+      </mc:AlternateContent>
+      <mc:AlternateContent xmlns:mc="http://schemas.openxmlformats.org/markup-compatibility/2006" xmlns:a14="http://schemas.microsoft.com/office/drawing/2010/main">
+        <mc:Choice Requires="a14">
+          <p:sp>
+            <p:nvSpPr>
+              <p:cNvPr id="16" name="Oval 15">
+                <a:extLst>
+                  <a:ext uri="{FF2B5EF4-FFF2-40B4-BE49-F238E27FC236}">
+                    <a16:creationId xmlns:a16="http://schemas.microsoft.com/office/drawing/2014/main" id="{2322F275-2393-3B07-12B2-447958DB7378}"/>
+                  </a:ext>
+                </a:extLst>
+              </p:cNvPr>
+              <p:cNvSpPr/>
+              <p:nvPr/>
+            </p:nvSpPr>
+            <p:spPr>
+              <a:xfrm>
+                <a:off x="6345373" y="1161730"/>
+                <a:ext cx="457200" cy="457200"/>
+              </a:xfrm>
+              <a:prstGeom prst="ellipse">
+                <a:avLst/>
+              </a:prstGeom>
+              <a:noFill/>
+              <a:ln>
+                <a:solidFill>
+                  <a:schemeClr val="tx1"/>
+                </a:solidFill>
+              </a:ln>
+            </p:spPr>
+            <p:style>
+              <a:lnRef idx="2">
+                <a:schemeClr val="accent1">
+                  <a:shade val="50000"/>
+                </a:schemeClr>
+              </a:lnRef>
+              <a:fillRef idx="1">
+                <a:schemeClr val="accent1"/>
+              </a:fillRef>
+              <a:effectRef idx="0">
+                <a:schemeClr val="accent1"/>
+              </a:effectRef>
+              <a:fontRef idx="minor">
+                <a:schemeClr val="lt1"/>
+              </a:fontRef>
+            </p:style>
+            <p:txBody>
+              <a:bodyPr lIns="91440" rIns="91440" rtlCol="0" anchor="ctr"/>
+              <a:lstStyle/>
+              <a:p>
+                <a:pPr algn="ctr"/>
+                <a14:m>
+                  <m:oMathPara xmlns:m="http://schemas.openxmlformats.org/officeDocument/2006/math">
+                    <m:oMathParaPr>
+                      <m:jc m:val="center"/>
+                    </m:oMathParaPr>
+                    <m:oMath xmlns:m="http://schemas.openxmlformats.org/officeDocument/2006/math">
+                      <m:r>
+                        <a:rPr lang="en-US" b="0" i="1" smtClean="0">
+                          <a:solidFill>
+                            <a:schemeClr val="tx1"/>
+                          </a:solidFill>
+                          <a:latin typeface="Cambria Math" panose="02040503050406030204" pitchFamily="18" charset="0"/>
+                        </a:rPr>
+                        <m:t>5</m:t>
+                      </m:r>
+                    </m:oMath>
+                  </m:oMathPara>
+                </a14:m>
+                <a:endParaRPr lang="en-US" dirty="0">
+                  <a:solidFill>
+                    <a:schemeClr val="tx1"/>
+                  </a:solidFill>
+                </a:endParaRPr>
+              </a:p>
+            </p:txBody>
+          </p:sp>
+        </mc:Choice>
+        <mc:Fallback xmlns="">
+          <p:sp>
+            <p:nvSpPr>
+              <p:cNvPr id="16" name="Oval 15">
+                <a:extLst>
+                  <a:ext uri="{FF2B5EF4-FFF2-40B4-BE49-F238E27FC236}">
+                    <a16:creationId xmlns:a16="http://schemas.microsoft.com/office/drawing/2014/main" id="{2322F275-2393-3B07-12B2-447958DB7378}"/>
+                  </a:ext>
+                </a:extLst>
+              </p:cNvPr>
+              <p:cNvSpPr>
+                <a:spLocks noRot="1" noChangeAspect="1" noMove="1" noResize="1" noEditPoints="1" noAdjustHandles="1" noChangeArrowheads="1" noChangeShapeType="1" noTextEdit="1"/>
+              </p:cNvSpPr>
+              <p:nvPr/>
+            </p:nvSpPr>
+            <p:spPr>
+              <a:xfrm>
+                <a:off x="6345373" y="1161730"/>
+                <a:ext cx="457200" cy="457200"/>
+              </a:xfrm>
+              <a:prstGeom prst="ellipse">
+                <a:avLst/>
+              </a:prstGeom>
+              <a:blipFill>
+                <a:blip r:embed="rId5"/>
+                <a:stretch>
+                  <a:fillRect/>
+                </a:stretch>
+              </a:blipFill>
+              <a:ln>
+                <a:solidFill>
+                  <a:schemeClr val="tx1"/>
+                </a:solidFill>
+              </a:ln>
+            </p:spPr>
+            <p:txBody>
+              <a:bodyPr/>
+              <a:lstStyle/>
+              <a:p>
+                <a:r>
+                  <a:rPr lang="en-US">
+                    <a:noFill/>
+                  </a:rPr>
+                  <a:t> </a:t>
+                </a:r>
+              </a:p>
+            </p:txBody>
+          </p:sp>
+        </mc:Fallback>
+      </mc:AlternateContent>
+      <mc:AlternateContent xmlns:mc="http://schemas.openxmlformats.org/markup-compatibility/2006" xmlns:a14="http://schemas.microsoft.com/office/drawing/2010/main">
+        <mc:Choice Requires="a14">
+          <p:sp>
+            <p:nvSpPr>
+              <p:cNvPr id="17" name="Oval 16">
+                <a:extLst>
+                  <a:ext uri="{FF2B5EF4-FFF2-40B4-BE49-F238E27FC236}">
+                    <a16:creationId xmlns:a16="http://schemas.microsoft.com/office/drawing/2014/main" id="{D88DE680-47DD-9E61-CE02-AF50C0C8546F}"/>
+                  </a:ext>
+                </a:extLst>
+              </p:cNvPr>
+              <p:cNvSpPr/>
+              <p:nvPr/>
+            </p:nvSpPr>
+            <p:spPr>
+              <a:xfrm>
+                <a:off x="6345373" y="2446077"/>
+                <a:ext cx="457200" cy="457200"/>
+              </a:xfrm>
+              <a:prstGeom prst="ellipse">
+                <a:avLst/>
+              </a:prstGeom>
+              <a:noFill/>
+              <a:ln>
+                <a:solidFill>
+                  <a:schemeClr val="tx1"/>
+                </a:solidFill>
+              </a:ln>
+            </p:spPr>
+            <p:style>
+              <a:lnRef idx="2">
+                <a:schemeClr val="accent1">
+                  <a:shade val="50000"/>
+                </a:schemeClr>
+              </a:lnRef>
+              <a:fillRef idx="1">
+                <a:schemeClr val="accent1"/>
+              </a:fillRef>
+              <a:effectRef idx="0">
+                <a:schemeClr val="accent1"/>
+              </a:effectRef>
+              <a:fontRef idx="minor">
+                <a:schemeClr val="lt1"/>
+              </a:fontRef>
+            </p:style>
+            <p:txBody>
+              <a:bodyPr lIns="91440" rIns="91440" rtlCol="0" anchor="ctr"/>
+              <a:lstStyle/>
+              <a:p>
+                <a:pPr algn="ctr"/>
+                <a14:m>
+                  <m:oMathPara xmlns:m="http://schemas.openxmlformats.org/officeDocument/2006/math">
+                    <m:oMathParaPr>
+                      <m:jc m:val="center"/>
+                    </m:oMathParaPr>
+                    <m:oMath xmlns:m="http://schemas.openxmlformats.org/officeDocument/2006/math">
+                      <m:r>
+                        <a:rPr lang="en-US" b="0" i="1" smtClean="0">
+                          <a:solidFill>
+                            <a:schemeClr val="tx1"/>
+                          </a:solidFill>
+                          <a:latin typeface="Cambria Math" panose="02040503050406030204" pitchFamily="18" charset="0"/>
+                        </a:rPr>
+                        <m:t>6</m:t>
+                      </m:r>
+                    </m:oMath>
+                  </m:oMathPara>
+                </a14:m>
+                <a:endParaRPr lang="en-US" dirty="0">
+                  <a:solidFill>
+                    <a:schemeClr val="tx1"/>
+                  </a:solidFill>
+                </a:endParaRPr>
+              </a:p>
+            </p:txBody>
+          </p:sp>
+        </mc:Choice>
+        <mc:Fallback xmlns="">
+          <p:sp>
+            <p:nvSpPr>
+              <p:cNvPr id="17" name="Oval 16">
+                <a:extLst>
+                  <a:ext uri="{FF2B5EF4-FFF2-40B4-BE49-F238E27FC236}">
+                    <a16:creationId xmlns:a16="http://schemas.microsoft.com/office/drawing/2014/main" id="{D88DE680-47DD-9E61-CE02-AF50C0C8546F}"/>
+                  </a:ext>
+                </a:extLst>
+              </p:cNvPr>
+              <p:cNvSpPr>
+                <a:spLocks noRot="1" noChangeAspect="1" noMove="1" noResize="1" noEditPoints="1" noAdjustHandles="1" noChangeArrowheads="1" noChangeShapeType="1" noTextEdit="1"/>
+              </p:cNvSpPr>
+              <p:nvPr/>
+            </p:nvSpPr>
+            <p:spPr>
+              <a:xfrm>
+                <a:off x="6345373" y="2446077"/>
+                <a:ext cx="457200" cy="457200"/>
+              </a:xfrm>
+              <a:prstGeom prst="ellipse">
+                <a:avLst/>
+              </a:prstGeom>
+              <a:blipFill>
+                <a:blip r:embed="rId6"/>
+                <a:stretch>
+                  <a:fillRect/>
+                </a:stretch>
+              </a:blipFill>
+              <a:ln>
+                <a:solidFill>
+                  <a:schemeClr val="tx1"/>
+                </a:solidFill>
+              </a:ln>
+            </p:spPr>
+            <p:txBody>
+              <a:bodyPr/>
+              <a:lstStyle/>
+              <a:p>
+                <a:r>
+                  <a:rPr lang="en-US">
+                    <a:noFill/>
+                  </a:rPr>
+                  <a:t> </a:t>
+                </a:r>
+              </a:p>
+            </p:txBody>
+          </p:sp>
+        </mc:Fallback>
+      </mc:AlternateContent>
+      <p:cxnSp>
+        <p:nvCxnSpPr>
+          <p:cNvPr id="24" name="Straight Arrow Connector 23">
+            <a:extLst>
+              <a:ext uri="{FF2B5EF4-FFF2-40B4-BE49-F238E27FC236}">
+                <a16:creationId xmlns:a16="http://schemas.microsoft.com/office/drawing/2014/main" id="{D526E399-7181-694C-57F4-E41783E543D3}"/>
+              </a:ext>
+            </a:extLst>
+          </p:cNvPr>
+          <p:cNvCxnSpPr>
+            <a:cxnSpLocks/>
+            <a:stCxn id="15" idx="6"/>
+            <a:endCxn id="16" idx="2"/>
+          </p:cNvCxnSpPr>
+          <p:nvPr/>
+        </p:nvCxnSpPr>
+        <p:spPr>
+          <a:xfrm flipV="1">
+            <a:off x="5160704" y="1390330"/>
+            <a:ext cx="1184669" cy="725461"/>
+          </a:xfrm>
+          <a:prstGeom prst="straightConnector1">
+            <a:avLst/>
+          </a:prstGeom>
+          <a:ln w="28575">
+            <a:headEnd type="none" w="med" len="med"/>
+            <a:tailEnd type="triangle" w="med" len="med"/>
+          </a:ln>
+        </p:spPr>
+        <p:style>
+          <a:lnRef idx="1">
+            <a:schemeClr val="dk1"/>
+          </a:lnRef>
+          <a:fillRef idx="0">
+            <a:schemeClr val="dk1"/>
+          </a:fillRef>
+          <a:effectRef idx="0">
+            <a:schemeClr val="dk1"/>
+          </a:effectRef>
+          <a:fontRef idx="minor">
+            <a:schemeClr val="tx1"/>
+          </a:fontRef>
+        </p:style>
+      </p:cxnSp>
+      <p:cxnSp>
+        <p:nvCxnSpPr>
+          <p:cNvPr id="39" name="Straight Arrow Connector 38">
+            <a:extLst>
+              <a:ext uri="{FF2B5EF4-FFF2-40B4-BE49-F238E27FC236}">
+                <a16:creationId xmlns:a16="http://schemas.microsoft.com/office/drawing/2014/main" id="{B661F72B-2B7C-8EA6-A70D-80876780BD9E}"/>
+              </a:ext>
+            </a:extLst>
+          </p:cNvPr>
+          <p:cNvCxnSpPr>
+            <a:cxnSpLocks/>
+            <a:stCxn id="14" idx="6"/>
+            <a:endCxn id="17" idx="2"/>
+          </p:cNvCxnSpPr>
+          <p:nvPr/>
+        </p:nvCxnSpPr>
+        <p:spPr>
+          <a:xfrm flipV="1">
+            <a:off x="5160704" y="2674677"/>
+            <a:ext cx="1184669" cy="749776"/>
+          </a:xfrm>
+          <a:prstGeom prst="straightConnector1">
+            <a:avLst/>
+          </a:prstGeom>
+          <a:ln w="28575">
+            <a:headEnd type="none" w="med" len="med"/>
+            <a:tailEnd type="triangle" w="med" len="med"/>
+          </a:ln>
+        </p:spPr>
+        <p:style>
+          <a:lnRef idx="1">
+            <a:schemeClr val="dk1"/>
+          </a:lnRef>
+          <a:fillRef idx="0">
+            <a:schemeClr val="dk1"/>
+          </a:fillRef>
+          <a:effectRef idx="0">
+            <a:schemeClr val="dk1"/>
+          </a:effectRef>
+          <a:fontRef idx="minor">
+            <a:schemeClr val="tx1"/>
+          </a:fontRef>
+        </p:style>
+      </p:cxnSp>
+      <mc:AlternateContent xmlns:mc="http://schemas.openxmlformats.org/markup-compatibility/2006" xmlns:a14="http://schemas.microsoft.com/office/drawing/2010/main">
+        <mc:Choice Requires="a14">
+          <p:sp>
+            <p:nvSpPr>
+              <p:cNvPr id="45" name="TextBox 44">
+                <a:extLst>
+                  <a:ext uri="{FF2B5EF4-FFF2-40B4-BE49-F238E27FC236}">
+                    <a16:creationId xmlns:a16="http://schemas.microsoft.com/office/drawing/2014/main" id="{C0CFEB38-A063-4387-956F-8D2F16B56545}"/>
+                  </a:ext>
+                </a:extLst>
+              </p:cNvPr>
+              <p:cNvSpPr txBox="1"/>
+              <p:nvPr/>
+            </p:nvSpPr>
+            <p:spPr>
+              <a:xfrm>
+                <a:off x="143215" y="2695053"/>
+                <a:ext cx="2491644" cy="1249060"/>
+              </a:xfrm>
+              <a:prstGeom prst="rect">
+                <a:avLst/>
+              </a:prstGeom>
+              <a:noFill/>
+            </p:spPr>
+            <p:txBody>
+              <a:bodyPr wrap="none" rtlCol="0">
+                <a:spAutoFit/>
+              </a:bodyPr>
+              <a:lstStyle/>
+              <a:p>
+                <a:pPr/>
+                <a14:m>
+                  <m:oMathPara xmlns:m="http://schemas.openxmlformats.org/officeDocument/2006/math">
+                    <m:oMathParaPr>
+                      <m:jc m:val="centerGroup"/>
+                    </m:oMathParaPr>
+                    <m:oMath xmlns:m="http://schemas.openxmlformats.org/officeDocument/2006/math">
+                      <m:sSub>
+                        <m:sSubPr>
+                          <m:ctrlPr>
+                            <a:rPr lang="en-US" b="0" i="1" smtClean="0">
+                              <a:latin typeface="Cambria Math" panose="02040503050406030204" pitchFamily="18" charset="0"/>
+                            </a:rPr>
+                          </m:ctrlPr>
+                        </m:sSubPr>
+                        <m:e>
+                          <m:r>
+                            <a:rPr lang="en-US" b="0" i="1" smtClean="0">
+                              <a:latin typeface="Cambria Math" panose="02040503050406030204" pitchFamily="18" charset="0"/>
+                            </a:rPr>
+                            <m:t>𝜆</m:t>
+                          </m:r>
+                        </m:e>
+                        <m:sub>
+                          <m:r>
+                            <a:rPr lang="en-US" b="0" i="1" smtClean="0">
+                              <a:latin typeface="Cambria Math" panose="02040503050406030204" pitchFamily="18" charset="0"/>
+                            </a:rPr>
+                            <m:t>1,5</m:t>
+                          </m:r>
+                        </m:sub>
+                      </m:sSub>
+                      <m:d>
+                        <m:dPr>
+                          <m:ctrlPr>
+                            <a:rPr lang="en-US" b="0" i="1" smtClean="0">
+                              <a:latin typeface="Cambria Math" panose="02040503050406030204" pitchFamily="18" charset="0"/>
+                            </a:rPr>
+                          </m:ctrlPr>
+                        </m:dPr>
+                        <m:e>
+                          <m:r>
+                            <a:rPr lang="en-US" b="0" i="1" smtClean="0">
+                              <a:latin typeface="Cambria Math" panose="02040503050406030204" pitchFamily="18" charset="0"/>
+                            </a:rPr>
+                            <m:t>𝑡</m:t>
+                          </m:r>
+                        </m:e>
+                      </m:d>
+                      <m:r>
+                        <a:rPr lang="en-US" b="0" i="1" smtClean="0">
+                          <a:latin typeface="Cambria Math" panose="02040503050406030204" pitchFamily="18" charset="0"/>
+                        </a:rPr>
+                        <m:t>∼</m:t>
+                      </m:r>
+                      <m:r>
+                        <a:rPr lang="en-US" b="0" i="1" smtClean="0">
+                          <a:latin typeface="Cambria Math" panose="02040503050406030204" pitchFamily="18" charset="0"/>
+                        </a:rPr>
+                        <m:t>𝐵𝑒𝑟𝑛</m:t>
+                      </m:r>
+                      <m:r>
+                        <a:rPr lang="en-US" b="0" i="1" smtClean="0">
+                          <a:latin typeface="Cambria Math" panose="02040503050406030204" pitchFamily="18" charset="0"/>
+                        </a:rPr>
+                        <m:t>(2 0.8)</m:t>
+                      </m:r>
+                    </m:oMath>
+                  </m:oMathPara>
+                </a14:m>
+                <a:endParaRPr lang="en-US" b="0" dirty="0"/>
+              </a:p>
+              <a:p>
+                <a:pPr/>
+                <a14:m>
+                  <m:oMathPara xmlns:m="http://schemas.openxmlformats.org/officeDocument/2006/math">
+                    <m:oMathParaPr>
+                      <m:jc m:val="centerGroup"/>
+                    </m:oMathParaPr>
+                    <m:oMath xmlns:m="http://schemas.openxmlformats.org/officeDocument/2006/math">
+                      <m:sSub>
+                        <m:sSubPr>
+                          <m:ctrlPr>
+                            <a:rPr lang="en-US" b="0" i="1" smtClean="0">
+                              <a:latin typeface="Cambria Math" panose="02040503050406030204" pitchFamily="18" charset="0"/>
+                            </a:rPr>
+                          </m:ctrlPr>
+                        </m:sSubPr>
+                        <m:e>
+                          <m:r>
+                            <a:rPr lang="en-US" b="0" i="1" smtClean="0">
+                              <a:latin typeface="Cambria Math" panose="02040503050406030204" pitchFamily="18" charset="0"/>
+                            </a:rPr>
+                            <m:t>𝜆</m:t>
+                          </m:r>
+                        </m:e>
+                        <m:sub>
+                          <m:r>
+                            <a:rPr lang="en-US" b="0" i="1" smtClean="0">
+                              <a:latin typeface="Cambria Math" panose="02040503050406030204" pitchFamily="18" charset="0"/>
+                            </a:rPr>
+                            <m:t>1,6</m:t>
+                          </m:r>
+                        </m:sub>
+                      </m:sSub>
+                      <m:d>
+                        <m:dPr>
+                          <m:ctrlPr>
+                            <a:rPr lang="en-US" b="0" i="1" smtClean="0">
+                              <a:latin typeface="Cambria Math" panose="02040503050406030204" pitchFamily="18" charset="0"/>
+                            </a:rPr>
+                          </m:ctrlPr>
+                        </m:dPr>
+                        <m:e>
+                          <m:r>
+                            <a:rPr lang="en-US" b="0" i="1" smtClean="0">
+                              <a:latin typeface="Cambria Math" panose="02040503050406030204" pitchFamily="18" charset="0"/>
+                            </a:rPr>
+                            <m:t>𝑡</m:t>
+                          </m:r>
+                        </m:e>
+                      </m:d>
+                      <m:r>
+                        <a:rPr lang="en-US" b="0" i="1" smtClean="0">
+                          <a:latin typeface="Cambria Math" panose="02040503050406030204" pitchFamily="18" charset="0"/>
+                        </a:rPr>
+                        <m:t>∼</m:t>
+                      </m:r>
+                      <m:r>
+                        <a:rPr lang="en-US" b="0" i="1" smtClean="0">
+                          <a:latin typeface="Cambria Math" panose="02040503050406030204" pitchFamily="18" charset="0"/>
+                        </a:rPr>
+                        <m:t>𝐵𝑒𝑟𝑛</m:t>
+                      </m:r>
+                      <m:d>
+                        <m:dPr>
+                          <m:ctrlPr>
+                            <a:rPr lang="en-US" b="0" i="1" smtClean="0">
+                              <a:latin typeface="Cambria Math" panose="02040503050406030204" pitchFamily="18" charset="0"/>
+                            </a:rPr>
+                          </m:ctrlPr>
+                        </m:dPr>
+                        <m:e>
+                          <m:r>
+                            <a:rPr lang="en-US" b="0" i="1" smtClean="0">
+                              <a:latin typeface="Cambria Math" panose="02040503050406030204" pitchFamily="18" charset="0"/>
+                            </a:rPr>
+                            <m:t>2, 1.0 </m:t>
+                          </m:r>
+                        </m:e>
+                      </m:d>
+                    </m:oMath>
+                  </m:oMathPara>
+                </a14:m>
+                <a:endParaRPr lang="en-US" b="0" dirty="0"/>
+              </a:p>
+              <a:p>
+                <a:pPr/>
+                <a14:m>
+                  <m:oMathPara xmlns:m="http://schemas.openxmlformats.org/officeDocument/2006/math">
+                    <m:oMathParaPr>
+                      <m:jc m:val="centerGroup"/>
+                    </m:oMathParaPr>
+                    <m:oMath xmlns:m="http://schemas.openxmlformats.org/officeDocument/2006/math">
+                      <m:sSub>
+                        <m:sSubPr>
+                          <m:ctrlPr>
+                            <a:rPr lang="en-US" b="0" i="1" smtClean="0">
+                              <a:latin typeface="Cambria Math" panose="02040503050406030204" pitchFamily="18" charset="0"/>
+                            </a:rPr>
+                          </m:ctrlPr>
+                        </m:sSubPr>
+                        <m:e>
+                          <m:r>
+                            <a:rPr lang="en-US" b="0" i="1" smtClean="0">
+                              <a:latin typeface="Cambria Math" panose="02040503050406030204" pitchFamily="18" charset="0"/>
+                            </a:rPr>
+                            <m:t>𝜆</m:t>
+                          </m:r>
+                        </m:e>
+                        <m:sub>
+                          <m:r>
+                            <a:rPr lang="en-US" b="0" i="1" smtClean="0">
+                              <a:latin typeface="Cambria Math" panose="02040503050406030204" pitchFamily="18" charset="0"/>
+                            </a:rPr>
+                            <m:t>1,7</m:t>
+                          </m:r>
+                        </m:sub>
+                      </m:sSub>
+                      <m:d>
+                        <m:dPr>
+                          <m:ctrlPr>
+                            <a:rPr lang="en-US" b="0" i="1" smtClean="0">
+                              <a:latin typeface="Cambria Math" panose="02040503050406030204" pitchFamily="18" charset="0"/>
+                            </a:rPr>
+                          </m:ctrlPr>
+                        </m:dPr>
+                        <m:e>
+                          <m:r>
+                            <a:rPr lang="en-US" b="0" i="1" smtClean="0">
+                              <a:latin typeface="Cambria Math" panose="02040503050406030204" pitchFamily="18" charset="0"/>
+                            </a:rPr>
+                            <m:t>𝑡</m:t>
+                          </m:r>
+                        </m:e>
+                      </m:d>
+                      <m:r>
+                        <a:rPr lang="en-US" b="0" i="1" smtClean="0">
+                          <a:latin typeface="Cambria Math" panose="02040503050406030204" pitchFamily="18" charset="0"/>
+                        </a:rPr>
+                        <m:t>∼</m:t>
+                      </m:r>
+                      <m:r>
+                        <a:rPr lang="en-US" b="0" i="1" smtClean="0">
+                          <a:latin typeface="Cambria Math" panose="02040503050406030204" pitchFamily="18" charset="0"/>
+                        </a:rPr>
+                        <m:t>𝐵𝑒𝑟𝑛</m:t>
+                      </m:r>
+                      <m:d>
+                        <m:dPr>
+                          <m:ctrlPr>
+                            <a:rPr lang="en-US" b="0" i="1" smtClean="0">
+                              <a:latin typeface="Cambria Math" panose="02040503050406030204" pitchFamily="18" charset="0"/>
+                            </a:rPr>
+                          </m:ctrlPr>
+                        </m:dPr>
+                        <m:e>
+                          <m:r>
+                            <a:rPr lang="en-US" b="0" i="1" smtClean="0">
+                              <a:latin typeface="Cambria Math" panose="02040503050406030204" pitchFamily="18" charset="0"/>
+                            </a:rPr>
+                            <m:t>5, 0.2</m:t>
+                          </m:r>
+                        </m:e>
+                      </m:d>
+                    </m:oMath>
+                  </m:oMathPara>
+                </a14:m>
+                <a:endParaRPr lang="en-US" b="0" dirty="0"/>
+              </a:p>
+              <a:p>
+                <a:pPr/>
+                <a14:m>
+                  <m:oMathPara xmlns:m="http://schemas.openxmlformats.org/officeDocument/2006/math">
+                    <m:oMathParaPr>
+                      <m:jc m:val="centerGroup"/>
+                    </m:oMathParaPr>
+                    <m:oMath xmlns:m="http://schemas.openxmlformats.org/officeDocument/2006/math">
+                      <m:sSub>
+                        <m:sSubPr>
+                          <m:ctrlPr>
+                            <a:rPr lang="en-US" b="0" i="1" smtClean="0">
+                              <a:latin typeface="Cambria Math" panose="02040503050406030204" pitchFamily="18" charset="0"/>
+                            </a:rPr>
+                          </m:ctrlPr>
+                        </m:sSubPr>
+                        <m:e>
+                          <m:r>
+                            <a:rPr lang="en-US" b="0" i="1" smtClean="0">
+                              <a:latin typeface="Cambria Math" panose="02040503050406030204" pitchFamily="18" charset="0"/>
+                            </a:rPr>
+                            <m:t>𝜆</m:t>
+                          </m:r>
+                        </m:e>
+                        <m:sub>
+                          <m:r>
+                            <a:rPr lang="en-US" b="0" i="1" smtClean="0">
+                              <a:latin typeface="Cambria Math" panose="02040503050406030204" pitchFamily="18" charset="0"/>
+                            </a:rPr>
+                            <m:t>1,8</m:t>
+                          </m:r>
+                        </m:sub>
+                      </m:sSub>
+                      <m:r>
+                        <a:rPr lang="en-US" b="0" i="1" smtClean="0">
+                          <a:latin typeface="Cambria Math" panose="02040503050406030204" pitchFamily="18" charset="0"/>
+                        </a:rPr>
+                        <m:t>∼</m:t>
+                      </m:r>
+                      <m:r>
+                        <a:rPr lang="en-US" b="0" i="1" smtClean="0">
+                          <a:latin typeface="Cambria Math" panose="02040503050406030204" pitchFamily="18" charset="0"/>
+                        </a:rPr>
+                        <m:t>𝐵𝑒𝑟𝑛</m:t>
+                      </m:r>
+                      <m:r>
+                        <a:rPr lang="en-US" b="0" i="1" smtClean="0">
+                          <a:latin typeface="Cambria Math" panose="02040503050406030204" pitchFamily="18" charset="0"/>
+                        </a:rPr>
+                        <m:t>(5, 0.5)</m:t>
+                      </m:r>
+                    </m:oMath>
+                  </m:oMathPara>
+                </a14:m>
+                <a:endParaRPr lang="en-US" dirty="0"/>
+              </a:p>
+            </p:txBody>
+          </p:sp>
+        </mc:Choice>
+        <mc:Fallback xmlns="">
+          <p:sp>
+            <p:nvSpPr>
+              <p:cNvPr id="45" name="TextBox 44">
+                <a:extLst>
+                  <a:ext uri="{FF2B5EF4-FFF2-40B4-BE49-F238E27FC236}">
+                    <a16:creationId xmlns:a16="http://schemas.microsoft.com/office/drawing/2014/main" id="{C0CFEB38-A063-4387-956F-8D2F16B56545}"/>
+                  </a:ext>
+                </a:extLst>
+              </p:cNvPr>
+              <p:cNvSpPr txBox="1">
+                <a:spLocks noRot="1" noChangeAspect="1" noMove="1" noResize="1" noEditPoints="1" noAdjustHandles="1" noChangeArrowheads="1" noChangeShapeType="1" noTextEdit="1"/>
+              </p:cNvSpPr>
+              <p:nvPr/>
+            </p:nvSpPr>
+            <p:spPr>
+              <a:xfrm>
+                <a:off x="143215" y="2695053"/>
+                <a:ext cx="2491644" cy="1249060"/>
+              </a:xfrm>
+              <a:prstGeom prst="rect">
+                <a:avLst/>
+              </a:prstGeom>
+              <a:blipFill>
+                <a:blip r:embed="rId7"/>
+                <a:stretch>
+                  <a:fillRect b="-2927"/>
+                </a:stretch>
+              </a:blipFill>
+            </p:spPr>
+            <p:txBody>
+              <a:bodyPr/>
+              <a:lstStyle/>
+              <a:p>
+                <a:r>
+                  <a:rPr lang="en-US">
+                    <a:noFill/>
+                  </a:rPr>
+                  <a:t> </a:t>
+                </a:r>
+              </a:p>
+            </p:txBody>
+          </p:sp>
+        </mc:Fallback>
+      </mc:AlternateContent>
+      <mc:AlternateContent xmlns:mc="http://schemas.openxmlformats.org/markup-compatibility/2006" xmlns:a14="http://schemas.microsoft.com/office/drawing/2010/main">
+        <mc:Choice Requires="a14">
+          <p:sp>
+            <p:nvSpPr>
+              <p:cNvPr id="47" name="TextBox 46">
+                <a:extLst>
+                  <a:ext uri="{FF2B5EF4-FFF2-40B4-BE49-F238E27FC236}">
+                    <a16:creationId xmlns:a16="http://schemas.microsoft.com/office/drawing/2014/main" id="{0E772818-D26A-6EA8-4A17-AA51B3E8F2CA}"/>
+                  </a:ext>
+                </a:extLst>
+              </p:cNvPr>
+              <p:cNvSpPr txBox="1"/>
+              <p:nvPr/>
+            </p:nvSpPr>
+            <p:spPr>
+              <a:xfrm>
+                <a:off x="3113007" y="2446077"/>
+                <a:ext cx="558166" cy="369332"/>
+              </a:xfrm>
+              <a:prstGeom prst="rect">
+                <a:avLst/>
+              </a:prstGeom>
+              <a:noFill/>
+            </p:spPr>
+            <p:txBody>
+              <a:bodyPr wrap="none" rtlCol="0">
+                <a:spAutoFit/>
+              </a:bodyPr>
+              <a:lstStyle/>
+              <a:p>
+                <a:pPr/>
+                <a14:m>
+                  <m:oMathPara xmlns:m="http://schemas.openxmlformats.org/officeDocument/2006/math">
+                    <m:oMathParaPr>
+                      <m:jc m:val="centerGroup"/>
+                    </m:oMathParaPr>
+                    <m:oMath xmlns:m="http://schemas.openxmlformats.org/officeDocument/2006/math">
+                      <m:r>
+                        <a:rPr lang="en-US" b="0" i="1" smtClean="0">
+                          <a:latin typeface="Cambria Math" panose="02040503050406030204" pitchFamily="18" charset="0"/>
+                        </a:rPr>
+                        <m:t>(2)</m:t>
+                      </m:r>
+                    </m:oMath>
+                  </m:oMathPara>
+                </a14:m>
+                <a:endParaRPr lang="en-US" dirty="0"/>
+              </a:p>
+            </p:txBody>
+          </p:sp>
+        </mc:Choice>
+        <mc:Fallback xmlns="">
+          <p:sp>
+            <p:nvSpPr>
+              <p:cNvPr id="47" name="TextBox 46">
+                <a:extLst>
+                  <a:ext uri="{FF2B5EF4-FFF2-40B4-BE49-F238E27FC236}">
+                    <a16:creationId xmlns:a16="http://schemas.microsoft.com/office/drawing/2014/main" id="{0E772818-D26A-6EA8-4A17-AA51B3E8F2CA}"/>
+                  </a:ext>
+                </a:extLst>
+              </p:cNvPr>
+              <p:cNvSpPr txBox="1">
+                <a:spLocks noRot="1" noChangeAspect="1" noMove="1" noResize="1" noEditPoints="1" noAdjustHandles="1" noChangeArrowheads="1" noChangeShapeType="1" noTextEdit="1"/>
+              </p:cNvSpPr>
+              <p:nvPr/>
+            </p:nvSpPr>
+            <p:spPr>
+              <a:xfrm>
+                <a:off x="3113007" y="2446077"/>
+                <a:ext cx="558166" cy="369332"/>
+              </a:xfrm>
+              <a:prstGeom prst="rect">
+                <a:avLst/>
+              </a:prstGeom>
+              <a:blipFill>
+                <a:blip r:embed="rId8"/>
+                <a:stretch>
+                  <a:fillRect b="-13115"/>
+                </a:stretch>
+              </a:blipFill>
+            </p:spPr>
+            <p:txBody>
+              <a:bodyPr/>
+              <a:lstStyle/>
+              <a:p>
+                <a:r>
+                  <a:rPr lang="en-US">
+                    <a:noFill/>
+                  </a:rPr>
+                  <a:t> </a:t>
+                </a:r>
+              </a:p>
+            </p:txBody>
+          </p:sp>
+        </mc:Fallback>
+      </mc:AlternateContent>
+      <mc:AlternateContent xmlns:mc="http://schemas.openxmlformats.org/markup-compatibility/2006" xmlns:a14="http://schemas.microsoft.com/office/drawing/2010/main">
+        <mc:Choice Requires="a14">
+          <p:sp>
+            <p:nvSpPr>
+              <p:cNvPr id="48" name="TextBox 47">
+                <a:extLst>
+                  <a:ext uri="{FF2B5EF4-FFF2-40B4-BE49-F238E27FC236}">
+                    <a16:creationId xmlns:a16="http://schemas.microsoft.com/office/drawing/2014/main" id="{5C88DA68-C74F-B552-B7BC-6BA4C8235221}"/>
+                  </a:ext>
+                </a:extLst>
+              </p:cNvPr>
+              <p:cNvSpPr txBox="1"/>
+              <p:nvPr/>
+            </p:nvSpPr>
+            <p:spPr>
+              <a:xfrm>
+                <a:off x="3424145" y="3105815"/>
+                <a:ext cx="558166" cy="369332"/>
+              </a:xfrm>
+              <a:prstGeom prst="rect">
+                <a:avLst/>
+              </a:prstGeom>
+              <a:noFill/>
+            </p:spPr>
+            <p:txBody>
+              <a:bodyPr wrap="none" rtlCol="0">
+                <a:spAutoFit/>
+              </a:bodyPr>
+              <a:lstStyle/>
+              <a:p>
+                <a:pPr/>
+                <a14:m>
+                  <m:oMathPara xmlns:m="http://schemas.openxmlformats.org/officeDocument/2006/math">
+                    <m:oMathParaPr>
+                      <m:jc m:val="centerGroup"/>
+                    </m:oMathParaPr>
+                    <m:oMath xmlns:m="http://schemas.openxmlformats.org/officeDocument/2006/math">
+                      <m:r>
+                        <a:rPr lang="en-US" b="0" i="1" smtClean="0">
+                          <a:latin typeface="Cambria Math" panose="02040503050406030204" pitchFamily="18" charset="0"/>
+                        </a:rPr>
+                        <m:t>(3)</m:t>
+                      </m:r>
+                    </m:oMath>
+                  </m:oMathPara>
+                </a14:m>
+                <a:endParaRPr lang="en-US" dirty="0"/>
+              </a:p>
+            </p:txBody>
+          </p:sp>
+        </mc:Choice>
+        <mc:Fallback xmlns="">
+          <p:sp>
+            <p:nvSpPr>
+              <p:cNvPr id="48" name="TextBox 47">
+                <a:extLst>
+                  <a:ext uri="{FF2B5EF4-FFF2-40B4-BE49-F238E27FC236}">
+                    <a16:creationId xmlns:a16="http://schemas.microsoft.com/office/drawing/2014/main" id="{5C88DA68-C74F-B552-B7BC-6BA4C8235221}"/>
+                  </a:ext>
+                </a:extLst>
+              </p:cNvPr>
+              <p:cNvSpPr txBox="1">
+                <a:spLocks noRot="1" noChangeAspect="1" noMove="1" noResize="1" noEditPoints="1" noAdjustHandles="1" noChangeArrowheads="1" noChangeShapeType="1" noTextEdit="1"/>
+              </p:cNvSpPr>
+              <p:nvPr/>
+            </p:nvSpPr>
+            <p:spPr>
+              <a:xfrm>
+                <a:off x="3424145" y="3105815"/>
+                <a:ext cx="558166" cy="369332"/>
+              </a:xfrm>
+              <a:prstGeom prst="rect">
+                <a:avLst/>
+              </a:prstGeom>
+              <a:blipFill>
+                <a:blip r:embed="rId9"/>
+                <a:stretch>
+                  <a:fillRect b="-13115"/>
+                </a:stretch>
+              </a:blipFill>
+            </p:spPr>
+            <p:txBody>
+              <a:bodyPr/>
+              <a:lstStyle/>
+              <a:p>
+                <a:r>
+                  <a:rPr lang="en-US">
+                    <a:noFill/>
+                  </a:rPr>
+                  <a:t> </a:t>
+                </a:r>
+              </a:p>
+            </p:txBody>
+          </p:sp>
+        </mc:Fallback>
+      </mc:AlternateContent>
+      <mc:AlternateContent xmlns:mc="http://schemas.openxmlformats.org/markup-compatibility/2006" xmlns:a14="http://schemas.microsoft.com/office/drawing/2010/main">
+        <mc:Choice Requires="a14">
+          <p:sp>
+            <p:nvSpPr>
+              <p:cNvPr id="50" name="TextBox 49">
+                <a:extLst>
+                  <a:ext uri="{FF2B5EF4-FFF2-40B4-BE49-F238E27FC236}">
+                    <a16:creationId xmlns:a16="http://schemas.microsoft.com/office/drawing/2014/main" id="{6933228A-AC8E-D4F3-95A7-6250D58D1130}"/>
+                  </a:ext>
+                </a:extLst>
+              </p:cNvPr>
+              <p:cNvSpPr txBox="1"/>
+              <p:nvPr/>
+            </p:nvSpPr>
+            <p:spPr>
+              <a:xfrm>
+                <a:off x="5441692" y="2630093"/>
+                <a:ext cx="558166" cy="369332"/>
+              </a:xfrm>
+              <a:prstGeom prst="rect">
+                <a:avLst/>
+              </a:prstGeom>
+              <a:noFill/>
+            </p:spPr>
+            <p:txBody>
+              <a:bodyPr wrap="square" rtlCol="0">
+                <a:spAutoFit/>
+              </a:bodyPr>
+              <a:lstStyle/>
+              <a:p>
+                <a:pPr/>
+                <a14:m>
+                  <m:oMathPara xmlns:m="http://schemas.openxmlformats.org/officeDocument/2006/math">
+                    <m:oMathParaPr>
+                      <m:jc m:val="centerGroup"/>
+                    </m:oMathParaPr>
+                    <m:oMath xmlns:m="http://schemas.openxmlformats.org/officeDocument/2006/math">
+                      <m:r>
+                        <a:rPr lang="en-US" b="0" i="1" smtClean="0">
+                          <a:latin typeface="Cambria Math" panose="02040503050406030204" pitchFamily="18" charset="0"/>
+                        </a:rPr>
+                        <m:t>(2)</m:t>
+                      </m:r>
+                    </m:oMath>
+                  </m:oMathPara>
+                </a14:m>
+                <a:endParaRPr lang="en-US" dirty="0"/>
+              </a:p>
+            </p:txBody>
+          </p:sp>
+        </mc:Choice>
+        <mc:Fallback xmlns="">
+          <p:sp>
+            <p:nvSpPr>
+              <p:cNvPr id="50" name="TextBox 49">
+                <a:extLst>
+                  <a:ext uri="{FF2B5EF4-FFF2-40B4-BE49-F238E27FC236}">
+                    <a16:creationId xmlns:a16="http://schemas.microsoft.com/office/drawing/2014/main" id="{6933228A-AC8E-D4F3-95A7-6250D58D1130}"/>
+                  </a:ext>
+                </a:extLst>
+              </p:cNvPr>
+              <p:cNvSpPr txBox="1">
+                <a:spLocks noRot="1" noChangeAspect="1" noMove="1" noResize="1" noEditPoints="1" noAdjustHandles="1" noChangeArrowheads="1" noChangeShapeType="1" noTextEdit="1"/>
+              </p:cNvSpPr>
+              <p:nvPr/>
+            </p:nvSpPr>
+            <p:spPr>
+              <a:xfrm>
+                <a:off x="5441692" y="2630093"/>
+                <a:ext cx="558166" cy="369332"/>
+              </a:xfrm>
+              <a:prstGeom prst="rect">
+                <a:avLst/>
+              </a:prstGeom>
+              <a:blipFill>
+                <a:blip r:embed="rId10"/>
+                <a:stretch>
+                  <a:fillRect b="-13115"/>
+                </a:stretch>
+              </a:blipFill>
+            </p:spPr>
+            <p:txBody>
+              <a:bodyPr/>
+              <a:lstStyle/>
+              <a:p>
+                <a:r>
+                  <a:rPr lang="en-US">
+                    <a:noFill/>
+                  </a:rPr>
+                  <a:t> </a:t>
+                </a:r>
+              </a:p>
+            </p:txBody>
+          </p:sp>
+        </mc:Fallback>
+      </mc:AlternateContent>
+      <mc:AlternateContent xmlns:mc="http://schemas.openxmlformats.org/markup-compatibility/2006" xmlns:a14="http://schemas.microsoft.com/office/drawing/2010/main">
+        <mc:Choice Requires="a14">
+          <p:sp>
+            <p:nvSpPr>
+              <p:cNvPr id="51" name="TextBox 50">
+                <a:extLst>
+                  <a:ext uri="{FF2B5EF4-FFF2-40B4-BE49-F238E27FC236}">
+                    <a16:creationId xmlns:a16="http://schemas.microsoft.com/office/drawing/2014/main" id="{B1FB270A-4ED6-C360-E8C7-1660BFF4AD72}"/>
+                  </a:ext>
+                </a:extLst>
+              </p:cNvPr>
+              <p:cNvSpPr txBox="1"/>
+              <p:nvPr/>
+            </p:nvSpPr>
+            <p:spPr>
+              <a:xfrm>
+                <a:off x="5533379" y="1346466"/>
+                <a:ext cx="558166" cy="369332"/>
+              </a:xfrm>
+              <a:prstGeom prst="rect">
+                <a:avLst/>
+              </a:prstGeom>
+              <a:noFill/>
+            </p:spPr>
+            <p:txBody>
+              <a:bodyPr wrap="square" rtlCol="0">
+                <a:spAutoFit/>
+              </a:bodyPr>
+              <a:lstStyle/>
+              <a:p>
+                <a:pPr/>
+                <a14:m>
+                  <m:oMathPara xmlns:m="http://schemas.openxmlformats.org/officeDocument/2006/math">
+                    <m:oMathParaPr>
+                      <m:jc m:val="centerGroup"/>
+                    </m:oMathParaPr>
+                    <m:oMath xmlns:m="http://schemas.openxmlformats.org/officeDocument/2006/math">
+                      <m:r>
+                        <a:rPr lang="en-US" b="0" i="1" smtClean="0">
+                          <a:latin typeface="Cambria Math" panose="02040503050406030204" pitchFamily="18" charset="0"/>
+                        </a:rPr>
+                        <m:t>(3)</m:t>
+                      </m:r>
+                    </m:oMath>
+                  </m:oMathPara>
+                </a14:m>
+                <a:endParaRPr lang="en-US" dirty="0"/>
+              </a:p>
+            </p:txBody>
+          </p:sp>
+        </mc:Choice>
+        <mc:Fallback xmlns="">
+          <p:sp>
+            <p:nvSpPr>
+              <p:cNvPr id="51" name="TextBox 50">
+                <a:extLst>
+                  <a:ext uri="{FF2B5EF4-FFF2-40B4-BE49-F238E27FC236}">
+                    <a16:creationId xmlns:a16="http://schemas.microsoft.com/office/drawing/2014/main" id="{B1FB270A-4ED6-C360-E8C7-1660BFF4AD72}"/>
+                  </a:ext>
+                </a:extLst>
+              </p:cNvPr>
+              <p:cNvSpPr txBox="1">
+                <a:spLocks noRot="1" noChangeAspect="1" noMove="1" noResize="1" noEditPoints="1" noAdjustHandles="1" noChangeArrowheads="1" noChangeShapeType="1" noTextEdit="1"/>
+              </p:cNvSpPr>
+              <p:nvPr/>
+            </p:nvSpPr>
+            <p:spPr>
+              <a:xfrm>
+                <a:off x="5533379" y="1346466"/>
+                <a:ext cx="558166" cy="369332"/>
+              </a:xfrm>
+              <a:prstGeom prst="rect">
+                <a:avLst/>
+              </a:prstGeom>
+              <a:blipFill>
+                <a:blip r:embed="rId11"/>
+                <a:stretch>
+                  <a:fillRect b="-13333"/>
+                </a:stretch>
+              </a:blipFill>
+            </p:spPr>
+            <p:txBody>
+              <a:bodyPr/>
+              <a:lstStyle/>
+              <a:p>
+                <a:r>
+                  <a:rPr lang="en-US">
+                    <a:noFill/>
+                  </a:rPr>
+                  <a:t> </a:t>
+                </a:r>
+              </a:p>
+            </p:txBody>
+          </p:sp>
+        </mc:Fallback>
+      </mc:AlternateContent>
+      <p:cxnSp>
+        <p:nvCxnSpPr>
+          <p:cNvPr id="54" name="Straight Arrow Connector 53">
+            <a:extLst>
+              <a:ext uri="{FF2B5EF4-FFF2-40B4-BE49-F238E27FC236}">
+                <a16:creationId xmlns:a16="http://schemas.microsoft.com/office/drawing/2014/main" id="{C6AE6B98-8B56-BFE9-200B-3A1AFDFD24D4}"/>
+              </a:ext>
+            </a:extLst>
+          </p:cNvPr>
+          <p:cNvCxnSpPr>
+            <a:cxnSpLocks/>
+            <a:stCxn id="15" idx="6"/>
+            <a:endCxn id="17" idx="1"/>
+          </p:cNvCxnSpPr>
+          <p:nvPr/>
+        </p:nvCxnSpPr>
+        <p:spPr>
+          <a:xfrm>
+            <a:off x="5160704" y="2115791"/>
+            <a:ext cx="1251624" cy="397241"/>
+          </a:xfrm>
+          <a:prstGeom prst="straightConnector1">
+            <a:avLst/>
+          </a:prstGeom>
+          <a:ln w="28575">
+            <a:headEnd type="none" w="med" len="med"/>
+            <a:tailEnd type="triangle" w="med" len="med"/>
+          </a:ln>
+        </p:spPr>
+        <p:style>
+          <a:lnRef idx="1">
+            <a:schemeClr val="dk1"/>
+          </a:lnRef>
+          <a:fillRef idx="0">
+            <a:schemeClr val="dk1"/>
+          </a:fillRef>
+          <a:effectRef idx="0">
+            <a:schemeClr val="dk1"/>
+          </a:effectRef>
+          <a:fontRef idx="minor">
+            <a:schemeClr val="tx1"/>
+          </a:fontRef>
+        </p:style>
+      </p:cxnSp>
+      <mc:AlternateContent xmlns:mc="http://schemas.openxmlformats.org/markup-compatibility/2006" xmlns:a14="http://schemas.microsoft.com/office/drawing/2010/main">
+        <mc:Choice Requires="a14">
+          <p:sp>
+            <p:nvSpPr>
+              <p:cNvPr id="57" name="TextBox 56">
+                <a:extLst>
+                  <a:ext uri="{FF2B5EF4-FFF2-40B4-BE49-F238E27FC236}">
+                    <a16:creationId xmlns:a16="http://schemas.microsoft.com/office/drawing/2014/main" id="{133BE577-5745-FD0C-5519-2CA56727E30C}"/>
+                  </a:ext>
+                </a:extLst>
+              </p:cNvPr>
+              <p:cNvSpPr txBox="1"/>
+              <p:nvPr/>
+            </p:nvSpPr>
+            <p:spPr>
+              <a:xfrm>
+                <a:off x="5770202" y="1945013"/>
+                <a:ext cx="558166" cy="369332"/>
+              </a:xfrm>
+              <a:prstGeom prst="rect">
+                <a:avLst/>
+              </a:prstGeom>
+              <a:noFill/>
+            </p:spPr>
+            <p:txBody>
+              <a:bodyPr wrap="square" rtlCol="0">
+                <a:spAutoFit/>
+              </a:bodyPr>
+              <a:lstStyle/>
+              <a:p>
+                <a:pPr/>
+                <a14:m>
+                  <m:oMathPara xmlns:m="http://schemas.openxmlformats.org/officeDocument/2006/math">
+                    <m:oMathParaPr>
+                      <m:jc m:val="centerGroup"/>
+                    </m:oMathParaPr>
+                    <m:oMath xmlns:m="http://schemas.openxmlformats.org/officeDocument/2006/math">
+                      <m:r>
+                        <a:rPr lang="en-US" b="0" i="1" smtClean="0">
+                          <a:latin typeface="Cambria Math" panose="02040503050406030204" pitchFamily="18" charset="0"/>
+                        </a:rPr>
+                        <m:t>(3)</m:t>
+                      </m:r>
+                    </m:oMath>
+                  </m:oMathPara>
+                </a14:m>
+                <a:endParaRPr lang="en-US" dirty="0"/>
+              </a:p>
+            </p:txBody>
+          </p:sp>
+        </mc:Choice>
+        <mc:Fallback xmlns="">
+          <p:sp>
+            <p:nvSpPr>
+              <p:cNvPr id="57" name="TextBox 56">
+                <a:extLst>
+                  <a:ext uri="{FF2B5EF4-FFF2-40B4-BE49-F238E27FC236}">
+                    <a16:creationId xmlns:a16="http://schemas.microsoft.com/office/drawing/2014/main" id="{133BE577-5745-FD0C-5519-2CA56727E30C}"/>
+                  </a:ext>
+                </a:extLst>
+              </p:cNvPr>
+              <p:cNvSpPr txBox="1">
+                <a:spLocks noRot="1" noChangeAspect="1" noMove="1" noResize="1" noEditPoints="1" noAdjustHandles="1" noChangeArrowheads="1" noChangeShapeType="1" noTextEdit="1"/>
+              </p:cNvSpPr>
+              <p:nvPr/>
+            </p:nvSpPr>
+            <p:spPr>
+              <a:xfrm>
+                <a:off x="5770202" y="1945013"/>
+                <a:ext cx="558166" cy="369332"/>
+              </a:xfrm>
+              <a:prstGeom prst="rect">
+                <a:avLst/>
+              </a:prstGeom>
+              <a:blipFill>
+                <a:blip r:embed="rId12"/>
+                <a:stretch>
+                  <a:fillRect b="-13115"/>
+                </a:stretch>
+              </a:blipFill>
+            </p:spPr>
+            <p:txBody>
+              <a:bodyPr/>
+              <a:lstStyle/>
+              <a:p>
+                <a:r>
+                  <a:rPr lang="en-US">
+                    <a:noFill/>
+                  </a:rPr>
+                  <a:t> </a:t>
+                </a:r>
+              </a:p>
+            </p:txBody>
+          </p:sp>
+        </mc:Fallback>
+      </mc:AlternateContent>
+      <p:sp>
+        <p:nvSpPr>
+          <p:cNvPr id="58" name="TextBox 57">
+            <a:extLst>
+              <a:ext uri="{FF2B5EF4-FFF2-40B4-BE49-F238E27FC236}">
+                <a16:creationId xmlns:a16="http://schemas.microsoft.com/office/drawing/2014/main" id="{F8324E30-9C06-0709-06C0-C06814B4F5DC}"/>
+              </a:ext>
+            </a:extLst>
+          </p:cNvPr>
+          <p:cNvSpPr txBox="1"/>
+          <p:nvPr/>
+        </p:nvSpPr>
+        <p:spPr>
+          <a:xfrm>
+            <a:off x="752030" y="623844"/>
+            <a:ext cx="757900" cy="369332"/>
+          </a:xfrm>
+          <a:prstGeom prst="rect">
+            <a:avLst/>
+          </a:prstGeom>
+          <a:noFill/>
+        </p:spPr>
+        <p:txBody>
+          <a:bodyPr wrap="none" rtlCol="0">
+            <a:spAutoFit/>
+          </a:bodyPr>
+          <a:lstStyle/>
+          <a:p>
+            <a:r>
+              <a:rPr lang="en-US" dirty="0"/>
+              <a:t>Env2d</a:t>
+            </a:r>
+          </a:p>
+        </p:txBody>
+      </p:sp>
+      <mc:AlternateContent xmlns:mc="http://schemas.openxmlformats.org/markup-compatibility/2006" xmlns:a14="http://schemas.microsoft.com/office/drawing/2010/main">
+        <mc:Choice Requires="a14">
+          <p:sp>
+            <p:nvSpPr>
+              <p:cNvPr id="2" name="Oval 1">
+                <a:extLst>
+                  <a:ext uri="{FF2B5EF4-FFF2-40B4-BE49-F238E27FC236}">
+                    <a16:creationId xmlns:a16="http://schemas.microsoft.com/office/drawing/2014/main" id="{AB2DFABF-960E-0C23-4FFD-B563BF62F8D8}"/>
+                  </a:ext>
+                </a:extLst>
+              </p:cNvPr>
+              <p:cNvSpPr/>
+              <p:nvPr/>
+            </p:nvSpPr>
+            <p:spPr>
+              <a:xfrm>
+                <a:off x="4703504" y="4287830"/>
+                <a:ext cx="457200" cy="457200"/>
+              </a:xfrm>
+              <a:prstGeom prst="ellipse">
+                <a:avLst/>
+              </a:prstGeom>
+              <a:noFill/>
+              <a:ln>
+                <a:solidFill>
+                  <a:schemeClr val="tx1"/>
+                </a:solidFill>
+              </a:ln>
+            </p:spPr>
+            <p:style>
+              <a:lnRef idx="2">
+                <a:schemeClr val="accent1">
+                  <a:shade val="50000"/>
+                </a:schemeClr>
+              </a:lnRef>
+              <a:fillRef idx="1">
+                <a:schemeClr val="accent1"/>
+              </a:fillRef>
+              <a:effectRef idx="0">
+                <a:schemeClr val="accent1"/>
+              </a:effectRef>
+              <a:fontRef idx="minor">
+                <a:schemeClr val="lt1"/>
+              </a:fontRef>
+            </p:style>
+            <p:txBody>
+              <a:bodyPr lIns="91440" rIns="91440" rtlCol="0" anchor="ctr"/>
+              <a:lstStyle/>
+              <a:p>
+                <a:pPr algn="ctr"/>
+                <a14:m>
+                  <m:oMathPara xmlns:m="http://schemas.openxmlformats.org/officeDocument/2006/math">
+                    <m:oMathParaPr>
+                      <m:jc m:val="center"/>
+                    </m:oMathParaPr>
+                    <m:oMath xmlns:m="http://schemas.openxmlformats.org/officeDocument/2006/math">
+                      <m:r>
+                        <a:rPr lang="en-US" b="0" i="1" smtClean="0">
+                          <a:solidFill>
+                            <a:schemeClr val="tx1"/>
+                          </a:solidFill>
+                          <a:latin typeface="Cambria Math" panose="02040503050406030204" pitchFamily="18" charset="0"/>
+                        </a:rPr>
+                        <m:t>4</m:t>
+                      </m:r>
+                    </m:oMath>
+                  </m:oMathPara>
+                </a14:m>
+                <a:endParaRPr lang="en-US" dirty="0">
+                  <a:solidFill>
+                    <a:schemeClr val="tx1"/>
+                  </a:solidFill>
+                </a:endParaRPr>
+              </a:p>
+            </p:txBody>
+          </p:sp>
+        </mc:Choice>
+        <mc:Fallback xmlns="">
+          <p:sp>
+            <p:nvSpPr>
+              <p:cNvPr id="2" name="Oval 1">
+                <a:extLst>
+                  <a:ext uri="{FF2B5EF4-FFF2-40B4-BE49-F238E27FC236}">
+                    <a16:creationId xmlns:a16="http://schemas.microsoft.com/office/drawing/2014/main" id="{AB2DFABF-960E-0C23-4FFD-B563BF62F8D8}"/>
+                  </a:ext>
+                </a:extLst>
+              </p:cNvPr>
+              <p:cNvSpPr>
+                <a:spLocks noRot="1" noChangeAspect="1" noMove="1" noResize="1" noEditPoints="1" noAdjustHandles="1" noChangeArrowheads="1" noChangeShapeType="1" noTextEdit="1"/>
+              </p:cNvSpPr>
+              <p:nvPr/>
+            </p:nvSpPr>
+            <p:spPr>
+              <a:xfrm>
+                <a:off x="4703504" y="4287830"/>
+                <a:ext cx="457200" cy="457200"/>
+              </a:xfrm>
+              <a:prstGeom prst="ellipse">
+                <a:avLst/>
+              </a:prstGeom>
+              <a:blipFill>
+                <a:blip r:embed="rId13"/>
+                <a:stretch>
+                  <a:fillRect/>
+                </a:stretch>
+              </a:blipFill>
+              <a:ln>
+                <a:solidFill>
+                  <a:schemeClr val="tx1"/>
+                </a:solidFill>
+              </a:ln>
+            </p:spPr>
+            <p:txBody>
+              <a:bodyPr/>
+              <a:lstStyle/>
+              <a:p>
+                <a:r>
+                  <a:rPr lang="en-US">
+                    <a:noFill/>
+                  </a:rPr>
+                  <a:t> </a:t>
+                </a:r>
+              </a:p>
+            </p:txBody>
+          </p:sp>
+        </mc:Fallback>
+      </mc:AlternateContent>
+      <p:cxnSp>
+        <p:nvCxnSpPr>
+          <p:cNvPr id="3" name="Straight Arrow Connector 2">
+            <a:extLst>
+              <a:ext uri="{FF2B5EF4-FFF2-40B4-BE49-F238E27FC236}">
+                <a16:creationId xmlns:a16="http://schemas.microsoft.com/office/drawing/2014/main" id="{A41DB04D-EECC-3790-3BFE-494357F555C2}"/>
+              </a:ext>
+            </a:extLst>
+          </p:cNvPr>
+          <p:cNvCxnSpPr>
+            <a:cxnSpLocks/>
+            <a:stCxn id="4" idx="4"/>
+            <a:endCxn id="2" idx="2"/>
+          </p:cNvCxnSpPr>
+          <p:nvPr/>
+        </p:nvCxnSpPr>
+        <p:spPr>
+          <a:xfrm>
+            <a:off x="2966945" y="3657600"/>
+            <a:ext cx="1736559" cy="858830"/>
+          </a:xfrm>
+          <a:prstGeom prst="straightConnector1">
+            <a:avLst/>
+          </a:prstGeom>
+          <a:ln w="28575">
+            <a:headEnd type="none" w="med" len="med"/>
+            <a:tailEnd type="triangle" w="med" len="med"/>
+          </a:ln>
+        </p:spPr>
+        <p:style>
+          <a:lnRef idx="1">
+            <a:schemeClr val="dk1"/>
+          </a:lnRef>
+          <a:fillRef idx="0">
+            <a:schemeClr val="dk1"/>
+          </a:fillRef>
+          <a:effectRef idx="0">
+            <a:schemeClr val="dk1"/>
+          </a:effectRef>
+          <a:fontRef idx="minor">
+            <a:schemeClr val="tx1"/>
+          </a:fontRef>
+        </p:style>
+      </p:cxnSp>
+      <mc:AlternateContent xmlns:mc="http://schemas.openxmlformats.org/markup-compatibility/2006" xmlns:a14="http://schemas.microsoft.com/office/drawing/2010/main">
+        <mc:Choice Requires="a14">
+          <p:sp>
+            <p:nvSpPr>
+              <p:cNvPr id="21" name="Oval 20">
+                <a:extLst>
+                  <a:ext uri="{FF2B5EF4-FFF2-40B4-BE49-F238E27FC236}">
+                    <a16:creationId xmlns:a16="http://schemas.microsoft.com/office/drawing/2014/main" id="{153BB720-9A03-4A09-E901-D551C13CA178}"/>
+                  </a:ext>
+                </a:extLst>
+              </p:cNvPr>
+              <p:cNvSpPr/>
+              <p:nvPr/>
+            </p:nvSpPr>
+            <p:spPr>
+              <a:xfrm>
+                <a:off x="6348227" y="3730424"/>
+                <a:ext cx="457200" cy="457200"/>
+              </a:xfrm>
+              <a:prstGeom prst="ellipse">
+                <a:avLst/>
+              </a:prstGeom>
+              <a:noFill/>
+              <a:ln>
+                <a:solidFill>
+                  <a:schemeClr val="tx1"/>
+                </a:solidFill>
+              </a:ln>
+            </p:spPr>
+            <p:style>
+              <a:lnRef idx="2">
+                <a:schemeClr val="accent1">
+                  <a:shade val="50000"/>
+                </a:schemeClr>
+              </a:lnRef>
+              <a:fillRef idx="1">
+                <a:schemeClr val="accent1"/>
+              </a:fillRef>
+              <a:effectRef idx="0">
+                <a:schemeClr val="accent1"/>
+              </a:effectRef>
+              <a:fontRef idx="minor">
+                <a:schemeClr val="lt1"/>
+              </a:fontRef>
+            </p:style>
+            <p:txBody>
+              <a:bodyPr lIns="91440" rIns="91440" rtlCol="0" anchor="ctr"/>
+              <a:lstStyle/>
+              <a:p>
+                <a:pPr algn="ctr"/>
+                <a14:m>
+                  <m:oMathPara xmlns:m="http://schemas.openxmlformats.org/officeDocument/2006/math">
+                    <m:oMathParaPr>
+                      <m:jc m:val="center"/>
+                    </m:oMathParaPr>
+                    <m:oMath xmlns:m="http://schemas.openxmlformats.org/officeDocument/2006/math">
+                      <m:r>
+                        <a:rPr lang="en-US" b="0" i="1" smtClean="0">
+                          <a:solidFill>
+                            <a:schemeClr val="tx1"/>
+                          </a:solidFill>
+                          <a:latin typeface="Cambria Math" panose="02040503050406030204" pitchFamily="18" charset="0"/>
+                        </a:rPr>
+                        <m:t>7</m:t>
+                      </m:r>
+                    </m:oMath>
+                  </m:oMathPara>
+                </a14:m>
+                <a:endParaRPr lang="en-US" dirty="0">
+                  <a:solidFill>
+                    <a:schemeClr val="tx1"/>
+                  </a:solidFill>
+                </a:endParaRPr>
+              </a:p>
+            </p:txBody>
+          </p:sp>
+        </mc:Choice>
+        <mc:Fallback xmlns="">
+          <p:sp>
+            <p:nvSpPr>
+              <p:cNvPr id="21" name="Oval 20">
+                <a:extLst>
+                  <a:ext uri="{FF2B5EF4-FFF2-40B4-BE49-F238E27FC236}">
+                    <a16:creationId xmlns:a16="http://schemas.microsoft.com/office/drawing/2014/main" id="{153BB720-9A03-4A09-E901-D551C13CA178}"/>
+                  </a:ext>
+                </a:extLst>
+              </p:cNvPr>
+              <p:cNvSpPr>
+                <a:spLocks noRot="1" noChangeAspect="1" noMove="1" noResize="1" noEditPoints="1" noAdjustHandles="1" noChangeArrowheads="1" noChangeShapeType="1" noTextEdit="1"/>
+              </p:cNvSpPr>
+              <p:nvPr/>
+            </p:nvSpPr>
+            <p:spPr>
+              <a:xfrm>
+                <a:off x="6348227" y="3730424"/>
+                <a:ext cx="457200" cy="457200"/>
+              </a:xfrm>
+              <a:prstGeom prst="ellipse">
+                <a:avLst/>
+              </a:prstGeom>
+              <a:blipFill>
+                <a:blip r:embed="rId14"/>
+                <a:stretch>
+                  <a:fillRect/>
+                </a:stretch>
+              </a:blipFill>
+              <a:ln>
+                <a:solidFill>
+                  <a:schemeClr val="tx1"/>
+                </a:solidFill>
+              </a:ln>
+            </p:spPr>
+            <p:txBody>
+              <a:bodyPr/>
+              <a:lstStyle/>
+              <a:p>
+                <a:r>
+                  <a:rPr lang="en-US">
+                    <a:noFill/>
+                  </a:rPr>
+                  <a:t> </a:t>
+                </a:r>
+              </a:p>
+            </p:txBody>
+          </p:sp>
+        </mc:Fallback>
+      </mc:AlternateContent>
+      <p:cxnSp>
+        <p:nvCxnSpPr>
+          <p:cNvPr id="25" name="Straight Arrow Connector 24">
+            <a:extLst>
+              <a:ext uri="{FF2B5EF4-FFF2-40B4-BE49-F238E27FC236}">
+                <a16:creationId xmlns:a16="http://schemas.microsoft.com/office/drawing/2014/main" id="{80B0F1AD-19F2-3DAE-0D27-383A24765153}"/>
+              </a:ext>
+            </a:extLst>
+          </p:cNvPr>
+          <p:cNvCxnSpPr>
+            <a:cxnSpLocks/>
+            <a:stCxn id="14" idx="6"/>
+            <a:endCxn id="21" idx="1"/>
+          </p:cNvCxnSpPr>
+          <p:nvPr/>
+        </p:nvCxnSpPr>
+        <p:spPr>
+          <a:xfrm>
+            <a:off x="5160704" y="3424453"/>
+            <a:ext cx="1254478" cy="372926"/>
+          </a:xfrm>
+          <a:prstGeom prst="straightConnector1">
+            <a:avLst/>
+          </a:prstGeom>
+          <a:ln w="28575">
+            <a:headEnd type="none" w="med" len="med"/>
+            <a:tailEnd type="triangle" w="med" len="med"/>
+          </a:ln>
+        </p:spPr>
+        <p:style>
+          <a:lnRef idx="1">
+            <a:schemeClr val="dk1"/>
+          </a:lnRef>
+          <a:fillRef idx="0">
+            <a:schemeClr val="dk1"/>
+          </a:fillRef>
+          <a:effectRef idx="0">
+            <a:schemeClr val="dk1"/>
+          </a:effectRef>
+          <a:fontRef idx="minor">
+            <a:schemeClr val="tx1"/>
+          </a:fontRef>
+        </p:style>
+      </p:cxnSp>
+      <mc:AlternateContent xmlns:mc="http://schemas.openxmlformats.org/markup-compatibility/2006" xmlns:a14="http://schemas.microsoft.com/office/drawing/2010/main">
+        <mc:Choice Requires="a14">
+          <p:sp>
+            <p:nvSpPr>
+              <p:cNvPr id="28" name="Oval 27">
+                <a:extLst>
+                  <a:ext uri="{FF2B5EF4-FFF2-40B4-BE49-F238E27FC236}">
+                    <a16:creationId xmlns:a16="http://schemas.microsoft.com/office/drawing/2014/main" id="{3008C6F2-CA9E-3BFB-1818-0A40FDA4E9D6}"/>
+                  </a:ext>
+                </a:extLst>
+              </p:cNvPr>
+              <p:cNvSpPr/>
+              <p:nvPr/>
+            </p:nvSpPr>
+            <p:spPr>
+              <a:xfrm>
+                <a:off x="6183728" y="5112451"/>
+                <a:ext cx="457200" cy="457200"/>
+              </a:xfrm>
+              <a:prstGeom prst="ellipse">
+                <a:avLst/>
+              </a:prstGeom>
+              <a:noFill/>
+              <a:ln>
+                <a:solidFill>
+                  <a:schemeClr val="tx1"/>
+                </a:solidFill>
+              </a:ln>
+            </p:spPr>
+            <p:style>
+              <a:lnRef idx="2">
+                <a:schemeClr val="accent1">
+                  <a:shade val="50000"/>
+                </a:schemeClr>
+              </a:lnRef>
+              <a:fillRef idx="1">
+                <a:schemeClr val="accent1"/>
+              </a:fillRef>
+              <a:effectRef idx="0">
+                <a:schemeClr val="accent1"/>
+              </a:effectRef>
+              <a:fontRef idx="minor">
+                <a:schemeClr val="lt1"/>
+              </a:fontRef>
+            </p:style>
+            <p:txBody>
+              <a:bodyPr lIns="91440" rIns="91440" rtlCol="0" anchor="ctr"/>
+              <a:lstStyle/>
+              <a:p>
+                <a:pPr algn="ctr"/>
+                <a14:m>
+                  <m:oMathPara xmlns:m="http://schemas.openxmlformats.org/officeDocument/2006/math">
+                    <m:oMathParaPr>
+                      <m:jc m:val="center"/>
+                    </m:oMathParaPr>
+                    <m:oMath xmlns:m="http://schemas.openxmlformats.org/officeDocument/2006/math">
+                      <m:r>
+                        <a:rPr lang="en-US" b="0" i="1" smtClean="0">
+                          <a:solidFill>
+                            <a:schemeClr val="tx1"/>
+                          </a:solidFill>
+                          <a:latin typeface="Cambria Math" panose="02040503050406030204" pitchFamily="18" charset="0"/>
+                        </a:rPr>
+                        <m:t>8</m:t>
+                      </m:r>
+                    </m:oMath>
+                  </m:oMathPara>
+                </a14:m>
+                <a:endParaRPr lang="en-US" dirty="0">
+                  <a:solidFill>
+                    <a:schemeClr val="tx1"/>
+                  </a:solidFill>
+                </a:endParaRPr>
+              </a:p>
+            </p:txBody>
+          </p:sp>
+        </mc:Choice>
+        <mc:Fallback xmlns="">
+          <p:sp>
+            <p:nvSpPr>
+              <p:cNvPr id="28" name="Oval 27">
+                <a:extLst>
+                  <a:ext uri="{FF2B5EF4-FFF2-40B4-BE49-F238E27FC236}">
+                    <a16:creationId xmlns:a16="http://schemas.microsoft.com/office/drawing/2014/main" id="{3008C6F2-CA9E-3BFB-1818-0A40FDA4E9D6}"/>
+                  </a:ext>
+                </a:extLst>
+              </p:cNvPr>
+              <p:cNvSpPr>
+                <a:spLocks noRot="1" noChangeAspect="1" noMove="1" noResize="1" noEditPoints="1" noAdjustHandles="1" noChangeArrowheads="1" noChangeShapeType="1" noTextEdit="1"/>
+              </p:cNvSpPr>
+              <p:nvPr/>
+            </p:nvSpPr>
+            <p:spPr>
+              <a:xfrm>
+                <a:off x="6183728" y="5112451"/>
+                <a:ext cx="457200" cy="457200"/>
+              </a:xfrm>
+              <a:prstGeom prst="ellipse">
+                <a:avLst/>
+              </a:prstGeom>
+              <a:blipFill>
+                <a:blip r:embed="rId15"/>
+                <a:stretch>
+                  <a:fillRect/>
+                </a:stretch>
+              </a:blipFill>
+              <a:ln>
+                <a:solidFill>
+                  <a:schemeClr val="tx1"/>
+                </a:solidFill>
+              </a:ln>
+            </p:spPr>
+            <p:txBody>
+              <a:bodyPr/>
+              <a:lstStyle/>
+              <a:p>
+                <a:r>
+                  <a:rPr lang="en-US">
+                    <a:noFill/>
+                  </a:rPr>
+                  <a:t> </a:t>
+                </a:r>
+              </a:p>
+            </p:txBody>
+          </p:sp>
+        </mc:Fallback>
+      </mc:AlternateContent>
+      <p:cxnSp>
+        <p:nvCxnSpPr>
+          <p:cNvPr id="64" name="Straight Arrow Connector 63">
+            <a:extLst>
+              <a:ext uri="{FF2B5EF4-FFF2-40B4-BE49-F238E27FC236}">
+                <a16:creationId xmlns:a16="http://schemas.microsoft.com/office/drawing/2014/main" id="{4D64C91C-7F09-FF56-5B22-45D662177180}"/>
+              </a:ext>
+            </a:extLst>
+          </p:cNvPr>
+          <p:cNvCxnSpPr>
+            <a:cxnSpLocks/>
+            <a:stCxn id="2" idx="6"/>
+            <a:endCxn id="21" idx="2"/>
+          </p:cNvCxnSpPr>
+          <p:nvPr/>
+        </p:nvCxnSpPr>
+        <p:spPr>
+          <a:xfrm flipV="1">
+            <a:off x="5160704" y="3959024"/>
+            <a:ext cx="1187523" cy="557406"/>
+          </a:xfrm>
+          <a:prstGeom prst="straightConnector1">
+            <a:avLst/>
+          </a:prstGeom>
+          <a:ln w="28575">
+            <a:headEnd type="none" w="med" len="med"/>
+            <a:tailEnd type="triangle" w="med" len="med"/>
+          </a:ln>
+        </p:spPr>
+        <p:style>
+          <a:lnRef idx="1">
+            <a:schemeClr val="dk1"/>
+          </a:lnRef>
+          <a:fillRef idx="0">
+            <a:schemeClr val="dk1"/>
+          </a:fillRef>
+          <a:effectRef idx="0">
+            <a:schemeClr val="dk1"/>
+          </a:effectRef>
+          <a:fontRef idx="minor">
+            <a:schemeClr val="tx1"/>
+          </a:fontRef>
+        </p:style>
+      </p:cxnSp>
+      <p:cxnSp>
+        <p:nvCxnSpPr>
+          <p:cNvPr id="67" name="Straight Arrow Connector 66">
+            <a:extLst>
+              <a:ext uri="{FF2B5EF4-FFF2-40B4-BE49-F238E27FC236}">
+                <a16:creationId xmlns:a16="http://schemas.microsoft.com/office/drawing/2014/main" id="{CBC37491-43C5-97F8-57A4-A8B96AE49A7A}"/>
+              </a:ext>
+            </a:extLst>
+          </p:cNvPr>
+          <p:cNvCxnSpPr>
+            <a:cxnSpLocks/>
+            <a:stCxn id="2" idx="6"/>
+            <a:endCxn id="28" idx="1"/>
+          </p:cNvCxnSpPr>
+          <p:nvPr/>
+        </p:nvCxnSpPr>
+        <p:spPr>
+          <a:xfrm>
+            <a:off x="5160704" y="4516430"/>
+            <a:ext cx="1089979" cy="662976"/>
+          </a:xfrm>
+          <a:prstGeom prst="straightConnector1">
+            <a:avLst/>
+          </a:prstGeom>
+          <a:ln w="28575">
+            <a:headEnd type="none" w="med" len="med"/>
+            <a:tailEnd type="triangle" w="med" len="med"/>
+          </a:ln>
+        </p:spPr>
+        <p:style>
+          <a:lnRef idx="1">
+            <a:schemeClr val="dk1"/>
+          </a:lnRef>
+          <a:fillRef idx="0">
+            <a:schemeClr val="dk1"/>
+          </a:fillRef>
+          <a:effectRef idx="0">
+            <a:schemeClr val="dk1"/>
+          </a:effectRef>
+          <a:fontRef idx="minor">
+            <a:schemeClr val="tx1"/>
+          </a:fontRef>
+        </p:style>
+      </p:cxnSp>
+      <mc:AlternateContent xmlns:mc="http://schemas.openxmlformats.org/markup-compatibility/2006" xmlns:a14="http://schemas.microsoft.com/office/drawing/2010/main">
+        <mc:Choice Requires="a14">
+          <p:sp>
+            <p:nvSpPr>
+              <p:cNvPr id="70" name="TextBox 69">
+                <a:extLst>
+                  <a:ext uri="{FF2B5EF4-FFF2-40B4-BE49-F238E27FC236}">
+                    <a16:creationId xmlns:a16="http://schemas.microsoft.com/office/drawing/2014/main" id="{29DAD52D-BF43-69CE-1A00-A450917035BE}"/>
+                  </a:ext>
+                </a:extLst>
+              </p:cNvPr>
+              <p:cNvSpPr txBox="1"/>
+              <p:nvPr/>
+            </p:nvSpPr>
+            <p:spPr>
+              <a:xfrm>
+                <a:off x="3095476" y="4134662"/>
+                <a:ext cx="558166" cy="369332"/>
+              </a:xfrm>
+              <a:prstGeom prst="rect">
+                <a:avLst/>
+              </a:prstGeom>
+              <a:noFill/>
+            </p:spPr>
+            <p:txBody>
+              <a:bodyPr wrap="none" rtlCol="0">
+                <a:spAutoFit/>
+              </a:bodyPr>
+              <a:lstStyle/>
+              <a:p>
+                <a:pPr/>
+                <a14:m>
+                  <m:oMathPara xmlns:m="http://schemas.openxmlformats.org/officeDocument/2006/math">
+                    <m:oMathParaPr>
+                      <m:jc m:val="centerGroup"/>
+                    </m:oMathParaPr>
+                    <m:oMath xmlns:m="http://schemas.openxmlformats.org/officeDocument/2006/math">
+                      <m:r>
+                        <a:rPr lang="en-US" b="0" i="1" smtClean="0">
+                          <a:latin typeface="Cambria Math" panose="02040503050406030204" pitchFamily="18" charset="0"/>
+                        </a:rPr>
+                        <m:t>(2)</m:t>
+                      </m:r>
+                    </m:oMath>
+                  </m:oMathPara>
+                </a14:m>
+                <a:endParaRPr lang="en-US" dirty="0"/>
+              </a:p>
+            </p:txBody>
+          </p:sp>
+        </mc:Choice>
+        <mc:Fallback xmlns="">
+          <p:sp>
+            <p:nvSpPr>
+              <p:cNvPr id="70" name="TextBox 69">
+                <a:extLst>
+                  <a:ext uri="{FF2B5EF4-FFF2-40B4-BE49-F238E27FC236}">
+                    <a16:creationId xmlns:a16="http://schemas.microsoft.com/office/drawing/2014/main" id="{29DAD52D-BF43-69CE-1A00-A450917035BE}"/>
+                  </a:ext>
+                </a:extLst>
+              </p:cNvPr>
+              <p:cNvSpPr txBox="1">
+                <a:spLocks noRot="1" noChangeAspect="1" noMove="1" noResize="1" noEditPoints="1" noAdjustHandles="1" noChangeArrowheads="1" noChangeShapeType="1" noTextEdit="1"/>
+              </p:cNvSpPr>
+              <p:nvPr/>
+            </p:nvSpPr>
+            <p:spPr>
+              <a:xfrm>
+                <a:off x="3095476" y="4134662"/>
+                <a:ext cx="558166" cy="369332"/>
+              </a:xfrm>
+              <a:prstGeom prst="rect">
+                <a:avLst/>
+              </a:prstGeom>
+              <a:blipFill>
+                <a:blip r:embed="rId16"/>
+                <a:stretch>
+                  <a:fillRect b="-13115"/>
+                </a:stretch>
+              </a:blipFill>
+            </p:spPr>
+            <p:txBody>
+              <a:bodyPr/>
+              <a:lstStyle/>
+              <a:p>
+                <a:r>
+                  <a:rPr lang="en-US">
+                    <a:noFill/>
+                  </a:rPr>
+                  <a:t> </a:t>
+                </a:r>
+              </a:p>
+            </p:txBody>
+          </p:sp>
+        </mc:Fallback>
+      </mc:AlternateContent>
+      <mc:AlternateContent xmlns:mc="http://schemas.openxmlformats.org/markup-compatibility/2006" xmlns:a14="http://schemas.microsoft.com/office/drawing/2010/main">
+        <mc:Choice Requires="a14">
+          <p:sp>
+            <p:nvSpPr>
+              <p:cNvPr id="71" name="TextBox 70">
+                <a:extLst>
+                  <a:ext uri="{FF2B5EF4-FFF2-40B4-BE49-F238E27FC236}">
+                    <a16:creationId xmlns:a16="http://schemas.microsoft.com/office/drawing/2014/main" id="{2196A6E2-B017-463B-0BC9-24810C836FCB}"/>
+                  </a:ext>
+                </a:extLst>
+              </p:cNvPr>
+              <p:cNvSpPr txBox="1"/>
+              <p:nvPr/>
+            </p:nvSpPr>
+            <p:spPr>
+              <a:xfrm>
+                <a:off x="9264116" y="2630743"/>
+                <a:ext cx="558166" cy="369332"/>
+              </a:xfrm>
+              <a:prstGeom prst="rect">
+                <a:avLst/>
+              </a:prstGeom>
+              <a:noFill/>
+            </p:spPr>
+            <p:txBody>
+              <a:bodyPr wrap="none" rtlCol="0">
+                <a:spAutoFit/>
+              </a:bodyPr>
+              <a:lstStyle/>
+              <a:p>
+                <a:pPr/>
+                <a14:m>
+                  <m:oMathPara xmlns:m="http://schemas.openxmlformats.org/officeDocument/2006/math">
+                    <m:oMathParaPr>
+                      <m:jc m:val="centerGroup"/>
+                    </m:oMathParaPr>
+                    <m:oMath xmlns:m="http://schemas.openxmlformats.org/officeDocument/2006/math">
+                      <m:r>
+                        <a:rPr lang="en-US" b="0" i="1" smtClean="0">
+                          <a:latin typeface="Cambria Math" panose="02040503050406030204" pitchFamily="18" charset="0"/>
+                        </a:rPr>
+                        <m:t>(2)</m:t>
+                      </m:r>
+                    </m:oMath>
+                  </m:oMathPara>
+                </a14:m>
+                <a:endParaRPr lang="en-US" dirty="0"/>
+              </a:p>
+            </p:txBody>
+          </p:sp>
+        </mc:Choice>
+        <mc:Fallback xmlns="">
+          <p:sp>
+            <p:nvSpPr>
+              <p:cNvPr id="71" name="TextBox 70">
+                <a:extLst>
+                  <a:ext uri="{FF2B5EF4-FFF2-40B4-BE49-F238E27FC236}">
+                    <a16:creationId xmlns:a16="http://schemas.microsoft.com/office/drawing/2014/main" id="{2196A6E2-B017-463B-0BC9-24810C836FCB}"/>
+                  </a:ext>
+                </a:extLst>
+              </p:cNvPr>
+              <p:cNvSpPr txBox="1">
+                <a:spLocks noRot="1" noChangeAspect="1" noMove="1" noResize="1" noEditPoints="1" noAdjustHandles="1" noChangeArrowheads="1" noChangeShapeType="1" noTextEdit="1"/>
+              </p:cNvSpPr>
+              <p:nvPr/>
+            </p:nvSpPr>
+            <p:spPr>
+              <a:xfrm>
+                <a:off x="9264116" y="2630743"/>
+                <a:ext cx="558166" cy="369332"/>
+              </a:xfrm>
+              <a:prstGeom prst="rect">
+                <a:avLst/>
+              </a:prstGeom>
+              <a:blipFill>
+                <a:blip r:embed="rId17"/>
+                <a:stretch>
+                  <a:fillRect b="-13333"/>
+                </a:stretch>
+              </a:blipFill>
+            </p:spPr>
+            <p:txBody>
+              <a:bodyPr/>
+              <a:lstStyle/>
+              <a:p>
+                <a:r>
+                  <a:rPr lang="en-US">
+                    <a:noFill/>
+                  </a:rPr>
+                  <a:t> </a:t>
+                </a:r>
+              </a:p>
+            </p:txBody>
+          </p:sp>
+        </mc:Fallback>
+      </mc:AlternateContent>
+      <mc:AlternateContent xmlns:mc="http://schemas.openxmlformats.org/markup-compatibility/2006" xmlns:a14="http://schemas.microsoft.com/office/drawing/2010/main">
+        <mc:Choice Requires="a14">
+          <p:sp>
+            <p:nvSpPr>
+              <p:cNvPr id="72" name="TextBox 71">
+                <a:extLst>
+                  <a:ext uri="{FF2B5EF4-FFF2-40B4-BE49-F238E27FC236}">
+                    <a16:creationId xmlns:a16="http://schemas.microsoft.com/office/drawing/2014/main" id="{0372BE5A-86A3-AB1C-053B-04BFDBB02B34}"/>
+                  </a:ext>
+                </a:extLst>
+              </p:cNvPr>
+              <p:cNvSpPr txBox="1"/>
+              <p:nvPr/>
+            </p:nvSpPr>
+            <p:spPr>
+              <a:xfrm>
+                <a:off x="5834193" y="3260055"/>
+                <a:ext cx="558166" cy="369332"/>
+              </a:xfrm>
+              <a:prstGeom prst="rect">
+                <a:avLst/>
+              </a:prstGeom>
+              <a:noFill/>
+            </p:spPr>
+            <p:txBody>
+              <a:bodyPr wrap="square" rtlCol="0">
+                <a:spAutoFit/>
+              </a:bodyPr>
+              <a:lstStyle/>
+              <a:p>
+                <a:pPr/>
+                <a14:m>
+                  <m:oMathPara xmlns:m="http://schemas.openxmlformats.org/officeDocument/2006/math">
+                    <m:oMathParaPr>
+                      <m:jc m:val="centerGroup"/>
+                    </m:oMathParaPr>
+                    <m:oMath xmlns:m="http://schemas.openxmlformats.org/officeDocument/2006/math">
+                      <m:r>
+                        <a:rPr lang="en-US" b="0" i="1" smtClean="0">
+                          <a:latin typeface="Cambria Math" panose="02040503050406030204" pitchFamily="18" charset="0"/>
+                        </a:rPr>
+                        <m:t>(2)</m:t>
+                      </m:r>
+                    </m:oMath>
+                  </m:oMathPara>
+                </a14:m>
+                <a:endParaRPr lang="en-US" dirty="0"/>
+              </a:p>
+            </p:txBody>
+          </p:sp>
+        </mc:Choice>
+        <mc:Fallback xmlns="">
+          <p:sp>
+            <p:nvSpPr>
+              <p:cNvPr id="72" name="TextBox 71">
+                <a:extLst>
+                  <a:ext uri="{FF2B5EF4-FFF2-40B4-BE49-F238E27FC236}">
+                    <a16:creationId xmlns:a16="http://schemas.microsoft.com/office/drawing/2014/main" id="{0372BE5A-86A3-AB1C-053B-04BFDBB02B34}"/>
+                  </a:ext>
+                </a:extLst>
+              </p:cNvPr>
+              <p:cNvSpPr txBox="1">
+                <a:spLocks noRot="1" noChangeAspect="1" noMove="1" noResize="1" noEditPoints="1" noAdjustHandles="1" noChangeArrowheads="1" noChangeShapeType="1" noTextEdit="1"/>
+              </p:cNvSpPr>
+              <p:nvPr/>
+            </p:nvSpPr>
+            <p:spPr>
+              <a:xfrm>
+                <a:off x="5834193" y="3260055"/>
+                <a:ext cx="558166" cy="369332"/>
+              </a:xfrm>
+              <a:prstGeom prst="rect">
+                <a:avLst/>
+              </a:prstGeom>
+              <a:blipFill>
+                <a:blip r:embed="rId18"/>
+                <a:stretch>
+                  <a:fillRect b="-13333"/>
+                </a:stretch>
+              </a:blipFill>
+            </p:spPr>
+            <p:txBody>
+              <a:bodyPr/>
+              <a:lstStyle/>
+              <a:p>
+                <a:r>
+                  <a:rPr lang="en-US">
+                    <a:noFill/>
+                  </a:rPr>
+                  <a:t> </a:t>
+                </a:r>
+              </a:p>
+            </p:txBody>
+          </p:sp>
+        </mc:Fallback>
+      </mc:AlternateContent>
+      <p:cxnSp>
+        <p:nvCxnSpPr>
+          <p:cNvPr id="73" name="Straight Arrow Connector 72">
+            <a:extLst>
+              <a:ext uri="{FF2B5EF4-FFF2-40B4-BE49-F238E27FC236}">
+                <a16:creationId xmlns:a16="http://schemas.microsoft.com/office/drawing/2014/main" id="{9788366D-5E1B-3133-35EA-4FD334963FBF}"/>
+              </a:ext>
+            </a:extLst>
+          </p:cNvPr>
+          <p:cNvCxnSpPr>
+            <a:cxnSpLocks/>
+            <a:stCxn id="14" idx="0"/>
+            <a:endCxn id="15" idx="4"/>
+          </p:cNvCxnSpPr>
+          <p:nvPr/>
+        </p:nvCxnSpPr>
+        <p:spPr>
+          <a:xfrm flipV="1">
+            <a:off x="4932104" y="2344391"/>
+            <a:ext cx="0" cy="851462"/>
+          </a:xfrm>
+          <a:prstGeom prst="straightConnector1">
+            <a:avLst/>
+          </a:prstGeom>
+          <a:ln w="28575">
+            <a:headEnd type="triangle" w="med" len="med"/>
+            <a:tailEnd type="triangle" w="med" len="med"/>
+          </a:ln>
+        </p:spPr>
+        <p:style>
+          <a:lnRef idx="1">
+            <a:schemeClr val="dk1"/>
+          </a:lnRef>
+          <a:fillRef idx="0">
+            <a:schemeClr val="dk1"/>
+          </a:fillRef>
+          <a:effectRef idx="0">
+            <a:schemeClr val="dk1"/>
+          </a:effectRef>
+          <a:fontRef idx="minor">
+            <a:schemeClr val="tx1"/>
+          </a:fontRef>
+        </p:style>
+      </p:cxnSp>
+      <p:cxnSp>
+        <p:nvCxnSpPr>
+          <p:cNvPr id="76" name="Straight Arrow Connector 75">
+            <a:extLst>
+              <a:ext uri="{FF2B5EF4-FFF2-40B4-BE49-F238E27FC236}">
+                <a16:creationId xmlns:a16="http://schemas.microsoft.com/office/drawing/2014/main" id="{A674B42E-9FA5-7B5D-D917-36D49D74C785}"/>
+              </a:ext>
+            </a:extLst>
+          </p:cNvPr>
+          <p:cNvCxnSpPr>
+            <a:cxnSpLocks/>
+            <a:stCxn id="2" idx="0"/>
+            <a:endCxn id="14" idx="4"/>
+          </p:cNvCxnSpPr>
+          <p:nvPr/>
+        </p:nvCxnSpPr>
+        <p:spPr>
+          <a:xfrm flipV="1">
+            <a:off x="4932104" y="3653053"/>
+            <a:ext cx="0" cy="634777"/>
+          </a:xfrm>
+          <a:prstGeom prst="straightConnector1">
+            <a:avLst/>
+          </a:prstGeom>
+          <a:ln w="28575">
+            <a:headEnd type="triangle" w="med" len="med"/>
+            <a:tailEnd type="triangle" w="med" len="med"/>
+          </a:ln>
+        </p:spPr>
+        <p:style>
+          <a:lnRef idx="1">
+            <a:schemeClr val="dk1"/>
+          </a:lnRef>
+          <a:fillRef idx="0">
+            <a:schemeClr val="dk1"/>
+          </a:fillRef>
+          <a:effectRef idx="0">
+            <a:schemeClr val="dk1"/>
+          </a:effectRef>
+          <a:fontRef idx="minor">
+            <a:schemeClr val="tx1"/>
+          </a:fontRef>
+        </p:style>
+      </p:cxnSp>
+      <mc:AlternateContent xmlns:mc="http://schemas.openxmlformats.org/markup-compatibility/2006" xmlns:a14="http://schemas.microsoft.com/office/drawing/2010/main">
+        <mc:Choice Requires="a14">
+          <p:sp>
+            <p:nvSpPr>
+              <p:cNvPr id="82" name="TextBox 81">
+                <a:extLst>
+                  <a:ext uri="{FF2B5EF4-FFF2-40B4-BE49-F238E27FC236}">
+                    <a16:creationId xmlns:a16="http://schemas.microsoft.com/office/drawing/2014/main" id="{F99D4B1F-762F-4C63-A23C-26F0AA846943}"/>
+                  </a:ext>
+                </a:extLst>
+              </p:cNvPr>
+              <p:cNvSpPr txBox="1"/>
+              <p:nvPr/>
+            </p:nvSpPr>
+            <p:spPr>
+              <a:xfrm>
+                <a:off x="4442793" y="3717029"/>
+                <a:ext cx="558166" cy="369332"/>
+              </a:xfrm>
+              <a:prstGeom prst="rect">
+                <a:avLst/>
+              </a:prstGeom>
+              <a:noFill/>
+            </p:spPr>
+            <p:txBody>
+              <a:bodyPr wrap="none" rtlCol="0">
+                <a:spAutoFit/>
+              </a:bodyPr>
+              <a:lstStyle/>
+              <a:p>
+                <a:pPr/>
+                <a14:m>
+                  <m:oMathPara xmlns:m="http://schemas.openxmlformats.org/officeDocument/2006/math">
+                    <m:oMathParaPr>
+                      <m:jc m:val="centerGroup"/>
+                    </m:oMathParaPr>
+                    <m:oMath xmlns:m="http://schemas.openxmlformats.org/officeDocument/2006/math">
+                      <m:r>
+                        <a:rPr lang="en-US" b="0" i="1" smtClean="0">
+                          <a:latin typeface="Cambria Math" panose="02040503050406030204" pitchFamily="18" charset="0"/>
+                        </a:rPr>
+                        <m:t>(3)</m:t>
+                      </m:r>
+                    </m:oMath>
+                  </m:oMathPara>
+                </a14:m>
+                <a:endParaRPr lang="en-US" dirty="0"/>
+              </a:p>
+            </p:txBody>
+          </p:sp>
+        </mc:Choice>
+        <mc:Fallback xmlns="">
+          <p:sp>
+            <p:nvSpPr>
+              <p:cNvPr id="82" name="TextBox 81">
+                <a:extLst>
+                  <a:ext uri="{FF2B5EF4-FFF2-40B4-BE49-F238E27FC236}">
+                    <a16:creationId xmlns:a16="http://schemas.microsoft.com/office/drawing/2014/main" id="{F99D4B1F-762F-4C63-A23C-26F0AA846943}"/>
+                  </a:ext>
+                </a:extLst>
+              </p:cNvPr>
+              <p:cNvSpPr txBox="1">
+                <a:spLocks noRot="1" noChangeAspect="1" noMove="1" noResize="1" noEditPoints="1" noAdjustHandles="1" noChangeArrowheads="1" noChangeShapeType="1" noTextEdit="1"/>
+              </p:cNvSpPr>
+              <p:nvPr/>
+            </p:nvSpPr>
+            <p:spPr>
+              <a:xfrm>
+                <a:off x="4442793" y="3717029"/>
+                <a:ext cx="558166" cy="369332"/>
+              </a:xfrm>
+              <a:prstGeom prst="rect">
+                <a:avLst/>
+              </a:prstGeom>
+              <a:blipFill>
+                <a:blip r:embed="rId19"/>
+                <a:stretch>
+                  <a:fillRect b="-13333"/>
+                </a:stretch>
+              </a:blipFill>
+            </p:spPr>
+            <p:txBody>
+              <a:bodyPr/>
+              <a:lstStyle/>
+              <a:p>
+                <a:r>
+                  <a:rPr lang="en-US">
+                    <a:noFill/>
+                  </a:rPr>
+                  <a:t> </a:t>
+                </a:r>
+              </a:p>
+            </p:txBody>
+          </p:sp>
+        </mc:Fallback>
+      </mc:AlternateContent>
+      <mc:AlternateContent xmlns:mc="http://schemas.openxmlformats.org/markup-compatibility/2006" xmlns:a14="http://schemas.microsoft.com/office/drawing/2010/main">
+        <mc:Choice Requires="a14">
+          <p:sp>
+            <p:nvSpPr>
+              <p:cNvPr id="83" name="TextBox 82">
+                <a:extLst>
+                  <a:ext uri="{FF2B5EF4-FFF2-40B4-BE49-F238E27FC236}">
+                    <a16:creationId xmlns:a16="http://schemas.microsoft.com/office/drawing/2014/main" id="{7C182823-4C3B-3DFD-664A-B59A2D303371}"/>
+                  </a:ext>
+                </a:extLst>
+              </p:cNvPr>
+              <p:cNvSpPr txBox="1"/>
+              <p:nvPr/>
+            </p:nvSpPr>
+            <p:spPr>
+              <a:xfrm>
+                <a:off x="3821566" y="2653770"/>
+                <a:ext cx="558166" cy="369332"/>
+              </a:xfrm>
+              <a:prstGeom prst="rect">
+                <a:avLst/>
+              </a:prstGeom>
+              <a:noFill/>
+            </p:spPr>
+            <p:txBody>
+              <a:bodyPr wrap="none" rtlCol="0">
+                <a:spAutoFit/>
+              </a:bodyPr>
+              <a:lstStyle/>
+              <a:p>
+                <a:pPr/>
+                <a14:m>
+                  <m:oMathPara xmlns:m="http://schemas.openxmlformats.org/officeDocument/2006/math">
+                    <m:oMathParaPr>
+                      <m:jc m:val="centerGroup"/>
+                    </m:oMathParaPr>
+                    <m:oMath xmlns:m="http://schemas.openxmlformats.org/officeDocument/2006/math">
+                      <m:r>
+                        <a:rPr lang="en-US" b="0" i="1" smtClean="0">
+                          <a:latin typeface="Cambria Math" panose="02040503050406030204" pitchFamily="18" charset="0"/>
+                        </a:rPr>
+                        <m:t>(3)</m:t>
+                      </m:r>
+                    </m:oMath>
+                  </m:oMathPara>
+                </a14:m>
+                <a:endParaRPr lang="en-US" dirty="0"/>
+              </a:p>
+            </p:txBody>
+          </p:sp>
+        </mc:Choice>
+        <mc:Fallback xmlns="">
+          <p:sp>
+            <p:nvSpPr>
+              <p:cNvPr id="83" name="TextBox 82">
+                <a:extLst>
+                  <a:ext uri="{FF2B5EF4-FFF2-40B4-BE49-F238E27FC236}">
+                    <a16:creationId xmlns:a16="http://schemas.microsoft.com/office/drawing/2014/main" id="{7C182823-4C3B-3DFD-664A-B59A2D303371}"/>
+                  </a:ext>
+                </a:extLst>
+              </p:cNvPr>
+              <p:cNvSpPr txBox="1">
+                <a:spLocks noRot="1" noChangeAspect="1" noMove="1" noResize="1" noEditPoints="1" noAdjustHandles="1" noChangeArrowheads="1" noChangeShapeType="1" noTextEdit="1"/>
+              </p:cNvSpPr>
+              <p:nvPr/>
+            </p:nvSpPr>
+            <p:spPr>
+              <a:xfrm>
+                <a:off x="3821566" y="2653770"/>
+                <a:ext cx="558166" cy="369332"/>
+              </a:xfrm>
+              <a:prstGeom prst="rect">
+                <a:avLst/>
+              </a:prstGeom>
+              <a:blipFill>
+                <a:blip r:embed="rId20"/>
+                <a:stretch>
+                  <a:fillRect b="-13115"/>
+                </a:stretch>
+              </a:blipFill>
+            </p:spPr>
+            <p:txBody>
+              <a:bodyPr/>
+              <a:lstStyle/>
+              <a:p>
+                <a:r>
+                  <a:rPr lang="en-US">
+                    <a:noFill/>
+                  </a:rPr>
+                  <a:t> </a:t>
+                </a:r>
+              </a:p>
+            </p:txBody>
+          </p:sp>
+        </mc:Fallback>
+      </mc:AlternateContent>
+      <mc:AlternateContent xmlns:mc="http://schemas.openxmlformats.org/markup-compatibility/2006" xmlns:a14="http://schemas.microsoft.com/office/drawing/2010/main">
+        <mc:Choice Requires="a14">
+          <p:sp>
+            <p:nvSpPr>
+              <p:cNvPr id="84" name="TextBox 83">
+                <a:extLst>
+                  <a:ext uri="{FF2B5EF4-FFF2-40B4-BE49-F238E27FC236}">
+                    <a16:creationId xmlns:a16="http://schemas.microsoft.com/office/drawing/2014/main" id="{35F481F4-F4A9-4548-0711-4AE698ED20A3}"/>
+                  </a:ext>
+                </a:extLst>
+              </p:cNvPr>
+              <p:cNvSpPr txBox="1"/>
+              <p:nvPr/>
+            </p:nvSpPr>
+            <p:spPr>
+              <a:xfrm>
+                <a:off x="5536428" y="4927785"/>
+                <a:ext cx="558166" cy="369332"/>
+              </a:xfrm>
+              <a:prstGeom prst="rect">
+                <a:avLst/>
+              </a:prstGeom>
+              <a:noFill/>
+            </p:spPr>
+            <p:txBody>
+              <a:bodyPr wrap="square" rtlCol="0">
+                <a:spAutoFit/>
+              </a:bodyPr>
+              <a:lstStyle/>
+              <a:p>
+                <a:pPr/>
+                <a14:m>
+                  <m:oMathPara xmlns:m="http://schemas.openxmlformats.org/officeDocument/2006/math">
+                    <m:oMathParaPr>
+                      <m:jc m:val="centerGroup"/>
+                    </m:oMathParaPr>
+                    <m:oMath xmlns:m="http://schemas.openxmlformats.org/officeDocument/2006/math">
+                      <m:r>
+                        <a:rPr lang="en-US" b="0" i="1" smtClean="0">
+                          <a:latin typeface="Cambria Math" panose="02040503050406030204" pitchFamily="18" charset="0"/>
+                        </a:rPr>
+                        <m:t>(3)</m:t>
+                      </m:r>
+                    </m:oMath>
+                  </m:oMathPara>
+                </a14:m>
+                <a:endParaRPr lang="en-US" dirty="0"/>
+              </a:p>
+            </p:txBody>
+          </p:sp>
+        </mc:Choice>
+        <mc:Fallback xmlns="">
+          <p:sp>
+            <p:nvSpPr>
+              <p:cNvPr id="84" name="TextBox 83">
+                <a:extLst>
+                  <a:ext uri="{FF2B5EF4-FFF2-40B4-BE49-F238E27FC236}">
+                    <a16:creationId xmlns:a16="http://schemas.microsoft.com/office/drawing/2014/main" id="{35F481F4-F4A9-4548-0711-4AE698ED20A3}"/>
+                  </a:ext>
+                </a:extLst>
+              </p:cNvPr>
+              <p:cNvSpPr txBox="1">
+                <a:spLocks noRot="1" noChangeAspect="1" noMove="1" noResize="1" noEditPoints="1" noAdjustHandles="1" noChangeArrowheads="1" noChangeShapeType="1" noTextEdit="1"/>
+              </p:cNvSpPr>
+              <p:nvPr/>
+            </p:nvSpPr>
+            <p:spPr>
+              <a:xfrm>
+                <a:off x="5536428" y="4927785"/>
+                <a:ext cx="558166" cy="369332"/>
+              </a:xfrm>
+              <a:prstGeom prst="rect">
+                <a:avLst/>
+              </a:prstGeom>
+              <a:blipFill>
+                <a:blip r:embed="rId21"/>
+                <a:stretch>
+                  <a:fillRect b="-13115"/>
+                </a:stretch>
+              </a:blipFill>
+            </p:spPr>
+            <p:txBody>
+              <a:bodyPr/>
+              <a:lstStyle/>
+              <a:p>
+                <a:r>
+                  <a:rPr lang="en-US">
+                    <a:noFill/>
+                  </a:rPr>
+                  <a:t> </a:t>
+                </a:r>
+              </a:p>
+            </p:txBody>
+          </p:sp>
+        </mc:Fallback>
+      </mc:AlternateContent>
+      <mc:AlternateContent xmlns:mc="http://schemas.openxmlformats.org/markup-compatibility/2006" xmlns:a14="http://schemas.microsoft.com/office/drawing/2010/main">
+        <mc:Choice Requires="a14">
+          <p:sp>
+            <p:nvSpPr>
+              <p:cNvPr id="85" name="TextBox 84">
+                <a:extLst>
+                  <a:ext uri="{FF2B5EF4-FFF2-40B4-BE49-F238E27FC236}">
+                    <a16:creationId xmlns:a16="http://schemas.microsoft.com/office/drawing/2014/main" id="{A120CDA6-B71F-25C0-FA76-0BC10416C4D5}"/>
+                  </a:ext>
+                </a:extLst>
+              </p:cNvPr>
+              <p:cNvSpPr txBox="1"/>
+              <p:nvPr/>
+            </p:nvSpPr>
+            <p:spPr>
+              <a:xfrm>
+                <a:off x="5594720" y="3743590"/>
+                <a:ext cx="558166" cy="369332"/>
+              </a:xfrm>
+              <a:prstGeom prst="rect">
+                <a:avLst/>
+              </a:prstGeom>
+              <a:noFill/>
+            </p:spPr>
+            <p:txBody>
+              <a:bodyPr wrap="square" rtlCol="0">
+                <a:spAutoFit/>
+              </a:bodyPr>
+              <a:lstStyle/>
+              <a:p>
+                <a:pPr/>
+                <a14:m>
+                  <m:oMathPara xmlns:m="http://schemas.openxmlformats.org/officeDocument/2006/math">
+                    <m:oMathParaPr>
+                      <m:jc m:val="centerGroup"/>
+                    </m:oMathParaPr>
+                    <m:oMath xmlns:m="http://schemas.openxmlformats.org/officeDocument/2006/math">
+                      <m:r>
+                        <a:rPr lang="en-US" b="0" i="1" smtClean="0">
+                          <a:latin typeface="Cambria Math" panose="02040503050406030204" pitchFamily="18" charset="0"/>
+                        </a:rPr>
+                        <m:t>(2)</m:t>
+                      </m:r>
+                    </m:oMath>
+                  </m:oMathPara>
+                </a14:m>
+                <a:endParaRPr lang="en-US" dirty="0"/>
+              </a:p>
+            </p:txBody>
+          </p:sp>
+        </mc:Choice>
+        <mc:Fallback xmlns="">
+          <p:sp>
+            <p:nvSpPr>
+              <p:cNvPr id="85" name="TextBox 84">
+                <a:extLst>
+                  <a:ext uri="{FF2B5EF4-FFF2-40B4-BE49-F238E27FC236}">
+                    <a16:creationId xmlns:a16="http://schemas.microsoft.com/office/drawing/2014/main" id="{A120CDA6-B71F-25C0-FA76-0BC10416C4D5}"/>
+                  </a:ext>
+                </a:extLst>
+              </p:cNvPr>
+              <p:cNvSpPr txBox="1">
+                <a:spLocks noRot="1" noChangeAspect="1" noMove="1" noResize="1" noEditPoints="1" noAdjustHandles="1" noChangeArrowheads="1" noChangeShapeType="1" noTextEdit="1"/>
+              </p:cNvSpPr>
+              <p:nvPr/>
+            </p:nvSpPr>
+            <p:spPr>
+              <a:xfrm>
+                <a:off x="5594720" y="3743590"/>
+                <a:ext cx="558166" cy="369332"/>
+              </a:xfrm>
+              <a:prstGeom prst="rect">
+                <a:avLst/>
+              </a:prstGeom>
+              <a:blipFill>
+                <a:blip r:embed="rId22"/>
+                <a:stretch>
+                  <a:fillRect b="-13115"/>
+                </a:stretch>
+              </a:blipFill>
+            </p:spPr>
+            <p:txBody>
+              <a:bodyPr/>
+              <a:lstStyle/>
+              <a:p>
+                <a:r>
+                  <a:rPr lang="en-US">
+                    <a:noFill/>
+                  </a:rPr>
+                  <a:t> </a:t>
+                </a:r>
+              </a:p>
+            </p:txBody>
+          </p:sp>
+        </mc:Fallback>
+      </mc:AlternateContent>
+      <mc:AlternateContent xmlns:mc="http://schemas.openxmlformats.org/markup-compatibility/2006" xmlns:a14="http://schemas.microsoft.com/office/drawing/2010/main">
+        <mc:Choice Requires="a14">
+          <p:sp>
+            <p:nvSpPr>
+              <p:cNvPr id="5" name="TextBox 4">
+                <a:extLst>
+                  <a:ext uri="{FF2B5EF4-FFF2-40B4-BE49-F238E27FC236}">
+                    <a16:creationId xmlns:a16="http://schemas.microsoft.com/office/drawing/2014/main" id="{97E032CB-F270-1CBD-87F3-DBC18D8AB0F7}"/>
+                  </a:ext>
+                </a:extLst>
+              </p:cNvPr>
+              <p:cNvSpPr txBox="1"/>
+              <p:nvPr/>
+            </p:nvSpPr>
+            <p:spPr>
+              <a:xfrm>
+                <a:off x="4461487" y="2545860"/>
+                <a:ext cx="558166" cy="369332"/>
+              </a:xfrm>
+              <a:prstGeom prst="rect">
+                <a:avLst/>
+              </a:prstGeom>
+              <a:noFill/>
+            </p:spPr>
+            <p:txBody>
+              <a:bodyPr wrap="none" rtlCol="0">
+                <a:spAutoFit/>
+              </a:bodyPr>
+              <a:lstStyle/>
+              <a:p>
+                <a:pPr/>
+                <a14:m>
+                  <m:oMathPara xmlns:m="http://schemas.openxmlformats.org/officeDocument/2006/math">
+                    <m:oMathParaPr>
+                      <m:jc m:val="centerGroup"/>
+                    </m:oMathParaPr>
+                    <m:oMath xmlns:m="http://schemas.openxmlformats.org/officeDocument/2006/math">
+                      <m:r>
+                        <a:rPr lang="en-US" b="0" i="1" smtClean="0">
+                          <a:latin typeface="Cambria Math" panose="02040503050406030204" pitchFamily="18" charset="0"/>
+                        </a:rPr>
+                        <m:t>(3)</m:t>
+                      </m:r>
+                    </m:oMath>
+                  </m:oMathPara>
+                </a14:m>
+                <a:endParaRPr lang="en-US" dirty="0"/>
+              </a:p>
+            </p:txBody>
+          </p:sp>
+        </mc:Choice>
+        <mc:Fallback xmlns="">
+          <p:sp>
+            <p:nvSpPr>
+              <p:cNvPr id="5" name="TextBox 4">
+                <a:extLst>
+                  <a:ext uri="{FF2B5EF4-FFF2-40B4-BE49-F238E27FC236}">
+                    <a16:creationId xmlns:a16="http://schemas.microsoft.com/office/drawing/2014/main" id="{97E032CB-F270-1CBD-87F3-DBC18D8AB0F7}"/>
+                  </a:ext>
+                </a:extLst>
+              </p:cNvPr>
+              <p:cNvSpPr txBox="1">
+                <a:spLocks noRot="1" noChangeAspect="1" noMove="1" noResize="1" noEditPoints="1" noAdjustHandles="1" noChangeArrowheads="1" noChangeShapeType="1" noTextEdit="1"/>
+              </p:cNvSpPr>
+              <p:nvPr/>
+            </p:nvSpPr>
+            <p:spPr>
+              <a:xfrm>
+                <a:off x="4461487" y="2545860"/>
+                <a:ext cx="558166" cy="369332"/>
+              </a:xfrm>
+              <a:prstGeom prst="rect">
+                <a:avLst/>
+              </a:prstGeom>
+              <a:blipFill>
+                <a:blip r:embed="rId23"/>
+                <a:stretch>
+                  <a:fillRect b="-13333"/>
+                </a:stretch>
+              </a:blipFill>
+            </p:spPr>
+            <p:txBody>
+              <a:bodyPr/>
+              <a:lstStyle/>
+              <a:p>
+                <a:r>
+                  <a:rPr lang="en-US">
+                    <a:noFill/>
+                  </a:rPr>
+                  <a:t> </a:t>
+                </a:r>
+              </a:p>
+            </p:txBody>
+          </p:sp>
+        </mc:Fallback>
+      </mc:AlternateContent>
+    </p:spTree>
+    <p:extLst>
+      <p:ext uri="{BB962C8B-B14F-4D97-AF65-F5344CB8AC3E}">
+        <p14:creationId xmlns:p14="http://schemas.microsoft.com/office/powerpoint/2010/main" val="946747460"/>
+      </p:ext>
+    </p:extLst>
+  </p:cSld>
+  <p:clrMapOvr>
+    <a:masterClrMapping/>
+  </p:clrMapOvr>
+</p:sld>
+</file>
+
+<file path=ppt/slides/slide8.xml><?xml version="1.0" encoding="utf-8"?>
+<p:sld xmlns:a="http://schemas.openxmlformats.org/drawingml/2006/main" xmlns:r="http://schemas.openxmlformats.org/officeDocument/2006/relationships" xmlns:p="http://schemas.openxmlformats.org/presentationml/2006/main">
+  <p:cSld>
+    <p:spTree>
+      <p:nvGrpSpPr>
+        <p:cNvPr id="1" name=""/>
+        <p:cNvGrpSpPr/>
+        <p:nvPr/>
+      </p:nvGrpSpPr>
+      <p:grpSpPr>
+        <a:xfrm>
+          <a:off x="0" y="0"/>
+          <a:ext cx="0" cy="0"/>
+          <a:chOff x="0" y="0"/>
+          <a:chExt cx="0" cy="0"/>
+        </a:xfrm>
+      </p:grpSpPr>
+      <mc:AlternateContent xmlns:mc="http://schemas.openxmlformats.org/markup-compatibility/2006" xmlns:a14="http://schemas.microsoft.com/office/drawing/2010/main">
+        <mc:Choice Requires="a14">
           <p:sp>
             <p:nvSpPr>
               <p:cNvPr id="4" name="Oval 3">
@@ -20893,7 +24202,7 @@
             </p:txBody>
           </p:sp>
         </mc:Choice>
-        <mc:Fallback>
+        <mc:Fallback xmlns="">
           <p:sp>
             <p:nvSpPr>
               <p:cNvPr id="4" name="Oval 3">
@@ -21031,8 +24340,8 @@
           </a:fontRef>
         </p:style>
       </p:cxnSp>
-      <mc:AlternateContent xmlns:mc="http://schemas.openxmlformats.org/markup-compatibility/2006">
-        <mc:Choice xmlns:a14="http://schemas.microsoft.com/office/drawing/2010/main" Requires="a14">
+      <mc:AlternateContent xmlns:mc="http://schemas.openxmlformats.org/markup-compatibility/2006" xmlns:a14="http://schemas.microsoft.com/office/drawing/2010/main">
+        <mc:Choice Requires="a14">
           <p:sp>
             <p:nvSpPr>
               <p:cNvPr id="14" name="Oval 13">
@@ -21108,7 +24417,7 @@
             </p:txBody>
           </p:sp>
         </mc:Choice>
-        <mc:Fallback>
+        <mc:Fallback xmlns="">
           <p:sp>
             <p:nvSpPr>
               <p:cNvPr id="14" name="Oval 13">
@@ -21158,8 +24467,8 @@
           </p:sp>
         </mc:Fallback>
       </mc:AlternateContent>
-      <mc:AlternateContent xmlns:mc="http://schemas.openxmlformats.org/markup-compatibility/2006">
-        <mc:Choice xmlns:a14="http://schemas.microsoft.com/office/drawing/2010/main" Requires="a14">
+      <mc:AlternateContent xmlns:mc="http://schemas.openxmlformats.org/markup-compatibility/2006" xmlns:a14="http://schemas.microsoft.com/office/drawing/2010/main">
+        <mc:Choice Requires="a14">
           <p:sp>
             <p:nvSpPr>
               <p:cNvPr id="15" name="Oval 14">
@@ -21235,7 +24544,7 @@
             </p:txBody>
           </p:sp>
         </mc:Choice>
-        <mc:Fallback>
+        <mc:Fallback xmlns="">
           <p:sp>
             <p:nvSpPr>
               <p:cNvPr id="15" name="Oval 14">
@@ -21285,8 +24594,8 @@
           </p:sp>
         </mc:Fallback>
       </mc:AlternateContent>
-      <mc:AlternateContent xmlns:mc="http://schemas.openxmlformats.org/markup-compatibility/2006">
-        <mc:Choice xmlns:a14="http://schemas.microsoft.com/office/drawing/2010/main" Requires="a14">
+      <mc:AlternateContent xmlns:mc="http://schemas.openxmlformats.org/markup-compatibility/2006" xmlns:a14="http://schemas.microsoft.com/office/drawing/2010/main">
+        <mc:Choice Requires="a14">
           <p:sp>
             <p:nvSpPr>
               <p:cNvPr id="16" name="Oval 15">
@@ -21362,7 +24671,7 @@
             </p:txBody>
           </p:sp>
         </mc:Choice>
-        <mc:Fallback>
+        <mc:Fallback xmlns="">
           <p:sp>
             <p:nvSpPr>
               <p:cNvPr id="16" name="Oval 15">
@@ -21412,8 +24721,8 @@
           </p:sp>
         </mc:Fallback>
       </mc:AlternateContent>
-      <mc:AlternateContent xmlns:mc="http://schemas.openxmlformats.org/markup-compatibility/2006">
-        <mc:Choice xmlns:a14="http://schemas.microsoft.com/office/drawing/2010/main" Requires="a14">
+      <mc:AlternateContent xmlns:mc="http://schemas.openxmlformats.org/markup-compatibility/2006" xmlns:a14="http://schemas.microsoft.com/office/drawing/2010/main">
+        <mc:Choice Requires="a14">
           <p:sp>
             <p:nvSpPr>
               <p:cNvPr id="47" name="TextBox 46">
@@ -21475,7 +24784,7 @@
             </p:txBody>
           </p:sp>
         </mc:Choice>
-        <mc:Fallback>
+        <mc:Fallback xmlns="">
           <p:sp>
             <p:nvSpPr>
               <p:cNvPr id="47" name="TextBox 46">
@@ -21643,8 +24952,8 @@
           </a:fontRef>
         </p:style>
       </p:cxnSp>
-      <mc:AlternateContent xmlns:mc="http://schemas.openxmlformats.org/markup-compatibility/2006">
-        <mc:Choice xmlns:a14="http://schemas.microsoft.com/office/drawing/2010/main" Requires="a14">
+      <mc:AlternateContent xmlns:mc="http://schemas.openxmlformats.org/markup-compatibility/2006" xmlns:a14="http://schemas.microsoft.com/office/drawing/2010/main">
+        <mc:Choice Requires="a14">
           <p:sp>
             <p:nvSpPr>
               <p:cNvPr id="11" name="TextBox 10">
@@ -21673,6 +24982,7 @@
               </a:bodyPr>
               <a:lstStyle/>
               <a:p>
+                <a:pPr/>
                 <a14:m>
                   <m:oMathPara xmlns:m="http://schemas.openxmlformats.org/officeDocument/2006/math">
                     <m:oMathParaPr>
@@ -21741,7 +25051,7 @@
             </p:txBody>
           </p:sp>
         </mc:Choice>
-        <mc:Fallback>
+        <mc:Fallback xmlns="">
           <p:sp>
             <p:nvSpPr>
               <p:cNvPr id="11" name="TextBox 10">
@@ -21786,8 +25096,8 @@
           </p:sp>
         </mc:Fallback>
       </mc:AlternateContent>
-      <mc:AlternateContent xmlns:mc="http://schemas.openxmlformats.org/markup-compatibility/2006">
-        <mc:Choice xmlns:a14="http://schemas.microsoft.com/office/drawing/2010/main" Requires="a14">
+      <mc:AlternateContent xmlns:mc="http://schemas.openxmlformats.org/markup-compatibility/2006" xmlns:a14="http://schemas.microsoft.com/office/drawing/2010/main">
+        <mc:Choice Requires="a14">
           <p:sp>
             <p:nvSpPr>
               <p:cNvPr id="12" name="TextBox 11">
@@ -21849,7 +25159,7 @@
             </p:txBody>
           </p:sp>
         </mc:Choice>
-        <mc:Fallback>
+        <mc:Fallback xmlns="">
           <p:sp>
             <p:nvSpPr>
               <p:cNvPr id="12" name="TextBox 11">
@@ -21894,8 +25204,8 @@
           </p:sp>
         </mc:Fallback>
       </mc:AlternateContent>
-      <mc:AlternateContent xmlns:mc="http://schemas.openxmlformats.org/markup-compatibility/2006">
-        <mc:Choice xmlns:a14="http://schemas.microsoft.com/office/drawing/2010/main" Requires="a14">
+      <mc:AlternateContent xmlns:mc="http://schemas.openxmlformats.org/markup-compatibility/2006" xmlns:a14="http://schemas.microsoft.com/office/drawing/2010/main">
+        <mc:Choice Requires="a14">
           <p:sp>
             <p:nvSpPr>
               <p:cNvPr id="13" name="TextBox 12">
@@ -21981,7 +25291,7 @@
             </p:txBody>
           </p:sp>
         </mc:Choice>
-        <mc:Fallback>
+        <mc:Fallback xmlns="">
           <p:sp>
             <p:nvSpPr>
               <p:cNvPr id="13" name="TextBox 12">
@@ -22026,8 +25336,8 @@
           </p:sp>
         </mc:Fallback>
       </mc:AlternateContent>
-      <mc:AlternateContent xmlns:mc="http://schemas.openxmlformats.org/markup-compatibility/2006">
-        <mc:Choice xmlns:a14="http://schemas.microsoft.com/office/drawing/2010/main" Requires="a14">
+      <mc:AlternateContent xmlns:mc="http://schemas.openxmlformats.org/markup-compatibility/2006" xmlns:a14="http://schemas.microsoft.com/office/drawing/2010/main">
+        <mc:Choice Requires="a14">
           <p:sp>
             <p:nvSpPr>
               <p:cNvPr id="18" name="TextBox 17">
@@ -22113,7 +25423,7 @@
             </p:txBody>
           </p:sp>
         </mc:Choice>
-        <mc:Fallback>
+        <mc:Fallback xmlns="">
           <p:sp>
             <p:nvSpPr>
               <p:cNvPr id="18" name="TextBox 17">
@@ -22158,8 +25468,8 @@
           </p:sp>
         </mc:Fallback>
       </mc:AlternateContent>
-      <mc:AlternateContent xmlns:mc="http://schemas.openxmlformats.org/markup-compatibility/2006">
-        <mc:Choice xmlns:a14="http://schemas.microsoft.com/office/drawing/2010/main" Requires="a14">
+      <mc:AlternateContent xmlns:mc="http://schemas.openxmlformats.org/markup-compatibility/2006" xmlns:a14="http://schemas.microsoft.com/office/drawing/2010/main">
+        <mc:Choice Requires="a14">
           <p:sp>
             <p:nvSpPr>
               <p:cNvPr id="19" name="TextBox 18">
@@ -22235,7 +25545,7 @@
             </p:txBody>
           </p:sp>
         </mc:Choice>
-        <mc:Fallback>
+        <mc:Fallback xmlns="">
           <p:sp>
             <p:nvSpPr>
               <p:cNvPr id="19" name="TextBox 18">
@@ -22318,8 +25628,8 @@
           </a:p>
         </p:txBody>
       </p:sp>
-      <mc:AlternateContent xmlns:mc="http://schemas.openxmlformats.org/markup-compatibility/2006">
-        <mc:Choice xmlns:a14="http://schemas.microsoft.com/office/drawing/2010/main" Requires="a14">
+      <mc:AlternateContent xmlns:mc="http://schemas.openxmlformats.org/markup-compatibility/2006" xmlns:a14="http://schemas.microsoft.com/office/drawing/2010/main">
+        <mc:Choice Requires="a14">
           <p:graphicFrame>
             <p:nvGraphicFramePr>
               <p:cNvPr id="21" name="Table 21">
@@ -22393,6 +25703,7 @@
                         <a:bodyPr/>
                         <a:lstStyle/>
                         <a:p>
+                          <a:pPr/>
                           <a14:m>
                             <m:oMathPara xmlns:m="http://schemas.openxmlformats.org/officeDocument/2006/math">
                               <m:oMathParaPr>
@@ -22418,6 +25729,7 @@
                         <a:bodyPr/>
                         <a:lstStyle/>
                         <a:p>
+                          <a:pPr/>
                           <a14:m>
                             <m:oMathPara xmlns:m="http://schemas.openxmlformats.org/officeDocument/2006/math">
                               <m:oMathParaPr>
@@ -22480,6 +25792,7 @@
                         <a:bodyPr/>
                         <a:lstStyle/>
                         <a:p>
+                          <a:pPr/>
                           <a14:m>
                             <m:oMathPara xmlns:m="http://schemas.openxmlformats.org/officeDocument/2006/math">
                               <m:oMathParaPr>
@@ -22542,6 +25855,7 @@
                         <a:bodyPr/>
                         <a:lstStyle/>
                         <a:p>
+                          <a:pPr/>
                           <a14:m>
                             <m:oMathPara xmlns:m="http://schemas.openxmlformats.org/officeDocument/2006/math">
                               <m:oMathParaPr>
@@ -22616,6 +25930,7 @@
                         <a:bodyPr/>
                         <a:lstStyle/>
                         <a:p>
+                          <a:pPr/>
                           <a14:m>
                             <m:oMathPara xmlns:m="http://schemas.openxmlformats.org/officeDocument/2006/math">
                               <m:oMathParaPr>
@@ -23395,7 +26710,7 @@
             </a:graphic>
           </p:graphicFrame>
         </mc:Choice>
-        <mc:Fallback>
+        <mc:Fallback xmlns="">
           <p:graphicFrame>
             <p:nvGraphicFramePr>
               <p:cNvPr id="21" name="Table 21">
@@ -24081,7 +27396,7 @@
 </p:sld>
 </file>
 
-<file path=ppt/slides/slide8.xml><?xml version="1.0" encoding="utf-8"?>
+<file path=ppt/slides/slide9.xml><?xml version="1.0" encoding="utf-8"?>
 <p:sld xmlns:a="http://schemas.openxmlformats.org/drawingml/2006/main" xmlns:r="http://schemas.openxmlformats.org/officeDocument/2006/relationships" xmlns:p="http://schemas.openxmlformats.org/presentationml/2006/main">
   <p:cSld>
     <p:spTree>
@@ -24098,8 +27413,8 @@
           <a:chExt cx="0" cy="0"/>
         </a:xfrm>
       </p:grpSpPr>
-      <mc:AlternateContent xmlns:mc="http://schemas.openxmlformats.org/markup-compatibility/2006">
-        <mc:Choice xmlns:a14="http://schemas.microsoft.com/office/drawing/2010/main" Requires="a14">
+      <mc:AlternateContent xmlns:mc="http://schemas.openxmlformats.org/markup-compatibility/2006" xmlns:a14="http://schemas.microsoft.com/office/drawing/2010/main">
+        <mc:Choice Requires="a14">
           <p:sp>
             <p:nvSpPr>
               <p:cNvPr id="4" name="Oval 3">
@@ -24175,7 +27490,7 @@
             </p:txBody>
           </p:sp>
         </mc:Choice>
-        <mc:Fallback>
+        <mc:Fallback xmlns="">
           <p:sp>
             <p:nvSpPr>
               <p:cNvPr id="4" name="Oval 3">
@@ -24313,8 +27628,8 @@
           </a:fontRef>
         </p:style>
       </p:cxnSp>
-      <mc:AlternateContent xmlns:mc="http://schemas.openxmlformats.org/markup-compatibility/2006">
-        <mc:Choice xmlns:a14="http://schemas.microsoft.com/office/drawing/2010/main" Requires="a14">
+      <mc:AlternateContent xmlns:mc="http://schemas.openxmlformats.org/markup-compatibility/2006" xmlns:a14="http://schemas.microsoft.com/office/drawing/2010/main">
+        <mc:Choice Requires="a14">
           <p:sp>
             <p:nvSpPr>
               <p:cNvPr id="14" name="Oval 13">
@@ -24390,7 +27705,7 @@
             </p:txBody>
           </p:sp>
         </mc:Choice>
-        <mc:Fallback>
+        <mc:Fallback xmlns="">
           <p:sp>
             <p:nvSpPr>
               <p:cNvPr id="14" name="Oval 13">
@@ -24440,8 +27755,8 @@
           </p:sp>
         </mc:Fallback>
       </mc:AlternateContent>
-      <mc:AlternateContent xmlns:mc="http://schemas.openxmlformats.org/markup-compatibility/2006">
-        <mc:Choice xmlns:a14="http://schemas.microsoft.com/office/drawing/2010/main" Requires="a14">
+      <mc:AlternateContent xmlns:mc="http://schemas.openxmlformats.org/markup-compatibility/2006" xmlns:a14="http://schemas.microsoft.com/office/drawing/2010/main">
+        <mc:Choice Requires="a14">
           <p:sp>
             <p:nvSpPr>
               <p:cNvPr id="15" name="Oval 14">
@@ -24517,7 +27832,7 @@
             </p:txBody>
           </p:sp>
         </mc:Choice>
-        <mc:Fallback>
+        <mc:Fallback xmlns="">
           <p:sp>
             <p:nvSpPr>
               <p:cNvPr id="15" name="Oval 14">
@@ -24567,8 +27882,8 @@
           </p:sp>
         </mc:Fallback>
       </mc:AlternateContent>
-      <mc:AlternateContent xmlns:mc="http://schemas.openxmlformats.org/markup-compatibility/2006">
-        <mc:Choice xmlns:a14="http://schemas.microsoft.com/office/drawing/2010/main" Requires="a14">
+      <mc:AlternateContent xmlns:mc="http://schemas.openxmlformats.org/markup-compatibility/2006" xmlns:a14="http://schemas.microsoft.com/office/drawing/2010/main">
+        <mc:Choice Requires="a14">
           <p:sp>
             <p:nvSpPr>
               <p:cNvPr id="16" name="Oval 15">
@@ -24644,7 +27959,7 @@
             </p:txBody>
           </p:sp>
         </mc:Choice>
-        <mc:Fallback>
+        <mc:Fallback xmlns="">
           <p:sp>
             <p:nvSpPr>
               <p:cNvPr id="16" name="Oval 15">
@@ -24694,8 +28009,8 @@
           </p:sp>
         </mc:Fallback>
       </mc:AlternateContent>
-      <mc:AlternateContent xmlns:mc="http://schemas.openxmlformats.org/markup-compatibility/2006">
-        <mc:Choice xmlns:a14="http://schemas.microsoft.com/office/drawing/2010/main" Requires="a14">
+      <mc:AlternateContent xmlns:mc="http://schemas.openxmlformats.org/markup-compatibility/2006" xmlns:a14="http://schemas.microsoft.com/office/drawing/2010/main">
+        <mc:Choice Requires="a14">
           <p:sp>
             <p:nvSpPr>
               <p:cNvPr id="17" name="Oval 16">
@@ -24771,7 +28086,7 @@
             </p:txBody>
           </p:sp>
         </mc:Choice>
-        <mc:Fallback>
+        <mc:Fallback xmlns="">
           <p:sp>
             <p:nvSpPr>
               <p:cNvPr id="17" name="Oval 16">
@@ -24953,8 +28268,8 @@
           </a:fontRef>
         </p:style>
       </p:cxnSp>
-      <mc:AlternateContent xmlns:mc="http://schemas.openxmlformats.org/markup-compatibility/2006">
-        <mc:Choice xmlns:a14="http://schemas.microsoft.com/office/drawing/2010/main" Requires="a14">
+      <mc:AlternateContent xmlns:mc="http://schemas.openxmlformats.org/markup-compatibility/2006" xmlns:a14="http://schemas.microsoft.com/office/drawing/2010/main">
+        <mc:Choice Requires="a14">
           <p:sp>
             <p:nvSpPr>
               <p:cNvPr id="45" name="TextBox 44">
@@ -25107,7 +28422,7 @@
             </p:txBody>
           </p:sp>
         </mc:Choice>
-        <mc:Fallback>
+        <mc:Fallback xmlns="">
           <p:sp>
             <p:nvSpPr>
               <p:cNvPr id="45" name="TextBox 44">
@@ -25152,8 +28467,8 @@
           </p:sp>
         </mc:Fallback>
       </mc:AlternateContent>
-      <mc:AlternateContent xmlns:mc="http://schemas.openxmlformats.org/markup-compatibility/2006">
-        <mc:Choice xmlns:a14="http://schemas.microsoft.com/office/drawing/2010/main" Requires="a14">
+      <mc:AlternateContent xmlns:mc="http://schemas.openxmlformats.org/markup-compatibility/2006" xmlns:a14="http://schemas.microsoft.com/office/drawing/2010/main">
+        <mc:Choice Requires="a14">
           <p:sp>
             <p:nvSpPr>
               <p:cNvPr id="47" name="TextBox 46">
@@ -25203,7 +28518,7 @@
             </p:txBody>
           </p:sp>
         </mc:Choice>
-        <mc:Fallback>
+        <mc:Fallback xmlns="">
           <p:sp>
             <p:nvSpPr>
               <p:cNvPr id="47" name="TextBox 46">
@@ -25248,8 +28563,8 @@
           </p:sp>
         </mc:Fallback>
       </mc:AlternateContent>
-      <mc:AlternateContent xmlns:mc="http://schemas.openxmlformats.org/markup-compatibility/2006">
-        <mc:Choice xmlns:a14="http://schemas.microsoft.com/office/drawing/2010/main" Requires="a14">
+      <mc:AlternateContent xmlns:mc="http://schemas.openxmlformats.org/markup-compatibility/2006" xmlns:a14="http://schemas.microsoft.com/office/drawing/2010/main">
+        <mc:Choice Requires="a14">
           <p:sp>
             <p:nvSpPr>
               <p:cNvPr id="48" name="TextBox 47">
@@ -25299,7 +28614,7 @@
             </p:txBody>
           </p:sp>
         </mc:Choice>
-        <mc:Fallback>
+        <mc:Fallback xmlns="">
           <p:sp>
             <p:nvSpPr>
               <p:cNvPr id="48" name="TextBox 47">
@@ -25344,8 +28659,8 @@
           </p:sp>
         </mc:Fallback>
       </mc:AlternateContent>
-      <mc:AlternateContent xmlns:mc="http://schemas.openxmlformats.org/markup-compatibility/2006">
-        <mc:Choice xmlns:a14="http://schemas.microsoft.com/office/drawing/2010/main" Requires="a14">
+      <mc:AlternateContent xmlns:mc="http://schemas.openxmlformats.org/markup-compatibility/2006" xmlns:a14="http://schemas.microsoft.com/office/drawing/2010/main">
+        <mc:Choice Requires="a14">
           <p:sp>
             <p:nvSpPr>
               <p:cNvPr id="49" name="TextBox 48">
@@ -25395,7 +28710,7 @@
             </p:txBody>
           </p:sp>
         </mc:Choice>
-        <mc:Fallback>
+        <mc:Fallback xmlns="">
           <p:sp>
             <p:nvSpPr>
               <p:cNvPr id="49" name="TextBox 48">
@@ -25440,8 +28755,8 @@
           </p:sp>
         </mc:Fallback>
       </mc:AlternateContent>
-      <mc:AlternateContent xmlns:mc="http://schemas.openxmlformats.org/markup-compatibility/2006">
-        <mc:Choice xmlns:a14="http://schemas.microsoft.com/office/drawing/2010/main" Requires="a14">
+      <mc:AlternateContent xmlns:mc="http://schemas.openxmlformats.org/markup-compatibility/2006" xmlns:a14="http://schemas.microsoft.com/office/drawing/2010/main">
+        <mc:Choice Requires="a14">
           <p:sp>
             <p:nvSpPr>
               <p:cNvPr id="50" name="TextBox 49">
@@ -25491,7 +28806,7 @@
             </p:txBody>
           </p:sp>
         </mc:Choice>
-        <mc:Fallback>
+        <mc:Fallback xmlns="">
           <p:sp>
             <p:nvSpPr>
               <p:cNvPr id="50" name="TextBox 49">
@@ -25536,8 +28851,8 @@
           </p:sp>
         </mc:Fallback>
       </mc:AlternateContent>
-      <mc:AlternateContent xmlns:mc="http://schemas.openxmlformats.org/markup-compatibility/2006">
-        <mc:Choice xmlns:a14="http://schemas.microsoft.com/office/drawing/2010/main" Requires="a14">
+      <mc:AlternateContent xmlns:mc="http://schemas.openxmlformats.org/markup-compatibility/2006" xmlns:a14="http://schemas.microsoft.com/office/drawing/2010/main">
+        <mc:Choice Requires="a14">
           <p:sp>
             <p:nvSpPr>
               <p:cNvPr id="51" name="TextBox 50">
@@ -25587,7 +28902,7 @@
             </p:txBody>
           </p:sp>
         </mc:Choice>
-        <mc:Fallback>
+        <mc:Fallback xmlns="">
           <p:sp>
             <p:nvSpPr>
               <p:cNvPr id="51" name="TextBox 50">
@@ -25676,8 +28991,8 @@
           </a:fontRef>
         </p:style>
       </p:cxnSp>
-      <mc:AlternateContent xmlns:mc="http://schemas.openxmlformats.org/markup-compatibility/2006">
-        <mc:Choice xmlns:a14="http://schemas.microsoft.com/office/drawing/2010/main" Requires="a14">
+      <mc:AlternateContent xmlns:mc="http://schemas.openxmlformats.org/markup-compatibility/2006" xmlns:a14="http://schemas.microsoft.com/office/drawing/2010/main">
+        <mc:Choice Requires="a14">
           <p:sp>
             <p:nvSpPr>
               <p:cNvPr id="57" name="TextBox 56">
@@ -25727,7 +29042,7 @@
             </p:txBody>
           </p:sp>
         </mc:Choice>
-        <mc:Fallback>
+        <mc:Fallback xmlns="">
           <p:sp>
             <p:nvSpPr>
               <p:cNvPr id="57" name="TextBox 56">
@@ -25811,153 +29126,6 @@
     <p:extLst>
       <p:ext uri="{BB962C8B-B14F-4D97-AF65-F5344CB8AC3E}">
         <p14:creationId xmlns:p14="http://schemas.microsoft.com/office/powerpoint/2010/main" val="4261079265"/>
-      </p:ext>
-    </p:extLst>
-  </p:cSld>
-  <p:clrMapOvr>
-    <a:masterClrMapping/>
-  </p:clrMapOvr>
-</p:sld>
-</file>
-
-<file path=ppt/slides/slide9.xml><?xml version="1.0" encoding="utf-8"?>
-<p:sld xmlns:a="http://schemas.openxmlformats.org/drawingml/2006/main" xmlns:r="http://schemas.openxmlformats.org/officeDocument/2006/relationships" xmlns:p="http://schemas.openxmlformats.org/presentationml/2006/main">
-  <p:cSld>
-    <p:spTree>
-      <p:nvGrpSpPr>
-        <p:cNvPr id="1" name=""/>
-        <p:cNvGrpSpPr/>
-        <p:nvPr/>
-      </p:nvGrpSpPr>
-      <p:grpSpPr>
-        <a:xfrm>
-          <a:off x="0" y="0"/>
-          <a:ext cx="0" cy="0"/>
-          <a:chOff x="0" y="0"/>
-          <a:chExt cx="0" cy="0"/>
-        </a:xfrm>
-      </p:grpSpPr>
-      <p:pic>
-        <p:nvPicPr>
-          <p:cNvPr id="1030" name="Picture 6">
-            <a:extLst>
-              <a:ext uri="{FF2B5EF4-FFF2-40B4-BE49-F238E27FC236}">
-                <a16:creationId xmlns:a16="http://schemas.microsoft.com/office/drawing/2014/main" id="{15777D23-8C83-0073-587F-BE9B764D3302}"/>
-              </a:ext>
-            </a:extLst>
-          </p:cNvPr>
-          <p:cNvPicPr>
-            <a:picLocks noChangeAspect="1" noChangeArrowheads="1"/>
-          </p:cNvPicPr>
-          <p:nvPr/>
-        </p:nvPicPr>
-        <p:blipFill>
-          <a:blip r:embed="rId2">
-            <a:extLst>
-              <a:ext uri="{28A0092B-C50C-407E-A947-70E740481C1C}">
-                <a14:useLocalDpi xmlns:a14="http://schemas.microsoft.com/office/drawing/2010/main" val="0"/>
-              </a:ext>
-            </a:extLst>
-          </a:blip>
-          <a:srcRect/>
-          <a:stretch>
-            <a:fillRect/>
-          </a:stretch>
-        </p:blipFill>
-        <p:spPr bwMode="auto">
-          <a:xfrm>
-            <a:off x="2734482" y="1438862"/>
-            <a:ext cx="5391511" cy="3032725"/>
-          </a:xfrm>
-          <a:prstGeom prst="rect">
-            <a:avLst/>
-          </a:prstGeom>
-          <a:noFill/>
-          <a:extLst>
-            <a:ext uri="{909E8E84-426E-40DD-AFC4-6F175D3DCCD1}">
-              <a14:hiddenFill xmlns:a14="http://schemas.microsoft.com/office/drawing/2010/main">
-                <a:solidFill>
-                  <a:srgbClr val="FFFFFF"/>
-                </a:solidFill>
-              </a14:hiddenFill>
-            </a:ext>
-          </a:extLst>
-        </p:spPr>
-      </p:pic>
-      <p:sp>
-        <p:nvSpPr>
-          <p:cNvPr id="8" name="TextBox 7">
-            <a:extLst>
-              <a:ext uri="{FF2B5EF4-FFF2-40B4-BE49-F238E27FC236}">
-                <a16:creationId xmlns:a16="http://schemas.microsoft.com/office/drawing/2014/main" id="{92B2DFD6-4F8D-56CE-3F58-93D582B463A6}"/>
-              </a:ext>
-            </a:extLst>
-          </p:cNvPr>
-          <p:cNvSpPr txBox="1"/>
-          <p:nvPr/>
-        </p:nvSpPr>
-        <p:spPr>
-          <a:xfrm>
-            <a:off x="123969" y="6092393"/>
-            <a:ext cx="6096000" cy="369332"/>
-          </a:xfrm>
-          <a:prstGeom prst="rect">
-            <a:avLst/>
-          </a:prstGeom>
-          <a:noFill/>
-        </p:spPr>
-        <p:txBody>
-          <a:bodyPr wrap="square">
-            <a:spAutoFit/>
-          </a:bodyPr>
-          <a:lstStyle/>
-          <a:p>
-            <a:r>
-              <a:rPr lang="en-US" dirty="0"/>
-              <a:t>Source: https://knowledgedefinednetworking.org/</a:t>
-            </a:r>
-          </a:p>
-        </p:txBody>
-      </p:sp>
-      <p:sp>
-        <p:nvSpPr>
-          <p:cNvPr id="10" name="TextBox 9">
-            <a:extLst>
-              <a:ext uri="{FF2B5EF4-FFF2-40B4-BE49-F238E27FC236}">
-                <a16:creationId xmlns:a16="http://schemas.microsoft.com/office/drawing/2014/main" id="{AB5F9CC2-0860-1CD3-3BB1-550F9984E4B1}"/>
-              </a:ext>
-            </a:extLst>
-          </p:cNvPr>
-          <p:cNvSpPr txBox="1"/>
-          <p:nvPr/>
-        </p:nvSpPr>
-        <p:spPr>
-          <a:xfrm>
-            <a:off x="406400" y="471055"/>
-            <a:ext cx="918841" cy="369332"/>
-          </a:xfrm>
-          <a:prstGeom prst="rect">
-            <a:avLst/>
-          </a:prstGeom>
-          <a:noFill/>
-        </p:spPr>
-        <p:txBody>
-          <a:bodyPr wrap="none" rtlCol="0">
-            <a:spAutoFit/>
-          </a:bodyPr>
-          <a:lstStyle/>
-          <a:p>
-            <a:r>
-              <a:rPr lang="en-US" dirty="0"/>
-              <a:t>NSFNET</a:t>
-            </a:r>
-          </a:p>
-        </p:txBody>
-      </p:sp>
-    </p:spTree>
-    <p:extLst>
-      <p:ext uri="{BB962C8B-B14F-4D97-AF65-F5344CB8AC3E}">
-        <p14:creationId xmlns:p14="http://schemas.microsoft.com/office/powerpoint/2010/main" val="3397918359"/>
       </p:ext>
     </p:extLst>
   </p:cSld>

--- a/Environments/Topologies.pptx
+++ b/Environments/Topologies.pptx
@@ -271,7 +271,7 @@
           <a:p>
             <a:fld id="{EE9D271A-18EE-4359-8F7F-FC78FAD70592}" type="datetimeFigureOut">
               <a:rPr lang="en-US" smtClean="0"/>
-              <a:t>8/8/2023</a:t>
+              <a:t>8/14/2023</a:t>
             </a:fld>
             <a:endParaRPr lang="en-US"/>
           </a:p>
@@ -469,7 +469,7 @@
           <a:p>
             <a:fld id="{EE9D271A-18EE-4359-8F7F-FC78FAD70592}" type="datetimeFigureOut">
               <a:rPr lang="en-US" smtClean="0"/>
-              <a:t>8/8/2023</a:t>
+              <a:t>8/14/2023</a:t>
             </a:fld>
             <a:endParaRPr lang="en-US"/>
           </a:p>
@@ -677,7 +677,7 @@
           <a:p>
             <a:fld id="{EE9D271A-18EE-4359-8F7F-FC78FAD70592}" type="datetimeFigureOut">
               <a:rPr lang="en-US" smtClean="0"/>
-              <a:t>8/8/2023</a:t>
+              <a:t>8/14/2023</a:t>
             </a:fld>
             <a:endParaRPr lang="en-US"/>
           </a:p>
@@ -875,7 +875,7 @@
           <a:p>
             <a:fld id="{EE9D271A-18EE-4359-8F7F-FC78FAD70592}" type="datetimeFigureOut">
               <a:rPr lang="en-US" smtClean="0"/>
-              <a:t>8/8/2023</a:t>
+              <a:t>8/14/2023</a:t>
             </a:fld>
             <a:endParaRPr lang="en-US"/>
           </a:p>
@@ -1150,7 +1150,7 @@
           <a:p>
             <a:fld id="{EE9D271A-18EE-4359-8F7F-FC78FAD70592}" type="datetimeFigureOut">
               <a:rPr lang="en-US" smtClean="0"/>
-              <a:t>8/8/2023</a:t>
+              <a:t>8/14/2023</a:t>
             </a:fld>
             <a:endParaRPr lang="en-US"/>
           </a:p>
@@ -1415,7 +1415,7 @@
           <a:p>
             <a:fld id="{EE9D271A-18EE-4359-8F7F-FC78FAD70592}" type="datetimeFigureOut">
               <a:rPr lang="en-US" smtClean="0"/>
-              <a:t>8/8/2023</a:t>
+              <a:t>8/14/2023</a:t>
             </a:fld>
             <a:endParaRPr lang="en-US"/>
           </a:p>
@@ -1827,7 +1827,7 @@
           <a:p>
             <a:fld id="{EE9D271A-18EE-4359-8F7F-FC78FAD70592}" type="datetimeFigureOut">
               <a:rPr lang="en-US" smtClean="0"/>
-              <a:t>8/8/2023</a:t>
+              <a:t>8/14/2023</a:t>
             </a:fld>
             <a:endParaRPr lang="en-US"/>
           </a:p>
@@ -1968,7 +1968,7 @@
           <a:p>
             <a:fld id="{EE9D271A-18EE-4359-8F7F-FC78FAD70592}" type="datetimeFigureOut">
               <a:rPr lang="en-US" smtClean="0"/>
-              <a:t>8/8/2023</a:t>
+              <a:t>8/14/2023</a:t>
             </a:fld>
             <a:endParaRPr lang="en-US"/>
           </a:p>
@@ -2081,7 +2081,7 @@
           <a:p>
             <a:fld id="{EE9D271A-18EE-4359-8F7F-FC78FAD70592}" type="datetimeFigureOut">
               <a:rPr lang="en-US" smtClean="0"/>
-              <a:t>8/8/2023</a:t>
+              <a:t>8/14/2023</a:t>
             </a:fld>
             <a:endParaRPr lang="en-US"/>
           </a:p>
@@ -2392,7 +2392,7 @@
           <a:p>
             <a:fld id="{EE9D271A-18EE-4359-8F7F-FC78FAD70592}" type="datetimeFigureOut">
               <a:rPr lang="en-US" smtClean="0"/>
-              <a:t>8/8/2023</a:t>
+              <a:t>8/14/2023</a:t>
             </a:fld>
             <a:endParaRPr lang="en-US"/>
           </a:p>
@@ -2680,7 +2680,7 @@
           <a:p>
             <a:fld id="{EE9D271A-18EE-4359-8F7F-FC78FAD70592}" type="datetimeFigureOut">
               <a:rPr lang="en-US" smtClean="0"/>
-              <a:t>8/8/2023</a:t>
+              <a:t>8/14/2023</a:t>
             </a:fld>
             <a:endParaRPr lang="en-US"/>
           </a:p>
@@ -2921,7 +2921,7 @@
           <a:p>
             <a:fld id="{EE9D271A-18EE-4359-8F7F-FC78FAD70592}" type="datetimeFigureOut">
               <a:rPr lang="en-US" smtClean="0"/>
-              <a:t>8/8/2023</a:t>
+              <a:t>8/14/2023</a:t>
             </a:fld>
             <a:endParaRPr lang="en-US"/>
           </a:p>
@@ -22010,7 +22010,7 @@
                             <a:rPr lang="en-US" b="0" i="1" smtClean="0">
                               <a:latin typeface="Cambria Math" panose="02040503050406030204" pitchFamily="18" charset="0"/>
                             </a:rPr>
-                            <m:t>5, 0.2</m:t>
+                            <m:t>2 0.7</m:t>
                           </m:r>
                         </m:e>
                       </m:d>
@@ -22068,7 +22068,7 @@
                         <a:rPr lang="en-US" b="0" i="1" smtClean="0">
                           <a:latin typeface="Cambria Math" panose="02040503050406030204" pitchFamily="18" charset="0"/>
                         </a:rPr>
-                        <m:t>(5, 0.5)</m:t>
+                        <m:t>(2 0.9)</m:t>
                       </m:r>
                     </m:oMath>
                   </m:oMathPara>
@@ -22260,7 +22260,7 @@
                         <a:rPr lang="en-US" b="0" i="1" smtClean="0">
                           <a:latin typeface="Cambria Math" panose="02040503050406030204" pitchFamily="18" charset="0"/>
                         </a:rPr>
-                        <m:t>(3)</m:t>
+                        <m:t>(5)</m:t>
                       </m:r>
                     </m:oMath>
                   </m:oMathPara>
@@ -23255,7 +23255,7 @@
             </p:nvSpPr>
             <p:spPr>
               <a:xfrm>
-                <a:off x="3095476" y="4134662"/>
+                <a:off x="3364159" y="4053061"/>
                 <a:ext cx="558166" cy="369332"/>
               </a:xfrm>
               <a:prstGeom prst="rect">
@@ -23307,7 +23307,7 @@
             </p:nvSpPr>
             <p:spPr>
               <a:xfrm>
-                <a:off x="3095476" y="4134662"/>
+                <a:off x="3364159" y="4053061"/>
                 <a:ext cx="558166" cy="369332"/>
               </a:xfrm>
               <a:prstGeom prst="rect">
@@ -23316,7 +23316,7 @@
               <a:blipFill>
                 <a:blip r:embed="rId16"/>
                 <a:stretch>
-                  <a:fillRect b="-13115"/>
+                  <a:fillRect b="-13333"/>
                 </a:stretch>
               </a:blipFill>
             </p:spPr>
@@ -23656,7 +23656,7 @@
                         <a:rPr lang="en-US" b="0" i="1" smtClean="0">
                           <a:latin typeface="Cambria Math" panose="02040503050406030204" pitchFamily="18" charset="0"/>
                         </a:rPr>
-                        <m:t>(3)</m:t>
+                        <m:t>(5)</m:t>
                       </m:r>
                     </m:oMath>
                   </m:oMathPara>
